--- a/PPT/汇报0113.pptx
+++ b/PPT/汇报0113.pptx
@@ -148,6 +148,11 @@
       </a:defRPr>
     </a:lvl9pPr>
   </p:defaultTextStyle>
+  <p:extLst>
+    <p:ext uri="{EFAFB233-063F-42B5-8137-9DF3F51BA10A}">
+      <p15:sldGuideLst xmlns:p15="http://schemas.microsoft.com/office/powerpoint/2012/main"/>
+    </p:ext>
+  </p:extLst>
 </p:presentation>
 </file>
 
@@ -1288,6 +1293,72 @@
           <a:p>
             <a:pPr algn="just"/>
             <a:r>
+              <a:rPr lang="zh-CN" altLang="en-US" b="0" i="0" dirty="0">
+                <a:solidFill>
+                  <a:srgbClr val="000000"/>
+                </a:solidFill>
+                <a:effectLst/>
+                <a:latin typeface="微软雅黑" panose="020B0503020204020204" pitchFamily="34" charset="-122"/>
+                <a:ea typeface="微软雅黑" panose="020B0503020204020204" pitchFamily="34" charset="-122"/>
+              </a:rPr>
+              <a:t>能够从</a:t>
+            </a:r>
+            <a:r>
+              <a:rPr lang="en-US" altLang="zh-CN" b="0" i="0" dirty="0">
+                <a:solidFill>
+                  <a:srgbClr val="000000"/>
+                </a:solidFill>
+                <a:effectLst/>
+                <a:latin typeface="微软雅黑" panose="020B0503020204020204" pitchFamily="34" charset="-122"/>
+                <a:ea typeface="微软雅黑" panose="020B0503020204020204" pitchFamily="34" charset="-122"/>
+              </a:rPr>
+              <a:t>Coq</a:t>
+            </a:r>
+            <a:r>
+              <a:rPr lang="zh-CN" altLang="en-US" b="0" i="0" dirty="0">
+                <a:solidFill>
+                  <a:srgbClr val="000000"/>
+                </a:solidFill>
+                <a:effectLst/>
+                <a:latin typeface="微软雅黑" panose="020B0503020204020204" pitchFamily="34" charset="-122"/>
+                <a:ea typeface="微软雅黑" panose="020B0503020204020204" pitchFamily="34" charset="-122"/>
+              </a:rPr>
+              <a:t>中的标准编译器验证工作流中提取经过验证的</a:t>
+            </a:r>
+            <a:r>
+              <a:rPr lang="en-US" altLang="zh-CN" b="0" i="0" dirty="0">
+                <a:solidFill>
+                  <a:srgbClr val="000000"/>
+                </a:solidFill>
+                <a:effectLst/>
+                <a:latin typeface="微软雅黑" panose="020B0503020204020204" pitchFamily="34" charset="-122"/>
+                <a:ea typeface="微软雅黑" panose="020B0503020204020204" pitchFamily="34" charset="-122"/>
+              </a:rPr>
+              <a:t>C</a:t>
+            </a:r>
+            <a:r>
+              <a:rPr lang="zh-CN" altLang="en-US" b="0" i="0" dirty="0">
+                <a:solidFill>
+                  <a:srgbClr val="000000"/>
+                </a:solidFill>
+                <a:effectLst/>
+                <a:latin typeface="微软雅黑" panose="020B0503020204020204" pitchFamily="34" charset="-122"/>
+                <a:ea typeface="微软雅黑" panose="020B0503020204020204" pitchFamily="34" charset="-122"/>
+              </a:rPr>
+              <a:t>模型，从规范到可执行（端到端）。</a:t>
+            </a:r>
+            <a:endParaRPr lang="en-US" altLang="zh-CN" b="0" i="0" dirty="0">
+              <a:solidFill>
+                <a:srgbClr val="000000"/>
+              </a:solidFill>
+              <a:effectLst/>
+              <a:latin typeface="微软雅黑" panose="020B0503020204020204" pitchFamily="34" charset="-122"/>
+              <a:ea typeface="微软雅黑" panose="020B0503020204020204" pitchFamily="34" charset="-122"/>
+            </a:endParaRPr>
+          </a:p>
+          <a:p>
+            <a:pPr algn="just"/>
+            <a:r>
               <a:rPr lang="en-US" altLang="zh-CN" b="0" i="0" dirty="0" err="1">
                 <a:solidFill>
                   <a:srgbClr val="000000"/>
@@ -2491,6 +2562,56 @@
           <a:bodyPr/>
           <a:lstStyle/>
           <a:p>
+            <a:r>
+              <a:rPr lang="en-US" altLang="zh-CN" dirty="0" err="1"/>
+              <a:t>CompCert</a:t>
+            </a:r>
+            <a:r>
+              <a:rPr lang="en-US" altLang="zh-CN" dirty="0"/>
+              <a:t> returns an option-typed object: 【</a:t>
+            </a:r>
+            <a:r>
+              <a:rPr lang="en-US" altLang="zh-CN" dirty="0" err="1"/>
+              <a:t>tp</a:t>
+            </a:r>
+            <a:r>
+              <a:rPr lang="en-US" altLang="zh-CN" dirty="0"/>
+              <a:t>】 denotes success with result </a:t>
+            </a:r>
+            <a:r>
+              <a:rPr lang="en-US" altLang="zh-CN" dirty="0" err="1"/>
+              <a:t>tp,and</a:t>
+            </a:r>
+            <a:r>
+              <a:rPr lang="en-US" altLang="zh-CN" dirty="0"/>
+              <a:t>∅ denotes failure.</a:t>
+            </a:r>
+          </a:p>
+          <a:p>
+            <a:r>
+              <a:rPr lang="en-US" altLang="zh-CN" dirty="0" err="1"/>
+              <a:t>CompCertTSO</a:t>
+            </a:r>
+            <a:r>
+              <a:rPr lang="en-US" altLang="zh-CN" dirty="0"/>
+              <a:t>: A Verified Compiler for Relaxed-Memory Concurrency</a:t>
+            </a:r>
+            <a:r>
+              <a:rPr lang="zh-CN" altLang="en-US" dirty="0"/>
+              <a:t>：后推前需要</a:t>
+            </a:r>
+            <a:r>
+              <a:rPr lang="en-US" altLang="zh-CN" dirty="0"/>
+              <a:t>Determinism</a:t>
+            </a:r>
+            <a:r>
+              <a:rPr lang="zh-CN" altLang="en-US" dirty="0"/>
+              <a:t>和</a:t>
+            </a:r>
+            <a:r>
+              <a:rPr lang="en-US" altLang="zh-CN" dirty="0"/>
+              <a:t>Receptiveness</a:t>
+            </a:r>
             <a:endParaRPr lang="zh-CN" altLang="en-US" dirty="0"/>
           </a:p>
         </p:txBody>
@@ -2574,6 +2695,108 @@
         <p:txBody>
           <a:bodyPr/>
           <a:lstStyle/>
+          <a:p>
+            <a:r>
+              <a:rPr lang="zh-CN" altLang="en-US" b="0" i="0" dirty="0">
+                <a:solidFill>
+                  <a:srgbClr val="000000"/>
+                </a:solidFill>
+                <a:effectLst/>
+                <a:latin typeface="微软雅黑" panose="020B0503020204020204" pitchFamily="34" charset="-122"/>
+                <a:ea typeface="微软雅黑" panose="020B0503020204020204" pitchFamily="34" charset="-122"/>
+              </a:rPr>
+              <a:t>我们正在为</a:t>
+            </a:r>
+            <a:r>
+              <a:rPr lang="en-US" altLang="zh-CN" b="0" i="0" dirty="0">
+                <a:solidFill>
+                  <a:srgbClr val="000000"/>
+                </a:solidFill>
+                <a:effectLst/>
+                <a:latin typeface="微软雅黑" panose="020B0503020204020204" pitchFamily="34" charset="-122"/>
+                <a:ea typeface="微软雅黑" panose="020B0503020204020204" pitchFamily="34" charset="-122"/>
+              </a:rPr>
+              <a:t>RIOT</a:t>
+            </a:r>
+            <a:r>
+              <a:rPr lang="zh-CN" altLang="en-US" b="0" i="0" dirty="0">
+                <a:solidFill>
+                  <a:srgbClr val="000000"/>
+                </a:solidFill>
+                <a:effectLst/>
+                <a:latin typeface="微软雅黑" panose="020B0503020204020204" pitchFamily="34" charset="-122"/>
+                <a:ea typeface="微软雅黑" panose="020B0503020204020204" pitchFamily="34" charset="-122"/>
+              </a:rPr>
+              <a:t>设计一个经过充分验证的</a:t>
+            </a:r>
+            <a:r>
+              <a:rPr lang="en-US" altLang="zh-CN" b="0" i="0" dirty="0">
+                <a:solidFill>
+                  <a:srgbClr val="000000"/>
+                </a:solidFill>
+                <a:effectLst/>
+                <a:latin typeface="微软雅黑" panose="020B0503020204020204" pitchFamily="34" charset="-122"/>
+                <a:ea typeface="微软雅黑" panose="020B0503020204020204" pitchFamily="34" charset="-122"/>
+              </a:rPr>
+              <a:t>JIT</a:t>
+            </a:r>
+            <a:r>
+              <a:rPr lang="zh-CN" altLang="en-US" b="0" i="0" dirty="0">
+                <a:solidFill>
+                  <a:srgbClr val="000000"/>
+                </a:solidFill>
+                <a:effectLst/>
+                <a:latin typeface="微软雅黑" panose="020B0503020204020204" pitchFamily="34" charset="-122"/>
+                <a:ea typeface="微软雅黑" panose="020B0503020204020204" pitchFamily="34" charset="-122"/>
+              </a:rPr>
+              <a:t>全编译器，将所有</a:t>
+            </a:r>
+            <a:r>
+              <a:rPr lang="en-US" altLang="zh-CN" b="0" i="0" dirty="0" err="1">
+                <a:solidFill>
+                  <a:srgbClr val="000000"/>
+                </a:solidFill>
+                <a:effectLst/>
+                <a:latin typeface="微软雅黑" panose="020B0503020204020204" pitchFamily="34" charset="-122"/>
+                <a:ea typeface="微软雅黑" panose="020B0503020204020204" pitchFamily="34" charset="-122"/>
+              </a:rPr>
+              <a:t>rBPF</a:t>
+            </a:r>
+            <a:r>
+              <a:rPr lang="zh-CN" altLang="en-US" b="0" i="0" dirty="0">
+                <a:solidFill>
+                  <a:srgbClr val="000000"/>
+                </a:solidFill>
+                <a:effectLst/>
+                <a:latin typeface="微软雅黑" panose="020B0503020204020204" pitchFamily="34" charset="-122"/>
+                <a:ea typeface="微软雅黑" panose="020B0503020204020204" pitchFamily="34" charset="-122"/>
+              </a:rPr>
+              <a:t>指令转换为二进制。该项目最具挑战性的方面之一是将定制优化的检查内存算法链接并嵌入到</a:t>
+            </a:r>
+            <a:r>
+              <a:rPr lang="en-US" altLang="zh-CN" b="0" i="0" dirty="0" err="1">
+                <a:solidFill>
+                  <a:srgbClr val="000000"/>
+                </a:solidFill>
+                <a:effectLst/>
+                <a:latin typeface="微软雅黑" panose="020B0503020204020204" pitchFamily="34" charset="-122"/>
+                <a:ea typeface="微软雅黑" panose="020B0503020204020204" pitchFamily="34" charset="-122"/>
+              </a:rPr>
+              <a:t>jited</a:t>
+            </a:r>
+            <a:r>
+              <a:rPr lang="zh-CN" altLang="en-US" b="0" i="0" dirty="0">
+                <a:solidFill>
+                  <a:srgbClr val="000000"/>
+                </a:solidFill>
+                <a:effectLst/>
+                <a:latin typeface="微软雅黑" panose="020B0503020204020204" pitchFamily="34" charset="-122"/>
+                <a:ea typeface="微软雅黑" panose="020B0503020204020204" pitchFamily="34" charset="-122"/>
+              </a:rPr>
+              <a:t>代码中（使用循环展开、部分求值）。</a:t>
+            </a:r>
+            <a:endParaRPr lang="en-US" altLang="zh-CN" b="1" dirty="0"/>
+          </a:p>
           <a:p>
             <a:r>
               <a:rPr lang="zh-CN" altLang="en-US" b="1" dirty="0"/>

--- a/PPT/汇报0113.pptx
+++ b/PPT/汇报0113.pptx
@@ -238,7 +238,7 @@
           <a:p>
             <a:fld id="{ACF805A0-29D1-49DF-B79B-72B70866A0EE}" type="datetimeFigureOut">
               <a:rPr lang="zh-CN" altLang="en-US" smtClean="0"/>
-              <a:t>2025/1/13</a:t>
+              <a:t>2025/1/14</a:t>
             </a:fld>
             <a:endParaRPr lang="zh-CN" altLang="en-US"/>
           </a:p>
@@ -643,7 +643,400 @@
           <a:bodyPr/>
           <a:lstStyle/>
           <a:p>
-            <a:pPr algn="just"/>
+            <a:r>
+              <a:rPr lang="en-US" altLang="zh-CN" dirty="0"/>
+              <a:t>[M-YIELD] </a:t>
+            </a:r>
+            <a:r>
+              <a:rPr lang="zh-CN" altLang="en-US" b="1" dirty="0"/>
+              <a:t>：保证前置条件包含在线程保证中</a:t>
+            </a:r>
+            <a:r>
+              <a:rPr lang="zh-CN" altLang="en-US" dirty="0"/>
+              <a:t>：前提条件 </a:t>
+            </a:r>
+            <a:r>
+              <a:rPr lang="en-US" altLang="zh-CN" dirty="0"/>
+              <a:t>P ⇒ G </a:t>
+            </a:r>
+            <a:r>
+              <a:rPr lang="zh-CN" altLang="en-US" dirty="0"/>
+              <a:t>表示：</a:t>
+            </a:r>
+            <a:r>
+              <a:rPr lang="en-US" altLang="zh-CN" dirty="0"/>
+              <a:t>P</a:t>
+            </a:r>
+            <a:r>
+              <a:rPr lang="zh-CN" altLang="en-US" dirty="0"/>
+              <a:t>（</a:t>
+            </a:r>
+            <a:r>
+              <a:rPr lang="en-US" altLang="zh-CN" dirty="0"/>
+              <a:t>yield </a:t>
+            </a:r>
+            <a:r>
+              <a:rPr lang="zh-CN" altLang="en-US" dirty="0"/>
+              <a:t>之前的可约序列的所有可能行为）必须包含在线程保证 </a:t>
+            </a:r>
+            <a:r>
+              <a:rPr lang="en-US" altLang="zh-CN" dirty="0"/>
+              <a:t>G </a:t>
+            </a:r>
+            <a:r>
+              <a:rPr lang="zh-CN" altLang="en-US" dirty="0"/>
+              <a:t>中。也就是说，</a:t>
+            </a:r>
+            <a:r>
+              <a:rPr lang="en-US" altLang="zh-CN" dirty="0"/>
+              <a:t>yield </a:t>
+            </a:r>
+            <a:r>
+              <a:rPr lang="zh-CN" altLang="en-US" dirty="0"/>
+              <a:t>操作前的行为必须符合线程整体的保证。</a:t>
+            </a:r>
+            <a:r>
+              <a:rPr lang="zh-CN" altLang="en-US" b="1" dirty="0"/>
+              <a:t>后置条件的确定</a:t>
+            </a:r>
+            <a:r>
+              <a:rPr lang="zh-CN" altLang="en-US" dirty="0"/>
+              <a:t>：后置条件 </a:t>
+            </a:r>
+            <a:r>
+              <a:rPr lang="en-US" altLang="zh-CN" dirty="0"/>
+              <a:t>Q </a:t>
+            </a:r>
+            <a:r>
+              <a:rPr lang="zh-CN" altLang="en-US" dirty="0"/>
+              <a:t>通过公式 </a:t>
+            </a:r>
+            <a:r>
+              <a:rPr lang="en-US" altLang="zh-CN" dirty="0"/>
+              <a:t>Q = Yield(P, R) </a:t>
+            </a:r>
+            <a:r>
+              <a:rPr lang="zh-CN" altLang="en-US" dirty="0"/>
+              <a:t>计算，结合了以下因素：</a:t>
+            </a:r>
+            <a:r>
+              <a:rPr lang="en-US" altLang="zh-CN" dirty="0"/>
+              <a:t>P</a:t>
+            </a:r>
+            <a:r>
+              <a:rPr lang="zh-CN" altLang="en-US" dirty="0"/>
+              <a:t>：当前的前置条件。</a:t>
+            </a:r>
+            <a:r>
+              <a:rPr lang="en-US" altLang="zh-CN" dirty="0"/>
+              <a:t>R</a:t>
+            </a:r>
+            <a:r>
+              <a:rPr lang="zh-CN" altLang="en-US" dirty="0"/>
+              <a:t>：依赖假设（</a:t>
+            </a:r>
+            <a:r>
+              <a:rPr lang="en-US" altLang="zh-CN" dirty="0"/>
+              <a:t>rely assumption</a:t>
+            </a:r>
+            <a:r>
+              <a:rPr lang="zh-CN" altLang="en-US" dirty="0"/>
+              <a:t>），描述了其他线程可能引入的干扰。计算 </a:t>
+            </a:r>
+            <a:r>
+              <a:rPr lang="en-US" altLang="zh-CN" dirty="0"/>
+              <a:t>Yield(P, R) </a:t>
+            </a:r>
+            <a:r>
+              <a:rPr lang="zh-CN" altLang="en-US" dirty="0"/>
+              <a:t>的过程：</a:t>
+            </a:r>
+            <a:r>
+              <a:rPr lang="en-US" altLang="zh-CN" dirty="0"/>
+              <a:t>Yield(P, R) </a:t>
+            </a:r>
+            <a:r>
+              <a:rPr lang="zh-CN" altLang="en-US" dirty="0"/>
+              <a:t>模拟了依赖假设 </a:t>
+            </a:r>
+            <a:r>
+              <a:rPr lang="en-US" altLang="zh-CN" dirty="0"/>
+              <a:t>R </a:t>
+            </a:r>
+            <a:r>
+              <a:rPr lang="zh-CN" altLang="en-US" dirty="0"/>
+              <a:t>所描述的其他线程的多次干扰（通过迭代 </a:t>
+            </a:r>
+            <a:r>
+              <a:rPr lang="en-US" altLang="zh-CN" dirty="0"/>
+              <a:t>R*</a:t>
+            </a:r>
+            <a:r>
+              <a:rPr lang="zh-CN" altLang="en-US" dirty="0"/>
+              <a:t>）。之后，它将每个变量的 </a:t>
+            </a:r>
+            <a:r>
+              <a:rPr lang="en-US" altLang="zh-CN" dirty="0"/>
+              <a:t>\old(x) </a:t>
+            </a:r>
+            <a:r>
+              <a:rPr lang="zh-CN" altLang="en-US" dirty="0"/>
+              <a:t>值重置为新可约序列开始时 </a:t>
+            </a:r>
+            <a:r>
+              <a:rPr lang="en-US" altLang="zh-CN" dirty="0"/>
+              <a:t>x </a:t>
+            </a:r>
+            <a:r>
+              <a:rPr lang="zh-CN" altLang="en-US" dirty="0"/>
+              <a:t>的当前值。这意味着，</a:t>
+            </a:r>
+            <a:r>
+              <a:rPr lang="en-US" altLang="zh-CN" dirty="0"/>
+              <a:t>yield </a:t>
+            </a:r>
+            <a:r>
+              <a:rPr lang="zh-CN" altLang="en-US" dirty="0"/>
+              <a:t>后，新的可约序列将以当前存储状态作为初始状态。给定依赖假设 </a:t>
+            </a:r>
+            <a:r>
+              <a:rPr lang="en-US" altLang="zh-CN" dirty="0"/>
+              <a:t>R </a:t>
+            </a:r>
+            <a:r>
+              <a:rPr lang="zh-CN" altLang="en-US" dirty="0"/>
+              <a:t>和线程保证 </a:t>
+            </a:r>
+            <a:r>
+              <a:rPr lang="en-US" altLang="zh-CN" dirty="0"/>
+              <a:t>G</a:t>
+            </a:r>
+            <a:r>
+              <a:rPr lang="zh-CN" altLang="en-US" dirty="0"/>
+              <a:t>：</a:t>
+            </a:r>
+            <a:r>
+              <a:rPr lang="en-US" altLang="zh-CN" dirty="0"/>
+              <a:t>yield </a:t>
+            </a:r>
+            <a:r>
+              <a:rPr lang="zh-CN" altLang="en-US" dirty="0"/>
+              <a:t>操作的前置条件是 </a:t>
+            </a:r>
+            <a:r>
+              <a:rPr lang="en-US" altLang="zh-CN" dirty="0"/>
+              <a:t>P</a:t>
+            </a:r>
+            <a:r>
+              <a:rPr lang="zh-CN" altLang="en-US" dirty="0"/>
+              <a:t>；执行后，其后置条件为 </a:t>
+            </a:r>
+            <a:r>
+              <a:rPr lang="en-US" altLang="zh-CN" dirty="0"/>
+              <a:t>Q</a:t>
+            </a:r>
+            <a:r>
+              <a:rPr lang="zh-CN" altLang="en-US" dirty="0"/>
+              <a:t>；整个 </a:t>
+            </a:r>
+            <a:r>
+              <a:rPr lang="en-US" altLang="zh-CN" dirty="0"/>
+              <a:t>yield </a:t>
+            </a:r>
+            <a:r>
+              <a:rPr lang="zh-CN" altLang="en-US" dirty="0"/>
+              <a:t>操作的效果为 </a:t>
+            </a:r>
+            <a:r>
+              <a:rPr lang="en-US" altLang="zh-CN" dirty="0"/>
+              <a:t>Y</a:t>
+            </a:r>
+            <a:r>
+              <a:rPr lang="zh-CN" altLang="en-US" dirty="0"/>
+              <a:t>（表示线程的 </a:t>
+            </a:r>
+            <a:r>
+              <a:rPr lang="en-US" altLang="zh-CN" dirty="0"/>
+              <a:t>yield </a:t>
+            </a:r>
+            <a:r>
+              <a:rPr lang="zh-CN" altLang="en-US" dirty="0"/>
+              <a:t>操作）。</a:t>
+            </a:r>
+          </a:p>
+          <a:p>
+            <a:endParaRPr lang="en-US" altLang="zh-CN" dirty="0"/>
+          </a:p>
+          <a:p>
+            <a:r>
+              <a:rPr lang="en-US" altLang="zh-CN" dirty="0"/>
+              <a:t>[M-ACTION]</a:t>
+            </a:r>
+            <a:r>
+              <a:rPr lang="zh-CN" altLang="en-US" dirty="0"/>
+              <a:t>所谓 </a:t>
+            </a:r>
+            <a:r>
+              <a:rPr lang="en-US" altLang="zh-CN" dirty="0"/>
+              <a:t>"total" </a:t>
+            </a:r>
+            <a:r>
+              <a:rPr lang="zh-CN" altLang="en-US" dirty="0"/>
+              <a:t>主要意味着 </a:t>
+            </a:r>
+            <a:r>
+              <a:rPr lang="en-US" altLang="zh-CN" dirty="0"/>
+              <a:t>A</a:t>
+            </a:r>
+            <a:r>
+              <a:rPr lang="zh-CN" altLang="en-US" dirty="0"/>
+              <a:t>在所有可能的输入上都必须有定义并且确保能够完成执行，不会陷入无限循环或者停滞不前。</a:t>
+            </a:r>
+          </a:p>
+          <a:p>
+            <a:r>
+              <a:rPr lang="zh-CN" altLang="en-US" dirty="0"/>
+              <a:t>在这种情况下，</a:t>
+            </a:r>
+            <a:r>
+              <a:rPr lang="zh-CN" altLang="en-US" b="1" dirty="0"/>
+              <a:t>如果 </a:t>
+            </a:r>
+            <a:r>
+              <a:rPr lang="en-US" altLang="zh-CN" b="1" dirty="0"/>
+              <a:t>A </a:t>
+            </a:r>
+            <a:r>
+              <a:rPr lang="zh-CN" altLang="en-US" b="1" dirty="0"/>
+              <a:t>是一个左移子（</a:t>
+            </a:r>
+            <a:r>
+              <a:rPr lang="en-US" altLang="zh-CN" b="1" dirty="0"/>
+              <a:t>left-mover</a:t>
+            </a:r>
+            <a:r>
+              <a:rPr lang="zh-CN" altLang="en-US" b="1" dirty="0"/>
+              <a:t>）此时已经在</a:t>
+            </a:r>
+            <a:r>
+              <a:rPr lang="en-US" altLang="zh-CN" b="1" dirty="0" err="1"/>
+              <a:t>postcommit</a:t>
+            </a:r>
+            <a:r>
+              <a:rPr lang="zh-CN" altLang="en-US" b="1" dirty="0"/>
+              <a:t>状态，就需要它在所有情况下都能顺利终止</a:t>
+            </a:r>
+            <a:r>
+              <a:rPr lang="zh-CN" altLang="en-US" dirty="0"/>
+              <a:t>，即 </a:t>
+            </a:r>
+            <a:r>
+              <a:rPr lang="en-US" altLang="zh-CN" dirty="0"/>
+              <a:t>A </a:t>
+            </a:r>
+            <a:r>
+              <a:rPr lang="zh-CN" altLang="en-US" dirty="0"/>
+              <a:t>必须是全定义的（</a:t>
+            </a:r>
+            <a:r>
+              <a:rPr lang="en-US" altLang="zh-CN" dirty="0"/>
+              <a:t>total</a:t>
+            </a:r>
+            <a:r>
+              <a:rPr lang="zh-CN" altLang="en-US" dirty="0"/>
+              <a:t>）。这样的要求是为了避免出现程序错误，比如并行执行的两个线程中，一个线程在执行无限循环后，导致程序状态不一致或无法预料的行为。例如，程序中提到的 </a:t>
+            </a:r>
+            <a:r>
+              <a:rPr lang="en-US" altLang="zh-CN" dirty="0"/>
+              <a:t>(x = 1; while (true) skip; yield) || (assert x != 1)</a:t>
+            </a:r>
+            <a:r>
+              <a:rPr lang="zh-CN" altLang="en-US" dirty="0"/>
+              <a:t>，如果不保证左移动部分的终止，就可能导致断言失败，因为第一个线程中的写入操作（</a:t>
+            </a:r>
+            <a:r>
+              <a:rPr lang="en-US" altLang="zh-CN" dirty="0"/>
+              <a:t>x=1</a:t>
+            </a:r>
+            <a:r>
+              <a:rPr lang="zh-CN" altLang="en-US" dirty="0"/>
+              <a:t>）永远不会终止，违反了线程保证 </a:t>
+            </a:r>
+            <a:r>
+              <a:rPr lang="en-US" altLang="zh-CN" dirty="0"/>
+              <a:t>G</a:t>
+            </a:r>
+            <a:r>
+              <a:rPr lang="zh-CN" altLang="en-US" dirty="0"/>
+              <a:t>。</a:t>
+            </a:r>
+          </a:p>
+          <a:p>
+            <a:endParaRPr lang="en-US" altLang="zh-CN" dirty="0"/>
+          </a:p>
+          <a:p>
+            <a:r>
+              <a:rPr lang="en-US" altLang="zh-CN" dirty="0"/>
+              <a:t>[M-WHILE]</a:t>
+            </a:r>
+            <a:r>
+              <a:rPr lang="zh-CN" altLang="en-US" dirty="0"/>
+              <a:t>循环的后置条件是在给定前置条件 </a:t>
+            </a:r>
+            <a:r>
+              <a:rPr lang="en-US" altLang="zh-CN" dirty="0"/>
+              <a:t>P </a:t>
+            </a:r>
+            <a:r>
+              <a:rPr lang="zh-CN" altLang="en-US" dirty="0"/>
+              <a:t>的情况下，</a:t>
+            </a:r>
+            <a:r>
+              <a:rPr lang="en-US" altLang="zh-CN" dirty="0"/>
+              <a:t>A2 </a:t>
+            </a:r>
+            <a:r>
+              <a:rPr lang="zh-CN" altLang="en-US" dirty="0"/>
+              <a:t>的后置条件。循环的效果（</a:t>
+            </a:r>
+            <a:r>
+              <a:rPr lang="en-US" altLang="zh-CN" dirty="0"/>
+              <a:t>effect</a:t>
+            </a:r>
+            <a:r>
+              <a:rPr lang="zh-CN" altLang="en-US" dirty="0"/>
+              <a:t>）是一次迭代的效果（由 </a:t>
+            </a:r>
+            <a:r>
+              <a:rPr lang="en-US" altLang="zh-CN" dirty="0"/>
+              <a:t>M(A1, P); e1 </a:t>
+            </a:r>
+            <a:r>
+              <a:rPr lang="zh-CN" altLang="en-US" dirty="0"/>
+              <a:t>定义）的迭代闭包，与循环终止测试 </a:t>
+            </a:r>
+            <a:r>
+              <a:rPr lang="en-US" altLang="zh-CN" dirty="0"/>
+              <a:t>A2 </a:t>
+            </a:r>
+            <a:r>
+              <a:rPr lang="zh-CN" altLang="en-US" dirty="0"/>
+              <a:t>的效果序列组合。</a:t>
+            </a:r>
+          </a:p>
+          <a:p>
+            <a:r>
+              <a:rPr lang="zh-CN" altLang="en-US" dirty="0"/>
+              <a:t>这里 </a:t>
+            </a:r>
+            <a:r>
+              <a:rPr lang="en-US" altLang="zh-CN" dirty="0"/>
+              <a:t>e = (M(A1, P); e1)*; M(A2, P) </a:t>
+            </a:r>
+            <a:r>
+              <a:rPr lang="zh-CN" altLang="en-US" dirty="0"/>
+              <a:t>表示循环的总效果，由多次迭代的效果和最终循环终止时的效果组成。</a:t>
+            </a:r>
             <a:r>
               <a:rPr lang="zh-CN" altLang="en-US" b="0" i="0" dirty="0">
                 <a:solidFill>
@@ -653,18 +1046,8 @@
                 <a:latin typeface="微软雅黑" panose="020B0503020204020204" pitchFamily="34" charset="-122"/>
                 <a:ea typeface="微软雅黑" panose="020B0503020204020204" pitchFamily="34" charset="-122"/>
               </a:rPr>
-              <a:t>为了简单起见，我们要求非原子函数调用和返回发生在可约序列的开头。？？</a:t>
-            </a:r>
-            <a:endParaRPr lang="en-US" altLang="zh-CN" b="0" i="0" dirty="0">
-              <a:solidFill>
-                <a:srgbClr val="000000"/>
-              </a:solidFill>
-              <a:effectLst/>
-              <a:latin typeface="微软雅黑" panose="020B0503020204020204" pitchFamily="34" charset="-122"/>
-              <a:ea typeface="微软雅黑" panose="020B0503020204020204" pitchFamily="34" charset="-122"/>
-            </a:endParaRPr>
-          </a:p>
-          <a:p>
+              <a:t>为了确保左移终止要求，要求</a:t>
+            </a:r>
             <a:r>
               <a:rPr lang="en-US" altLang="zh-CN" b="0" i="0" dirty="0">
                 <a:solidFill>
@@ -674,7 +1057,7 @@
                 <a:latin typeface="微软雅黑" panose="020B0503020204020204" pitchFamily="34" charset="-122"/>
                 <a:ea typeface="微软雅黑" panose="020B0503020204020204" pitchFamily="34" charset="-122"/>
               </a:rPr>
-              <a:t>I</a:t>
+              <a:t>e̸⊑L</a:t>
             </a:r>
             <a:r>
               <a:rPr lang="zh-CN" altLang="en-US" b="0" i="0" dirty="0">
@@ -685,31 +1068,43 @@
                 <a:latin typeface="微软雅黑" panose="020B0503020204020204" pitchFamily="34" charset="-122"/>
                 <a:ea typeface="微软雅黑" panose="020B0503020204020204" pitchFamily="34" charset="-122"/>
               </a:rPr>
-              <a:t>表示当前的可约序列是平凡的</a:t>
-            </a:r>
-            <a:r>
-              <a:rPr lang="en-US" altLang="zh-CN" b="0" i="0" dirty="0">
-                <a:solidFill>
-                  <a:srgbClr val="000000"/>
-                </a:solidFill>
-                <a:effectLst/>
-                <a:latin typeface="微软雅黑" panose="020B0503020204020204" pitchFamily="34" charset="-122"/>
-                <a:ea typeface="微软雅黑" panose="020B0503020204020204" pitchFamily="34" charset="-122"/>
-              </a:rPr>
-              <a:t>/</a:t>
-            </a:r>
-            <a:r>
-              <a:rPr lang="zh-CN" altLang="en-US" b="0" i="0" dirty="0">
-                <a:solidFill>
-                  <a:srgbClr val="000000"/>
-                </a:solidFill>
-                <a:effectLst/>
-                <a:latin typeface="微软雅黑" panose="020B0503020204020204" pitchFamily="34" charset="-122"/>
-                <a:ea typeface="微软雅黑" panose="020B0503020204020204" pitchFamily="34" charset="-122"/>
-              </a:rPr>
-              <a:t>空的</a:t>
-            </a:r>
-            <a:endParaRPr lang="zh-CN" altLang="en-US" dirty="0"/>
+              <a:t>。</a:t>
+            </a:r>
+            <a:r>
+              <a:rPr lang="zh-CN" altLang="en-US" b="1" i="0" dirty="0">
+                <a:solidFill>
+                  <a:srgbClr val="000000"/>
+                </a:solidFill>
+                <a:effectLst/>
+                <a:latin typeface="微软雅黑" panose="020B0503020204020204" pitchFamily="34" charset="-122"/>
+                <a:ea typeface="微软雅黑" panose="020B0503020204020204" pitchFamily="34" charset="-122"/>
+              </a:rPr>
+              <a:t>也就是说，可约序列</a:t>
+            </a:r>
+            <a:r>
+              <a:rPr lang="zh-CN" altLang="en-US" b="1" dirty="0"/>
+              <a:t>在</a:t>
+            </a:r>
+            <a:r>
+              <a:rPr lang="en-US" altLang="zh-CN" b="1" dirty="0" err="1"/>
+              <a:t>postcommit</a:t>
+            </a:r>
+            <a:r>
+              <a:rPr lang="zh-CN" altLang="en-US" b="1" dirty="0"/>
+              <a:t>状态</a:t>
+            </a:r>
+            <a:r>
+              <a:rPr lang="zh-CN" altLang="en-US" b="1" i="0" dirty="0">
+                <a:solidFill>
+                  <a:srgbClr val="000000"/>
+                </a:solidFill>
+                <a:effectLst/>
+                <a:latin typeface="微软雅黑" panose="020B0503020204020204" pitchFamily="34" charset="-122"/>
+                <a:ea typeface="微软雅黑" panose="020B0503020204020204" pitchFamily="34" charset="-122"/>
+              </a:rPr>
+              <a:t>不能包含循环。</a:t>
+            </a:r>
+            <a:endParaRPr lang="zh-CN" altLang="en-US" b="1" dirty="0"/>
           </a:p>
         </p:txBody>
       </p:sp>
@@ -730,7 +1125,7 @@
           <a:p>
             <a:fld id="{13D28DC2-5057-445C-8872-C1533802A2F5}" type="slidenum">
               <a:rPr lang="zh-CN" altLang="en-US" smtClean="0"/>
-              <a:t>18</a:t>
+              <a:t>17</a:t>
             </a:fld>
             <a:endParaRPr lang="zh-CN" altLang="en-US"/>
           </a:p>
@@ -739,7 +1134,7 @@
     </p:spTree>
     <p:extLst>
       <p:ext uri="{BB962C8B-B14F-4D97-AF65-F5344CB8AC3E}">
-        <p14:creationId xmlns:p14="http://schemas.microsoft.com/office/powerpoint/2010/main" val="2791112776"/>
+        <p14:creationId xmlns:p14="http://schemas.microsoft.com/office/powerpoint/2010/main" val="2242676645"/>
       </p:ext>
     </p:extLst>
   </p:cSld>
@@ -793,6 +1188,7 @@
           <a:bodyPr/>
           <a:lstStyle/>
           <a:p>
+            <a:pPr algn="just"/>
             <a:r>
               <a:rPr lang="zh-CN" altLang="en-US" b="0" i="0" dirty="0">
                 <a:solidFill>
@@ -802,29 +1198,7 @@
                 <a:latin typeface="微软雅黑" panose="020B0503020204020204" pitchFamily="34" charset="-122"/>
                 <a:ea typeface="微软雅黑" panose="020B0503020204020204" pitchFamily="34" charset="-122"/>
               </a:rPr>
-              <a:t>全局表</a:t>
-            </a:r>
-            <a:r>
-              <a:rPr lang="en-US" altLang="zh-CN" b="0" i="0" dirty="0">
-                <a:solidFill>
-                  <a:srgbClr val="000000"/>
-                </a:solidFill>
-                <a:effectLst/>
-                <a:latin typeface="微软雅黑" panose="020B0503020204020204" pitchFamily="34" charset="-122"/>
-                <a:ea typeface="微软雅黑" panose="020B0503020204020204" pitchFamily="34" charset="-122"/>
-              </a:rPr>
-              <a:t>D</a:t>
-            </a:r>
-            <a:r>
-              <a:rPr lang="zh-CN" altLang="en-US" b="0" i="0" dirty="0">
-                <a:solidFill>
-                  <a:srgbClr val="000000"/>
-                </a:solidFill>
-                <a:effectLst/>
-                <a:latin typeface="微软雅黑" panose="020B0503020204020204" pitchFamily="34" charset="-122"/>
-                <a:ea typeface="微软雅黑" panose="020B0503020204020204" pitchFamily="34" charset="-122"/>
-              </a:rPr>
-              <a:t>中的每个函数定义都是可验证的</a:t>
+              <a:t>为了简单起见，我们要求非原子函数调用和返回发生在可约序列的开头。？？</a:t>
             </a:r>
             <a:endParaRPr lang="en-US" altLang="zh-CN" b="0" i="0" dirty="0">
               <a:solidFill>
@@ -845,7 +1219,7 @@
                 <a:latin typeface="微软雅黑" panose="020B0503020204020204" pitchFamily="34" charset="-122"/>
                 <a:ea typeface="微软雅黑" panose="020B0503020204020204" pitchFamily="34" charset="-122"/>
               </a:rPr>
-              <a:t>mover</a:t>
+              <a:t>I</a:t>
             </a:r>
             <a:r>
               <a:rPr lang="zh-CN" altLang="en-US" b="0" i="0" dirty="0">
@@ -856,7 +1230,7 @@
                 <a:latin typeface="微软雅黑" panose="020B0503020204020204" pitchFamily="34" charset="-122"/>
                 <a:ea typeface="微软雅黑" panose="020B0503020204020204" pitchFamily="34" charset="-122"/>
               </a:rPr>
-              <a:t>规范</a:t>
+              <a:t>表示当前的可约序列是平凡的</a:t>
             </a:r>
             <a:r>
               <a:rPr lang="en-US" altLang="zh-CN" b="0" i="0" dirty="0">
@@ -867,7 +1241,7 @@
                 <a:latin typeface="微软雅黑" panose="020B0503020204020204" pitchFamily="34" charset="-122"/>
                 <a:ea typeface="微软雅黑" panose="020B0503020204020204" pitchFamily="34" charset="-122"/>
               </a:rPr>
-              <a:t>M</a:t>
+              <a:t>/</a:t>
             </a:r>
             <a:r>
               <a:rPr lang="zh-CN" altLang="en-US" b="0" i="0" dirty="0">
@@ -878,335 +1252,8 @@
                 <a:latin typeface="微软雅黑" panose="020B0503020204020204" pitchFamily="34" charset="-122"/>
                 <a:ea typeface="微软雅黑" panose="020B0503020204020204" pitchFamily="34" charset="-122"/>
               </a:rPr>
-              <a:t>声明了一个线程的步骤如何相对于其他线程的步骤进行交换，需要确保这些声明是有效的。</a:t>
-            </a:r>
-            <a:endParaRPr lang="en-US" altLang="zh-CN" b="0" i="0" dirty="0">
-              <a:solidFill>
-                <a:srgbClr val="000000"/>
-              </a:solidFill>
-              <a:effectLst/>
-              <a:latin typeface="微软雅黑" panose="020B0503020204020204" pitchFamily="34" charset="-122"/>
-              <a:ea typeface="微软雅黑" panose="020B0503020204020204" pitchFamily="34" charset="-122"/>
-            </a:endParaRPr>
-          </a:p>
-          <a:p>
-            <a:r>
-              <a:rPr lang="zh-CN" altLang="en-US" b="0" i="0" dirty="0">
-                <a:solidFill>
-                  <a:srgbClr val="000000"/>
-                </a:solidFill>
-                <a:effectLst/>
-                <a:latin typeface="微软雅黑" panose="020B0503020204020204" pitchFamily="34" charset="-122"/>
-                <a:ea typeface="微软雅黑" panose="020B0503020204020204" pitchFamily="34" charset="-122"/>
-              </a:rPr>
-              <a:t>恒等变换</a:t>
-            </a:r>
-            <a:r>
-              <a:rPr lang="en-US" altLang="zh-CN" b="0" i="0" dirty="0">
-                <a:solidFill>
-                  <a:srgbClr val="000000"/>
-                </a:solidFill>
-                <a:effectLst/>
-                <a:latin typeface="微软雅黑" panose="020B0503020204020204" pitchFamily="34" charset="-122"/>
-                <a:ea typeface="微软雅黑" panose="020B0503020204020204" pitchFamily="34" charset="-122"/>
-              </a:rPr>
-              <a:t>I</a:t>
-            </a:r>
-            <a:r>
-              <a:rPr lang="zh-CN" altLang="en-US" b="0" i="0" dirty="0">
-                <a:solidFill>
-                  <a:srgbClr val="000000"/>
-                </a:solidFill>
-                <a:effectLst/>
-                <a:latin typeface="微软雅黑" panose="020B0503020204020204" pitchFamily="34" charset="-122"/>
-                <a:ea typeface="微软雅黑" panose="020B0503020204020204" pitchFamily="34" charset="-122"/>
-              </a:rPr>
-              <a:t>在</a:t>
-            </a:r>
-            <a:r>
-              <a:rPr lang="en-US" altLang="zh-CN" b="0" i="0" dirty="0">
-                <a:solidFill>
-                  <a:srgbClr val="000000"/>
-                </a:solidFill>
-                <a:effectLst/>
-                <a:latin typeface="微软雅黑" panose="020B0503020204020204" pitchFamily="34" charset="-122"/>
-                <a:ea typeface="微软雅黑" panose="020B0503020204020204" pitchFamily="34" charset="-122"/>
-              </a:rPr>
-              <a:t>G</a:t>
-            </a:r>
-            <a:r>
-              <a:rPr lang="zh-CN" altLang="en-US" b="0" i="0" dirty="0">
-                <a:solidFill>
-                  <a:srgbClr val="000000"/>
-                </a:solidFill>
-                <a:effectLst/>
-                <a:latin typeface="微软雅黑" panose="020B0503020204020204" pitchFamily="34" charset="-122"/>
-                <a:ea typeface="微软雅黑" panose="020B0503020204020204" pitchFamily="34" charset="-122"/>
-              </a:rPr>
-              <a:t>中；</a:t>
-            </a:r>
-            <a:endParaRPr lang="en-US" altLang="zh-CN" dirty="0"/>
-          </a:p>
-          <a:p>
-            <a:r>
-              <a:rPr lang="zh-CN" altLang="en-US" dirty="0"/>
-              <a:t>每个线程 </a:t>
-            </a:r>
-            <a:r>
-              <a:rPr lang="en-US" altLang="zh-CN" dirty="0" err="1"/>
-              <a:t>st</a:t>
-            </a:r>
-            <a:r>
-              <a:rPr lang="en-US" altLang="zh-CN" dirty="0"/>
-              <a:t> </a:t>
-            </a:r>
-            <a:r>
-              <a:rPr lang="zh-CN" altLang="en-US" dirty="0"/>
-              <a:t>从包含初始存储 </a:t>
-            </a:r>
-            <a:r>
-              <a:rPr lang="en-US" altLang="zh-CN" dirty="0"/>
-              <a:t>σ </a:t>
-            </a:r>
-            <a:r>
-              <a:rPr lang="zh-CN" altLang="en-US" dirty="0"/>
-              <a:t>的前置条件 </a:t>
-            </a:r>
-            <a:r>
-              <a:rPr lang="en-US" altLang="zh-CN" dirty="0"/>
-              <a:t>Pt </a:t>
-            </a:r>
-            <a:r>
-              <a:rPr lang="zh-CN" altLang="en-US" dirty="0"/>
-              <a:t>开始验证。</a:t>
-            </a:r>
-            <a:endParaRPr lang="en-US" altLang="zh-CN" dirty="0"/>
-          </a:p>
-          <a:p>
-            <a:r>
-              <a:rPr lang="zh-CN" altLang="en-US" dirty="0"/>
-              <a:t>线程运行结束时，行为 </a:t>
-            </a:r>
-            <a:r>
-              <a:rPr lang="en-US" altLang="zh-CN" dirty="0"/>
-              <a:t>Qt </a:t>
-            </a:r>
-            <a:r>
-              <a:rPr lang="zh-CN" altLang="en-US" dirty="0"/>
-              <a:t>在线程保证 </a:t>
-            </a:r>
-            <a:r>
-              <a:rPr lang="en-US" altLang="zh-CN" dirty="0"/>
-              <a:t>G </a:t>
-            </a:r>
-            <a:r>
-              <a:rPr lang="zh-CN" altLang="en-US" dirty="0"/>
-              <a:t>中。</a:t>
-            </a:r>
-            <a:endParaRPr lang="en-US" altLang="zh-CN" dirty="0"/>
-          </a:p>
-          <a:p>
-            <a:pPr algn="just"/>
-            <a:r>
-              <a:rPr lang="zh-CN" altLang="en-US" b="0" i="0" dirty="0">
-                <a:solidFill>
-                  <a:srgbClr val="000000"/>
-                </a:solidFill>
-                <a:effectLst/>
-                <a:latin typeface="微软雅黑" panose="020B0503020204020204" pitchFamily="34" charset="-122"/>
-                <a:ea typeface="微软雅黑" panose="020B0503020204020204" pitchFamily="34" charset="-122"/>
-              </a:rPr>
-              <a:t>所有线程都以</a:t>
-            </a:r>
-            <a:r>
-              <a:rPr lang="en-US" altLang="zh-CN" b="0" i="0" dirty="0">
-                <a:solidFill>
-                  <a:srgbClr val="000000"/>
-                </a:solidFill>
-                <a:effectLst/>
-                <a:latin typeface="微软雅黑" panose="020B0503020204020204" pitchFamily="34" charset="-122"/>
-                <a:ea typeface="微软雅黑" panose="020B0503020204020204" pitchFamily="34" charset="-122"/>
-              </a:rPr>
-              <a:t>yield</a:t>
-            </a:r>
-            <a:r>
-              <a:rPr lang="zh-CN" altLang="en-US" b="0" i="0" dirty="0">
-                <a:solidFill>
-                  <a:srgbClr val="000000"/>
-                </a:solidFill>
-                <a:effectLst/>
-                <a:latin typeface="微软雅黑" panose="020B0503020204020204" pitchFamily="34" charset="-122"/>
-                <a:ea typeface="微软雅黑" panose="020B0503020204020204" pitchFamily="34" charset="-122"/>
-              </a:rPr>
-              <a:t>语句开头（以简化正确性证明）。</a:t>
-            </a:r>
-            <a:endParaRPr lang="en-US" altLang="zh-CN" dirty="0"/>
-          </a:p>
-          <a:p>
-            <a:r>
-              <a:rPr lang="zh-CN" altLang="en-US" b="0" i="0" dirty="0">
-                <a:solidFill>
-                  <a:srgbClr val="000000"/>
-                </a:solidFill>
-                <a:effectLst/>
-                <a:latin typeface="微软雅黑" panose="020B0503020204020204" pitchFamily="34" charset="-122"/>
-                <a:ea typeface="微软雅黑" panose="020B0503020204020204" pitchFamily="34" charset="-122"/>
-              </a:rPr>
-              <a:t>每个线程的保证都包含在其他线程的依赖假设中；</a:t>
-            </a:r>
-            <a:endParaRPr lang="en-US" altLang="zh-CN" b="0" i="0" dirty="0">
-              <a:solidFill>
-                <a:srgbClr val="000000"/>
-              </a:solidFill>
-              <a:effectLst/>
-              <a:latin typeface="微软雅黑" panose="020B0503020204020204" pitchFamily="34" charset="-122"/>
-              <a:ea typeface="微软雅黑" panose="020B0503020204020204" pitchFamily="34" charset="-122"/>
-            </a:endParaRPr>
-          </a:p>
-          <a:p>
-            <a:endParaRPr lang="en-US" altLang="zh-CN" b="0" i="0" dirty="0">
-              <a:solidFill>
-                <a:srgbClr val="000000"/>
-              </a:solidFill>
-              <a:effectLst/>
-              <a:latin typeface="微软雅黑" panose="020B0503020204020204" pitchFamily="34" charset="-122"/>
-              <a:ea typeface="微软雅黑" panose="020B0503020204020204" pitchFamily="34" charset="-122"/>
-            </a:endParaRPr>
-          </a:p>
-          <a:p>
-            <a:pPr algn="just"/>
-            <a:r>
-              <a:rPr lang="zh-CN" altLang="en-US" b="0" i="0" dirty="0">
-                <a:solidFill>
-                  <a:srgbClr val="000000"/>
-                </a:solidFill>
-                <a:effectLst/>
-                <a:latin typeface="微软雅黑" panose="020B0503020204020204" pitchFamily="34" charset="-122"/>
-                <a:ea typeface="微软雅黑" panose="020B0503020204020204" pitchFamily="34" charset="-122"/>
-              </a:rPr>
-              <a:t>具体来说，我们定义一个</a:t>
-            </a:r>
-            <a:r>
-              <a:rPr lang="en-US" altLang="zh-CN" b="0" i="0" dirty="0">
-                <a:solidFill>
-                  <a:srgbClr val="000000"/>
-                </a:solidFill>
-                <a:effectLst/>
-                <a:latin typeface="微软雅黑" panose="020B0503020204020204" pitchFamily="34" charset="-122"/>
-                <a:ea typeface="微软雅黑" panose="020B0503020204020204" pitchFamily="34" charset="-122"/>
-              </a:rPr>
-              <a:t>mover</a:t>
-            </a:r>
-            <a:r>
-              <a:rPr lang="zh-CN" altLang="en-US" b="0" i="0" dirty="0">
-                <a:solidFill>
-                  <a:srgbClr val="000000"/>
-                </a:solidFill>
-                <a:effectLst/>
-                <a:latin typeface="微软雅黑" panose="020B0503020204020204" pitchFamily="34" charset="-122"/>
-                <a:ea typeface="微软雅黑" panose="020B0503020204020204" pitchFamily="34" charset="-122"/>
-              </a:rPr>
-              <a:t>规范在以下情况下有效：</a:t>
-            </a:r>
-            <a:r>
-              <a:rPr lang="en-US" altLang="zh-CN" b="0" i="0" dirty="0">
-                <a:solidFill>
-                  <a:srgbClr val="000000"/>
-                </a:solidFill>
-                <a:effectLst/>
-                <a:latin typeface="微软雅黑" panose="020B0503020204020204" pitchFamily="34" charset="-122"/>
-                <a:ea typeface="微软雅黑" panose="020B0503020204020204" pitchFamily="34" charset="-122"/>
-              </a:rPr>
-              <a:t>1</a:t>
-            </a:r>
-            <a:r>
-              <a:rPr lang="zh-CN" altLang="en-US" b="0" i="0" dirty="0">
-                <a:solidFill>
-                  <a:srgbClr val="000000"/>
-                </a:solidFill>
-                <a:effectLst/>
-                <a:latin typeface="微软雅黑" panose="020B0503020204020204" pitchFamily="34" charset="-122"/>
-                <a:ea typeface="微软雅黑" panose="020B0503020204020204" pitchFamily="34" charset="-122"/>
-              </a:rPr>
-              <a:t>。右移动动作可以在轨迹中稍后移动，而无需更改最终存储。</a:t>
-            </a:r>
-          </a:p>
-          <a:p>
-            <a:pPr algn="just"/>
-            <a:r>
-              <a:rPr lang="en-US" altLang="zh-CN" b="0" i="0" dirty="0">
-                <a:solidFill>
-                  <a:srgbClr val="000000"/>
-                </a:solidFill>
-                <a:effectLst/>
-                <a:latin typeface="微软雅黑" panose="020B0503020204020204" pitchFamily="34" charset="-122"/>
-                <a:ea typeface="微软雅黑" panose="020B0503020204020204" pitchFamily="34" charset="-122"/>
-              </a:rPr>
-              <a:t>2.</a:t>
-            </a:r>
-            <a:r>
-              <a:rPr lang="zh-CN" altLang="en-US" b="0" i="0" dirty="0">
-                <a:solidFill>
-                  <a:srgbClr val="000000"/>
-                </a:solidFill>
-                <a:effectLst/>
-                <a:latin typeface="微软雅黑" panose="020B0503020204020204" pitchFamily="34" charset="-122"/>
-                <a:ea typeface="微软雅黑" panose="020B0503020204020204" pitchFamily="34" charset="-122"/>
-              </a:rPr>
-              <a:t>左移动动作可以在轨迹中提前移动，而不会改变最终存储。</a:t>
-            </a:r>
-          </a:p>
-          <a:p>
-            <a:pPr algn="just"/>
-            <a:r>
-              <a:rPr lang="en-US" altLang="zh-CN" b="0" i="0" dirty="0">
-                <a:solidFill>
-                  <a:srgbClr val="000000"/>
-                </a:solidFill>
-                <a:effectLst/>
-                <a:latin typeface="微软雅黑" panose="020B0503020204020204" pitchFamily="34" charset="-122"/>
-                <a:ea typeface="微软雅黑" panose="020B0503020204020204" pitchFamily="34" charset="-122"/>
-              </a:rPr>
-              <a:t>3.</a:t>
-            </a:r>
-            <a:r>
-              <a:rPr lang="zh-CN" altLang="en-US" b="0" i="0" dirty="0">
-                <a:solidFill>
-                  <a:srgbClr val="000000"/>
-                </a:solidFill>
-                <a:effectLst/>
-                <a:latin typeface="微软雅黑" panose="020B0503020204020204" pitchFamily="34" charset="-122"/>
-                <a:ea typeface="微软雅黑" panose="020B0503020204020204" pitchFamily="34" charset="-122"/>
-              </a:rPr>
-              <a:t>一个线程的动作不能改变另一个线程中动作的效果。</a:t>
-            </a:r>
-          </a:p>
-          <a:p>
-            <a:pPr algn="just"/>
-            <a:r>
-              <a:rPr lang="en-US" altLang="zh-CN" b="0" i="0" dirty="0">
-                <a:solidFill>
-                  <a:srgbClr val="000000"/>
-                </a:solidFill>
-                <a:effectLst/>
-                <a:latin typeface="微软雅黑" panose="020B0503020204020204" pitchFamily="34" charset="-122"/>
-                <a:ea typeface="微软雅黑" panose="020B0503020204020204" pitchFamily="34" charset="-122"/>
-              </a:rPr>
-              <a:t>4.</a:t>
-            </a:r>
-            <a:r>
-              <a:rPr lang="zh-CN" altLang="en-US" b="0" i="0" dirty="0">
-                <a:solidFill>
-                  <a:srgbClr val="000000"/>
-                </a:solidFill>
-                <a:effectLst/>
-                <a:latin typeface="微软雅黑" panose="020B0503020204020204" pitchFamily="34" charset="-122"/>
-                <a:ea typeface="微软雅黑" panose="020B0503020204020204" pitchFamily="34" charset="-122"/>
-              </a:rPr>
-              <a:t>一个线程的动作不能导致另一个线程中的左移动作阻塞。</a:t>
-            </a:r>
-          </a:p>
-          <a:p>
+              <a:t>空的</a:t>
+            </a:r>
             <a:endParaRPr lang="zh-CN" altLang="en-US" dirty="0"/>
           </a:p>
         </p:txBody>
@@ -1228,7 +1275,7 @@
           <a:p>
             <a:fld id="{13D28DC2-5057-445C-8872-C1533802A2F5}" type="slidenum">
               <a:rPr lang="zh-CN" altLang="en-US" smtClean="0"/>
-              <a:t>19</a:t>
+              <a:t>18</a:t>
             </a:fld>
             <a:endParaRPr lang="zh-CN" altLang="en-US"/>
           </a:p>
@@ -1237,7 +1284,7 @@
     </p:spTree>
     <p:extLst>
       <p:ext uri="{BB962C8B-B14F-4D97-AF65-F5344CB8AC3E}">
-        <p14:creationId xmlns:p14="http://schemas.microsoft.com/office/powerpoint/2010/main" val="3906524514"/>
+        <p14:creationId xmlns:p14="http://schemas.microsoft.com/office/powerpoint/2010/main" val="2791112776"/>
       </p:ext>
     </p:extLst>
   </p:cSld>
@@ -1291,7 +1338,6 @@
           <a:bodyPr/>
           <a:lstStyle/>
           <a:p>
-            <a:pPr algn="just"/>
             <a:r>
               <a:rPr lang="zh-CN" altLang="en-US" b="0" i="0" dirty="0">
                 <a:solidFill>
@@ -1301,7 +1347,7 @@
                 <a:latin typeface="微软雅黑" panose="020B0503020204020204" pitchFamily="34" charset="-122"/>
                 <a:ea typeface="微软雅黑" panose="020B0503020204020204" pitchFamily="34" charset="-122"/>
               </a:rPr>
-              <a:t>能够从</a:t>
+              <a:t>全局表</a:t>
             </a:r>
             <a:r>
               <a:rPr lang="en-US" altLang="zh-CN" b="0" i="0" dirty="0">
@@ -1312,7 +1358,7 @@
                 <a:latin typeface="微软雅黑" panose="020B0503020204020204" pitchFamily="34" charset="-122"/>
                 <a:ea typeface="微软雅黑" panose="020B0503020204020204" pitchFamily="34" charset="-122"/>
               </a:rPr>
-              <a:t>Coq</a:t>
+              <a:t>D</a:t>
             </a:r>
             <a:r>
               <a:rPr lang="zh-CN" altLang="en-US" b="0" i="0" dirty="0">
@@ -1323,29 +1369,7 @@
                 <a:latin typeface="微软雅黑" panose="020B0503020204020204" pitchFamily="34" charset="-122"/>
                 <a:ea typeface="微软雅黑" panose="020B0503020204020204" pitchFamily="34" charset="-122"/>
               </a:rPr>
-              <a:t>中的标准编译器验证工作流中提取经过验证的</a:t>
-            </a:r>
-            <a:r>
-              <a:rPr lang="en-US" altLang="zh-CN" b="0" i="0" dirty="0">
-                <a:solidFill>
-                  <a:srgbClr val="000000"/>
-                </a:solidFill>
-                <a:effectLst/>
-                <a:latin typeface="微软雅黑" panose="020B0503020204020204" pitchFamily="34" charset="-122"/>
-                <a:ea typeface="微软雅黑" panose="020B0503020204020204" pitchFamily="34" charset="-122"/>
-              </a:rPr>
-              <a:t>C</a:t>
-            </a:r>
-            <a:r>
-              <a:rPr lang="zh-CN" altLang="en-US" b="0" i="0" dirty="0">
-                <a:solidFill>
-                  <a:srgbClr val="000000"/>
-                </a:solidFill>
-                <a:effectLst/>
-                <a:latin typeface="微软雅黑" panose="020B0503020204020204" pitchFamily="34" charset="-122"/>
-                <a:ea typeface="微软雅黑" panose="020B0503020204020204" pitchFamily="34" charset="-122"/>
-              </a:rPr>
-              <a:t>模型，从规范到可执行（端到端）。</a:t>
+              <a:t>中的每个函数定义都是可验证的</a:t>
             </a:r>
             <a:endParaRPr lang="en-US" altLang="zh-CN" b="0" i="0" dirty="0">
               <a:solidFill>
@@ -1357,19 +1381,178 @@
             </a:endParaRPr>
           </a:p>
           <a:p>
+            <a:r>
+              <a:rPr lang="en-US" altLang="zh-CN" b="0" i="0" dirty="0">
+                <a:solidFill>
+                  <a:srgbClr val="000000"/>
+                </a:solidFill>
+                <a:effectLst/>
+                <a:latin typeface="微软雅黑" panose="020B0503020204020204" pitchFamily="34" charset="-122"/>
+                <a:ea typeface="微软雅黑" panose="020B0503020204020204" pitchFamily="34" charset="-122"/>
+              </a:rPr>
+              <a:t>mover</a:t>
+            </a:r>
+            <a:r>
+              <a:rPr lang="zh-CN" altLang="en-US" b="0" i="0" dirty="0">
+                <a:solidFill>
+                  <a:srgbClr val="000000"/>
+                </a:solidFill>
+                <a:effectLst/>
+                <a:latin typeface="微软雅黑" panose="020B0503020204020204" pitchFamily="34" charset="-122"/>
+                <a:ea typeface="微软雅黑" panose="020B0503020204020204" pitchFamily="34" charset="-122"/>
+              </a:rPr>
+              <a:t>规范</a:t>
+            </a:r>
+            <a:r>
+              <a:rPr lang="en-US" altLang="zh-CN" b="0" i="0" dirty="0">
+                <a:solidFill>
+                  <a:srgbClr val="000000"/>
+                </a:solidFill>
+                <a:effectLst/>
+                <a:latin typeface="微软雅黑" panose="020B0503020204020204" pitchFamily="34" charset="-122"/>
+                <a:ea typeface="微软雅黑" panose="020B0503020204020204" pitchFamily="34" charset="-122"/>
+              </a:rPr>
+              <a:t>M</a:t>
+            </a:r>
+            <a:r>
+              <a:rPr lang="zh-CN" altLang="en-US" b="0" i="0" dirty="0">
+                <a:solidFill>
+                  <a:srgbClr val="000000"/>
+                </a:solidFill>
+                <a:effectLst/>
+                <a:latin typeface="微软雅黑" panose="020B0503020204020204" pitchFamily="34" charset="-122"/>
+                <a:ea typeface="微软雅黑" panose="020B0503020204020204" pitchFamily="34" charset="-122"/>
+              </a:rPr>
+              <a:t>声明了一个线程的步骤如何相对于其他线程的步骤进行交换，需要确保这些声明是有效的。</a:t>
+            </a:r>
+            <a:endParaRPr lang="en-US" altLang="zh-CN" b="0" i="0" dirty="0">
+              <a:solidFill>
+                <a:srgbClr val="000000"/>
+              </a:solidFill>
+              <a:effectLst/>
+              <a:latin typeface="微软雅黑" panose="020B0503020204020204" pitchFamily="34" charset="-122"/>
+              <a:ea typeface="微软雅黑" panose="020B0503020204020204" pitchFamily="34" charset="-122"/>
+            </a:endParaRPr>
+          </a:p>
+          <a:p>
+            <a:r>
+              <a:rPr lang="zh-CN" altLang="en-US" b="0" i="0" dirty="0">
+                <a:solidFill>
+                  <a:srgbClr val="000000"/>
+                </a:solidFill>
+                <a:effectLst/>
+                <a:latin typeface="微软雅黑" panose="020B0503020204020204" pitchFamily="34" charset="-122"/>
+                <a:ea typeface="微软雅黑" panose="020B0503020204020204" pitchFamily="34" charset="-122"/>
+              </a:rPr>
+              <a:t>恒等变换</a:t>
+            </a:r>
+            <a:r>
+              <a:rPr lang="en-US" altLang="zh-CN" b="0" i="0" dirty="0">
+                <a:solidFill>
+                  <a:srgbClr val="000000"/>
+                </a:solidFill>
+                <a:effectLst/>
+                <a:latin typeface="微软雅黑" panose="020B0503020204020204" pitchFamily="34" charset="-122"/>
+                <a:ea typeface="微软雅黑" panose="020B0503020204020204" pitchFamily="34" charset="-122"/>
+              </a:rPr>
+              <a:t>I</a:t>
+            </a:r>
+            <a:r>
+              <a:rPr lang="zh-CN" altLang="en-US" b="0" i="0" dirty="0">
+                <a:solidFill>
+                  <a:srgbClr val="000000"/>
+                </a:solidFill>
+                <a:effectLst/>
+                <a:latin typeface="微软雅黑" panose="020B0503020204020204" pitchFamily="34" charset="-122"/>
+                <a:ea typeface="微软雅黑" panose="020B0503020204020204" pitchFamily="34" charset="-122"/>
+              </a:rPr>
+              <a:t>在</a:t>
+            </a:r>
+            <a:r>
+              <a:rPr lang="en-US" altLang="zh-CN" b="0" i="0" dirty="0">
+                <a:solidFill>
+                  <a:srgbClr val="000000"/>
+                </a:solidFill>
+                <a:effectLst/>
+                <a:latin typeface="微软雅黑" panose="020B0503020204020204" pitchFamily="34" charset="-122"/>
+                <a:ea typeface="微软雅黑" panose="020B0503020204020204" pitchFamily="34" charset="-122"/>
+              </a:rPr>
+              <a:t>G</a:t>
+            </a:r>
+            <a:r>
+              <a:rPr lang="zh-CN" altLang="en-US" b="0" i="0" dirty="0">
+                <a:solidFill>
+                  <a:srgbClr val="000000"/>
+                </a:solidFill>
+                <a:effectLst/>
+                <a:latin typeface="微软雅黑" panose="020B0503020204020204" pitchFamily="34" charset="-122"/>
+                <a:ea typeface="微软雅黑" panose="020B0503020204020204" pitchFamily="34" charset="-122"/>
+              </a:rPr>
+              <a:t>中；</a:t>
+            </a:r>
+            <a:endParaRPr lang="en-US" altLang="zh-CN" dirty="0"/>
+          </a:p>
+          <a:p>
+            <a:r>
+              <a:rPr lang="zh-CN" altLang="en-US" dirty="0"/>
+              <a:t>每个线程 </a:t>
+            </a:r>
+            <a:r>
+              <a:rPr lang="en-US" altLang="zh-CN" dirty="0" err="1"/>
+              <a:t>st</a:t>
+            </a:r>
+            <a:r>
+              <a:rPr lang="en-US" altLang="zh-CN" dirty="0"/>
+              <a:t> </a:t>
+            </a:r>
+            <a:r>
+              <a:rPr lang="zh-CN" altLang="en-US" dirty="0"/>
+              <a:t>从包含初始存储 </a:t>
+            </a:r>
+            <a:r>
+              <a:rPr lang="en-US" altLang="zh-CN" dirty="0"/>
+              <a:t>σ </a:t>
+            </a:r>
+            <a:r>
+              <a:rPr lang="zh-CN" altLang="en-US" dirty="0"/>
+              <a:t>的前置条件 </a:t>
+            </a:r>
+            <a:r>
+              <a:rPr lang="en-US" altLang="zh-CN" dirty="0"/>
+              <a:t>Pt </a:t>
+            </a:r>
+            <a:r>
+              <a:rPr lang="zh-CN" altLang="en-US" dirty="0"/>
+              <a:t>开始验证。</a:t>
+            </a:r>
+            <a:endParaRPr lang="en-US" altLang="zh-CN" dirty="0"/>
+          </a:p>
+          <a:p>
+            <a:r>
+              <a:rPr lang="zh-CN" altLang="en-US" dirty="0"/>
+              <a:t>线程运行结束时，行为 </a:t>
+            </a:r>
+            <a:r>
+              <a:rPr lang="en-US" altLang="zh-CN" dirty="0"/>
+              <a:t>Qt </a:t>
+            </a:r>
+            <a:r>
+              <a:rPr lang="zh-CN" altLang="en-US" dirty="0"/>
+              <a:t>在线程保证 </a:t>
+            </a:r>
+            <a:r>
+              <a:rPr lang="en-US" altLang="zh-CN" dirty="0"/>
+              <a:t>G </a:t>
+            </a:r>
+            <a:r>
+              <a:rPr lang="zh-CN" altLang="en-US" dirty="0"/>
+              <a:t>中。</a:t>
+            </a:r>
+            <a:endParaRPr lang="en-US" altLang="zh-CN" dirty="0"/>
+          </a:p>
+          <a:p>
             <a:pPr algn="just"/>
             <a:r>
-              <a:rPr lang="en-US" altLang="zh-CN" b="0" i="0" dirty="0" err="1">
-                <a:solidFill>
-                  <a:srgbClr val="000000"/>
-                </a:solidFill>
-                <a:effectLst/>
-                <a:latin typeface="微软雅黑" panose="020B0503020204020204" pitchFamily="34" charset="-122"/>
-                <a:ea typeface="微软雅黑" panose="020B0503020204020204" pitchFamily="34" charset="-122"/>
-              </a:rPr>
-              <a:t>CompCert</a:t>
-            </a:r>
-            <a:r>
               <a:rPr lang="zh-CN" altLang="en-US" b="0" i="0" dirty="0">
                 <a:solidFill>
                   <a:srgbClr val="000000"/>
@@ -1378,7 +1561,7 @@
                 <a:latin typeface="微软雅黑" panose="020B0503020204020204" pitchFamily="34" charset="-122"/>
                 <a:ea typeface="微软雅黑" panose="020B0503020204020204" pitchFamily="34" charset="-122"/>
               </a:rPr>
-              <a:t>提供从</a:t>
+              <a:t>所有线程都以</a:t>
             </a:r>
             <a:r>
               <a:rPr lang="en-US" altLang="zh-CN" b="0" i="0" dirty="0">
@@ -1389,7 +1572,7 @@
                 <a:latin typeface="微软雅黑" panose="020B0503020204020204" pitchFamily="34" charset="-122"/>
                 <a:ea typeface="微软雅黑" panose="020B0503020204020204" pitchFamily="34" charset="-122"/>
               </a:rPr>
-              <a:t>C</a:t>
+              <a:t>yield</a:t>
             </a:r>
             <a:r>
               <a:rPr lang="zh-CN" altLang="en-US" b="0" i="0" dirty="0">
@@ -1400,8 +1583,40 @@
                 <a:latin typeface="微软雅黑" panose="020B0503020204020204" pitchFamily="34" charset="-122"/>
                 <a:ea typeface="微软雅黑" panose="020B0503020204020204" pitchFamily="34" charset="-122"/>
               </a:rPr>
-              <a:t>到汇编语言的语义，但目前还没有提供到二进制级别的语义。</a:t>
-            </a:r>
+              <a:t>语句开头（以简化正确性证明）。</a:t>
+            </a:r>
+            <a:endParaRPr lang="en-US" altLang="zh-CN" dirty="0"/>
+          </a:p>
+          <a:p>
+            <a:r>
+              <a:rPr lang="zh-CN" altLang="en-US" b="0" i="0" dirty="0">
+                <a:solidFill>
+                  <a:srgbClr val="000000"/>
+                </a:solidFill>
+                <a:effectLst/>
+                <a:latin typeface="微软雅黑" panose="020B0503020204020204" pitchFamily="34" charset="-122"/>
+                <a:ea typeface="微软雅黑" panose="020B0503020204020204" pitchFamily="34" charset="-122"/>
+              </a:rPr>
+              <a:t>每个线程的保证都包含在其他线程的依赖假设中；</a:t>
+            </a:r>
+            <a:endParaRPr lang="en-US" altLang="zh-CN" b="0" i="0" dirty="0">
+              <a:solidFill>
+                <a:srgbClr val="000000"/>
+              </a:solidFill>
+              <a:effectLst/>
+              <a:latin typeface="微软雅黑" panose="020B0503020204020204" pitchFamily="34" charset="-122"/>
+              <a:ea typeface="微软雅黑" panose="020B0503020204020204" pitchFamily="34" charset="-122"/>
+            </a:endParaRPr>
+          </a:p>
+          <a:p>
+            <a:endParaRPr lang="en-US" altLang="zh-CN" b="0" i="0" dirty="0">
+              <a:solidFill>
+                <a:srgbClr val="000000"/>
+              </a:solidFill>
+              <a:effectLst/>
+              <a:latin typeface="微软雅黑" panose="020B0503020204020204" pitchFamily="34" charset="-122"/>
+              <a:ea typeface="微软雅黑" panose="020B0503020204020204" pitchFamily="34" charset="-122"/>
+            </a:endParaRPr>
           </a:p>
           <a:p>
             <a:pPr algn="just"/>
@@ -1414,18 +1629,18 @@
                 <a:latin typeface="微软雅黑" panose="020B0503020204020204" pitchFamily="34" charset="-122"/>
                 <a:ea typeface="微软雅黑" panose="020B0503020204020204" pitchFamily="34" charset="-122"/>
               </a:rPr>
-              <a:t>人们不能直接重用</a:t>
-            </a:r>
-            <a:r>
-              <a:rPr lang="en-US" altLang="zh-CN" b="0" i="0" dirty="0" err="1">
-                <a:solidFill>
-                  <a:srgbClr val="000000"/>
-                </a:solidFill>
-                <a:effectLst/>
-                <a:latin typeface="微软雅黑" panose="020B0503020204020204" pitchFamily="34" charset="-122"/>
-                <a:ea typeface="微软雅黑" panose="020B0503020204020204" pitchFamily="34" charset="-122"/>
-              </a:rPr>
-              <a:t>CompCert</a:t>
+              <a:t>具体来说，我们定义一个</a:t>
+            </a:r>
+            <a:r>
+              <a:rPr lang="en-US" altLang="zh-CN" b="0" i="0" dirty="0">
+                <a:solidFill>
+                  <a:srgbClr val="000000"/>
+                </a:solidFill>
+                <a:effectLst/>
+                <a:latin typeface="微软雅黑" panose="020B0503020204020204" pitchFamily="34" charset="-122"/>
+                <a:ea typeface="微软雅黑" panose="020B0503020204020204" pitchFamily="34" charset="-122"/>
+              </a:rPr>
+              <a:t>mover</a:t>
             </a:r>
             <a:r>
               <a:rPr lang="zh-CN" altLang="en-US" b="0" i="0" dirty="0">
@@ -1436,7 +1651,7 @@
                 <a:latin typeface="微软雅黑" panose="020B0503020204020204" pitchFamily="34" charset="-122"/>
                 <a:ea typeface="微软雅黑" panose="020B0503020204020204" pitchFamily="34" charset="-122"/>
               </a:rPr>
-              <a:t>后端程序集语义来形式化</a:t>
+              <a:t>规范在以下情况下有效：</a:t>
             </a:r>
             <a:r>
               <a:rPr lang="en-US" altLang="zh-CN" b="0" i="0" dirty="0">
@@ -1447,7 +1662,7 @@
                 <a:latin typeface="微软雅黑" panose="020B0503020204020204" pitchFamily="34" charset="-122"/>
                 <a:ea typeface="微软雅黑" panose="020B0503020204020204" pitchFamily="34" charset="-122"/>
               </a:rPr>
-              <a:t>JIT</a:t>
+              <a:t>1</a:t>
             </a:r>
             <a:r>
               <a:rPr lang="zh-CN" altLang="en-US" b="0" i="0" dirty="0">
@@ -1458,8 +1673,86 @@
                 <a:latin typeface="微软雅黑" panose="020B0503020204020204" pitchFamily="34" charset="-122"/>
                 <a:ea typeface="微软雅黑" panose="020B0503020204020204" pitchFamily="34" charset="-122"/>
               </a:rPr>
-              <a:t>编译器的目标二进制语义，因为它不符合其调用约定。</a:t>
-            </a:r>
+              <a:t>。右移动动作可以在轨迹中稍后移动，而无需更改最终存储。</a:t>
+            </a:r>
+          </a:p>
+          <a:p>
+            <a:pPr algn="just"/>
+            <a:r>
+              <a:rPr lang="en-US" altLang="zh-CN" b="0" i="0" dirty="0">
+                <a:solidFill>
+                  <a:srgbClr val="000000"/>
+                </a:solidFill>
+                <a:effectLst/>
+                <a:latin typeface="微软雅黑" panose="020B0503020204020204" pitchFamily="34" charset="-122"/>
+                <a:ea typeface="微软雅黑" panose="020B0503020204020204" pitchFamily="34" charset="-122"/>
+              </a:rPr>
+              <a:t>2.</a:t>
+            </a:r>
+            <a:r>
+              <a:rPr lang="zh-CN" altLang="en-US" b="0" i="0" dirty="0">
+                <a:solidFill>
+                  <a:srgbClr val="000000"/>
+                </a:solidFill>
+                <a:effectLst/>
+                <a:latin typeface="微软雅黑" panose="020B0503020204020204" pitchFamily="34" charset="-122"/>
+                <a:ea typeface="微软雅黑" panose="020B0503020204020204" pitchFamily="34" charset="-122"/>
+              </a:rPr>
+              <a:t>左移动动作可以在轨迹中提前移动，而不会改变最终存储。</a:t>
+            </a:r>
+          </a:p>
+          <a:p>
+            <a:pPr algn="just"/>
+            <a:r>
+              <a:rPr lang="en-US" altLang="zh-CN" b="0" i="0" dirty="0">
+                <a:solidFill>
+                  <a:srgbClr val="000000"/>
+                </a:solidFill>
+                <a:effectLst/>
+                <a:latin typeface="微软雅黑" panose="020B0503020204020204" pitchFamily="34" charset="-122"/>
+                <a:ea typeface="微软雅黑" panose="020B0503020204020204" pitchFamily="34" charset="-122"/>
+              </a:rPr>
+              <a:t>3.</a:t>
+            </a:r>
+            <a:r>
+              <a:rPr lang="zh-CN" altLang="en-US" b="0" i="0" dirty="0">
+                <a:solidFill>
+                  <a:srgbClr val="000000"/>
+                </a:solidFill>
+                <a:effectLst/>
+                <a:latin typeface="微软雅黑" panose="020B0503020204020204" pitchFamily="34" charset="-122"/>
+                <a:ea typeface="微软雅黑" panose="020B0503020204020204" pitchFamily="34" charset="-122"/>
+              </a:rPr>
+              <a:t>一个线程的动作不能改变另一个线程中动作的效果。</a:t>
+            </a:r>
+          </a:p>
+          <a:p>
+            <a:pPr algn="just"/>
+            <a:r>
+              <a:rPr lang="en-US" altLang="zh-CN" b="0" i="0" dirty="0">
+                <a:solidFill>
+                  <a:srgbClr val="000000"/>
+                </a:solidFill>
+                <a:effectLst/>
+                <a:latin typeface="微软雅黑" panose="020B0503020204020204" pitchFamily="34" charset="-122"/>
+                <a:ea typeface="微软雅黑" panose="020B0503020204020204" pitchFamily="34" charset="-122"/>
+              </a:rPr>
+              <a:t>4.</a:t>
+            </a:r>
+            <a:r>
+              <a:rPr lang="zh-CN" altLang="en-US" b="0" i="0" dirty="0">
+                <a:solidFill>
+                  <a:srgbClr val="000000"/>
+                </a:solidFill>
+                <a:effectLst/>
+                <a:latin typeface="微软雅黑" panose="020B0503020204020204" pitchFamily="34" charset="-122"/>
+                <a:ea typeface="微软雅黑" panose="020B0503020204020204" pitchFamily="34" charset="-122"/>
+              </a:rPr>
+              <a:t>一个线程的动作不能导致另一个线程中的左移动作阻塞。</a:t>
+            </a:r>
+          </a:p>
+          <a:p>
+            <a:endParaRPr lang="zh-CN" altLang="en-US" dirty="0"/>
           </a:p>
         </p:txBody>
       </p:sp>
@@ -1480,7 +1773,7 @@
           <a:p>
             <a:fld id="{13D28DC2-5057-445C-8872-C1533802A2F5}" type="slidenum">
               <a:rPr lang="zh-CN" altLang="en-US" smtClean="0"/>
-              <a:t>23</a:t>
+              <a:t>19</a:t>
             </a:fld>
             <a:endParaRPr lang="zh-CN" altLang="en-US"/>
           </a:p>
@@ -1489,7 +1782,7 @@
     </p:spTree>
     <p:extLst>
       <p:ext uri="{BB962C8B-B14F-4D97-AF65-F5344CB8AC3E}">
-        <p14:creationId xmlns:p14="http://schemas.microsoft.com/office/powerpoint/2010/main" val="2629818168"/>
+        <p14:creationId xmlns:p14="http://schemas.microsoft.com/office/powerpoint/2010/main" val="3906524514"/>
       </p:ext>
     </p:extLst>
   </p:cSld>
@@ -1543,7 +1836,175 @@
           <a:bodyPr/>
           <a:lstStyle/>
           <a:p>
-            <a:endParaRPr lang="zh-CN" altLang="en-US" dirty="0"/>
+            <a:pPr algn="just"/>
+            <a:r>
+              <a:rPr lang="zh-CN" altLang="en-US" b="0" i="0" dirty="0">
+                <a:solidFill>
+                  <a:srgbClr val="000000"/>
+                </a:solidFill>
+                <a:effectLst/>
+                <a:latin typeface="微软雅黑" panose="020B0503020204020204" pitchFamily="34" charset="-122"/>
+                <a:ea typeface="微软雅黑" panose="020B0503020204020204" pitchFamily="34" charset="-122"/>
+              </a:rPr>
+              <a:t>能够从</a:t>
+            </a:r>
+            <a:r>
+              <a:rPr lang="en-US" altLang="zh-CN" b="0" i="0" dirty="0">
+                <a:solidFill>
+                  <a:srgbClr val="000000"/>
+                </a:solidFill>
+                <a:effectLst/>
+                <a:latin typeface="微软雅黑" panose="020B0503020204020204" pitchFamily="34" charset="-122"/>
+                <a:ea typeface="微软雅黑" panose="020B0503020204020204" pitchFamily="34" charset="-122"/>
+              </a:rPr>
+              <a:t>Coq</a:t>
+            </a:r>
+            <a:r>
+              <a:rPr lang="zh-CN" altLang="en-US" b="0" i="0" dirty="0">
+                <a:solidFill>
+                  <a:srgbClr val="000000"/>
+                </a:solidFill>
+                <a:effectLst/>
+                <a:latin typeface="微软雅黑" panose="020B0503020204020204" pitchFamily="34" charset="-122"/>
+                <a:ea typeface="微软雅黑" panose="020B0503020204020204" pitchFamily="34" charset="-122"/>
+              </a:rPr>
+              <a:t>中的标准编译器验证工作流中提取经过验证的</a:t>
+            </a:r>
+            <a:r>
+              <a:rPr lang="en-US" altLang="zh-CN" b="0" i="0" dirty="0">
+                <a:solidFill>
+                  <a:srgbClr val="000000"/>
+                </a:solidFill>
+                <a:effectLst/>
+                <a:latin typeface="微软雅黑" panose="020B0503020204020204" pitchFamily="34" charset="-122"/>
+                <a:ea typeface="微软雅黑" panose="020B0503020204020204" pitchFamily="34" charset="-122"/>
+              </a:rPr>
+              <a:t>C</a:t>
+            </a:r>
+            <a:r>
+              <a:rPr lang="zh-CN" altLang="en-US" b="0" i="0" dirty="0">
+                <a:solidFill>
+                  <a:srgbClr val="000000"/>
+                </a:solidFill>
+                <a:effectLst/>
+                <a:latin typeface="微软雅黑" panose="020B0503020204020204" pitchFamily="34" charset="-122"/>
+                <a:ea typeface="微软雅黑" panose="020B0503020204020204" pitchFamily="34" charset="-122"/>
+              </a:rPr>
+              <a:t>模型，从规范到可执行（端到端）。</a:t>
+            </a:r>
+            <a:endParaRPr lang="en-US" altLang="zh-CN" b="0" i="0" dirty="0">
+              <a:solidFill>
+                <a:srgbClr val="000000"/>
+              </a:solidFill>
+              <a:effectLst/>
+              <a:latin typeface="微软雅黑" panose="020B0503020204020204" pitchFamily="34" charset="-122"/>
+              <a:ea typeface="微软雅黑" panose="020B0503020204020204" pitchFamily="34" charset="-122"/>
+            </a:endParaRPr>
+          </a:p>
+          <a:p>
+            <a:pPr algn="just"/>
+            <a:r>
+              <a:rPr lang="en-US" altLang="zh-CN" b="0" i="0" dirty="0" err="1">
+                <a:solidFill>
+                  <a:srgbClr val="000000"/>
+                </a:solidFill>
+                <a:effectLst/>
+                <a:latin typeface="微软雅黑" panose="020B0503020204020204" pitchFamily="34" charset="-122"/>
+                <a:ea typeface="微软雅黑" panose="020B0503020204020204" pitchFamily="34" charset="-122"/>
+              </a:rPr>
+              <a:t>CompCert</a:t>
+            </a:r>
+            <a:r>
+              <a:rPr lang="zh-CN" altLang="en-US" b="0" i="0" dirty="0">
+                <a:solidFill>
+                  <a:srgbClr val="000000"/>
+                </a:solidFill>
+                <a:effectLst/>
+                <a:latin typeface="微软雅黑" panose="020B0503020204020204" pitchFamily="34" charset="-122"/>
+                <a:ea typeface="微软雅黑" panose="020B0503020204020204" pitchFamily="34" charset="-122"/>
+              </a:rPr>
+              <a:t>提供从</a:t>
+            </a:r>
+            <a:r>
+              <a:rPr lang="en-US" altLang="zh-CN" b="0" i="0" dirty="0">
+                <a:solidFill>
+                  <a:srgbClr val="000000"/>
+                </a:solidFill>
+                <a:effectLst/>
+                <a:latin typeface="微软雅黑" panose="020B0503020204020204" pitchFamily="34" charset="-122"/>
+                <a:ea typeface="微软雅黑" panose="020B0503020204020204" pitchFamily="34" charset="-122"/>
+              </a:rPr>
+              <a:t>C</a:t>
+            </a:r>
+            <a:r>
+              <a:rPr lang="zh-CN" altLang="en-US" b="0" i="0" dirty="0">
+                <a:solidFill>
+                  <a:srgbClr val="000000"/>
+                </a:solidFill>
+                <a:effectLst/>
+                <a:latin typeface="微软雅黑" panose="020B0503020204020204" pitchFamily="34" charset="-122"/>
+                <a:ea typeface="微软雅黑" panose="020B0503020204020204" pitchFamily="34" charset="-122"/>
+              </a:rPr>
+              <a:t>到汇编语言的语义，但目前还没有提供到二进制级别的语义。</a:t>
+            </a:r>
+          </a:p>
+          <a:p>
+            <a:pPr algn="just"/>
+            <a:r>
+              <a:rPr lang="zh-CN" altLang="en-US" b="0" i="0" dirty="0">
+                <a:solidFill>
+                  <a:srgbClr val="000000"/>
+                </a:solidFill>
+                <a:effectLst/>
+                <a:latin typeface="微软雅黑" panose="020B0503020204020204" pitchFamily="34" charset="-122"/>
+                <a:ea typeface="微软雅黑" panose="020B0503020204020204" pitchFamily="34" charset="-122"/>
+              </a:rPr>
+              <a:t>人们不能直接重用</a:t>
+            </a:r>
+            <a:r>
+              <a:rPr lang="en-US" altLang="zh-CN" b="0" i="0" dirty="0" err="1">
+                <a:solidFill>
+                  <a:srgbClr val="000000"/>
+                </a:solidFill>
+                <a:effectLst/>
+                <a:latin typeface="微软雅黑" panose="020B0503020204020204" pitchFamily="34" charset="-122"/>
+                <a:ea typeface="微软雅黑" panose="020B0503020204020204" pitchFamily="34" charset="-122"/>
+              </a:rPr>
+              <a:t>CompCert</a:t>
+            </a:r>
+            <a:r>
+              <a:rPr lang="zh-CN" altLang="en-US" b="0" i="0" dirty="0">
+                <a:solidFill>
+                  <a:srgbClr val="000000"/>
+                </a:solidFill>
+                <a:effectLst/>
+                <a:latin typeface="微软雅黑" panose="020B0503020204020204" pitchFamily="34" charset="-122"/>
+                <a:ea typeface="微软雅黑" panose="020B0503020204020204" pitchFamily="34" charset="-122"/>
+              </a:rPr>
+              <a:t>后端程序集语义来形式化</a:t>
+            </a:r>
+            <a:r>
+              <a:rPr lang="en-US" altLang="zh-CN" b="0" i="0" dirty="0">
+                <a:solidFill>
+                  <a:srgbClr val="000000"/>
+                </a:solidFill>
+                <a:effectLst/>
+                <a:latin typeface="微软雅黑" panose="020B0503020204020204" pitchFamily="34" charset="-122"/>
+                <a:ea typeface="微软雅黑" panose="020B0503020204020204" pitchFamily="34" charset="-122"/>
+              </a:rPr>
+              <a:t>JIT</a:t>
+            </a:r>
+            <a:r>
+              <a:rPr lang="zh-CN" altLang="en-US" b="0" i="0" dirty="0">
+                <a:solidFill>
+                  <a:srgbClr val="000000"/>
+                </a:solidFill>
+                <a:effectLst/>
+                <a:latin typeface="微软雅黑" panose="020B0503020204020204" pitchFamily="34" charset="-122"/>
+                <a:ea typeface="微软雅黑" panose="020B0503020204020204" pitchFamily="34" charset="-122"/>
+              </a:rPr>
+              <a:t>编译器的目标二进制语义，因为它不符合其调用约定。</a:t>
+            </a:r>
           </a:p>
         </p:txBody>
       </p:sp>
@@ -1564,7 +2025,7 @@
           <a:p>
             <a:fld id="{13D28DC2-5057-445C-8872-C1533802A2F5}" type="slidenum">
               <a:rPr lang="zh-CN" altLang="en-US" smtClean="0"/>
-              <a:t>24</a:t>
+              <a:t>23</a:t>
             </a:fld>
             <a:endParaRPr lang="zh-CN" altLang="en-US"/>
           </a:p>
@@ -1573,7 +2034,7 @@
     </p:spTree>
     <p:extLst>
       <p:ext uri="{BB962C8B-B14F-4D97-AF65-F5344CB8AC3E}">
-        <p14:creationId xmlns:p14="http://schemas.microsoft.com/office/powerpoint/2010/main" val="1279311549"/>
+        <p14:creationId xmlns:p14="http://schemas.microsoft.com/office/powerpoint/2010/main" val="2629818168"/>
       </p:ext>
     </p:extLst>
   </p:cSld>
@@ -1627,400 +2088,7 @@
           <a:bodyPr/>
           <a:lstStyle/>
           <a:p>
-            <a:r>
-              <a:rPr lang="en-US" altLang="zh-CN" b="0" i="0" dirty="0" err="1">
-                <a:solidFill>
-                  <a:srgbClr val="000000"/>
-                </a:solidFill>
-                <a:effectLst/>
-                <a:latin typeface="微软雅黑" panose="020B0503020204020204" pitchFamily="34" charset="-122"/>
-                <a:ea typeface="微软雅黑" panose="020B0503020204020204" pitchFamily="34" charset="-122"/>
-              </a:rPr>
-              <a:t>i</a:t>
-            </a:r>
-            <a:r>
-              <a:rPr lang="en-US" altLang="zh-CN" b="0" i="0" dirty="0">
-                <a:solidFill>
-                  <a:srgbClr val="000000"/>
-                </a:solidFill>
-                <a:effectLst/>
-                <a:latin typeface="微软雅黑" panose="020B0503020204020204" pitchFamily="34" charset="-122"/>
-                <a:ea typeface="微软雅黑" panose="020B0503020204020204" pitchFamily="34" charset="-122"/>
-              </a:rPr>
-              <a:t>/</a:t>
-            </a:r>
-            <a:r>
-              <a:rPr lang="zh-CN" altLang="en-US" b="0" i="0" dirty="0">
-                <a:solidFill>
-                  <a:srgbClr val="000000"/>
-                </a:solidFill>
-                <a:effectLst/>
-                <a:latin typeface="微软雅黑" panose="020B0503020204020204" pitchFamily="34" charset="-122"/>
-                <a:ea typeface="微软雅黑" panose="020B0503020204020204" pitchFamily="34" charset="-122"/>
-              </a:rPr>
-              <a:t>头部</a:t>
-            </a:r>
-            <a:r>
-              <a:rPr lang="zh-CN" altLang="en-US" dirty="0"/>
-              <a:t>将</a:t>
-            </a:r>
-            <a:r>
-              <a:rPr lang="en-US" altLang="zh-CN" dirty="0" err="1"/>
-              <a:t>rBPF</a:t>
-            </a:r>
-            <a:r>
-              <a:rPr lang="zh-CN" altLang="en-US" dirty="0"/>
-              <a:t>中的寄存器</a:t>
-            </a:r>
-            <a:r>
-              <a:rPr lang="en-US" altLang="zh-CN" dirty="0"/>
-              <a:t>r1</a:t>
-            </a:r>
-            <a:r>
-              <a:rPr lang="zh-CN" altLang="en-US" dirty="0"/>
-              <a:t>的值复制到到</a:t>
-            </a:r>
-            <a:r>
-              <a:rPr lang="en-US" altLang="zh-CN" dirty="0"/>
-              <a:t>r12</a:t>
-            </a:r>
-            <a:r>
-              <a:rPr lang="zh-CN" altLang="en-US" dirty="0"/>
-              <a:t>防止后续的覆盖</a:t>
-            </a:r>
-            <a:endParaRPr lang="en-US" altLang="zh-CN" dirty="0"/>
-          </a:p>
-          <a:p>
-            <a:r>
-              <a:rPr lang="en-US" altLang="zh-CN" b="0" i="0" dirty="0">
-                <a:solidFill>
-                  <a:srgbClr val="000000"/>
-                </a:solidFill>
-                <a:effectLst/>
-                <a:latin typeface="微软雅黑" panose="020B0503020204020204" pitchFamily="34" charset="-122"/>
-                <a:ea typeface="微软雅黑" panose="020B0503020204020204" pitchFamily="34" charset="-122"/>
-              </a:rPr>
-              <a:t>ii/</a:t>
-            </a:r>
-            <a:r>
-              <a:rPr lang="zh-CN" altLang="en-US" b="0" i="0" dirty="0">
-                <a:solidFill>
-                  <a:srgbClr val="000000"/>
-                </a:solidFill>
-                <a:effectLst/>
-                <a:latin typeface="微软雅黑" panose="020B0503020204020204" pitchFamily="34" charset="-122"/>
-                <a:ea typeface="微软雅黑" panose="020B0503020204020204" pitchFamily="34" charset="-122"/>
-              </a:rPr>
-              <a:t>虚线部分由以下阶段组成：</a:t>
-            </a:r>
-            <a:r>
-              <a:rPr lang="en-US" altLang="zh-CN" b="0" i="1" dirty="0">
-                <a:solidFill>
-                  <a:srgbClr val="000000"/>
-                </a:solidFill>
-                <a:effectLst/>
-                <a:latin typeface="微软雅黑" panose="020B0503020204020204" pitchFamily="34" charset="-122"/>
-                <a:ea typeface="微软雅黑" panose="020B0503020204020204" pitchFamily="34" charset="-122"/>
-              </a:rPr>
-              <a:t>Spilling </a:t>
-            </a:r>
-            <a:r>
-              <a:rPr lang="zh-CN" altLang="en-US" b="0" i="1" dirty="0">
-                <a:solidFill>
-                  <a:srgbClr val="000000"/>
-                </a:solidFill>
-                <a:effectLst/>
-                <a:latin typeface="微软雅黑" panose="020B0503020204020204" pitchFamily="34" charset="-122"/>
-                <a:ea typeface="微软雅黑" panose="020B0503020204020204" pitchFamily="34" charset="-122"/>
-              </a:rPr>
-              <a:t>将</a:t>
-            </a:r>
-            <a:r>
-              <a:rPr lang="en-US" altLang="zh-CN" dirty="0"/>
-              <a:t>ARM</a:t>
-            </a:r>
-            <a:r>
-              <a:rPr lang="zh-CN" altLang="en-US" dirty="0"/>
-              <a:t>的寄存器数据被备份到堆栈中</a:t>
-            </a:r>
-            <a:r>
-              <a:rPr lang="zh-CN" altLang="en-US" b="0" i="0" dirty="0">
-                <a:solidFill>
-                  <a:srgbClr val="000000"/>
-                </a:solidFill>
-                <a:effectLst/>
-                <a:latin typeface="微软雅黑" panose="020B0503020204020204" pitchFamily="34" charset="-122"/>
-                <a:ea typeface="微软雅黑" panose="020B0503020204020204" pitchFamily="34" charset="-122"/>
-              </a:rPr>
-              <a:t>，</a:t>
-            </a:r>
-            <a:r>
-              <a:rPr lang="en-US" altLang="zh-CN" b="0" i="1" dirty="0">
-                <a:solidFill>
-                  <a:srgbClr val="000000"/>
-                </a:solidFill>
-                <a:effectLst/>
-                <a:latin typeface="微软雅黑" panose="020B0503020204020204" pitchFamily="34" charset="-122"/>
-                <a:ea typeface="微软雅黑" panose="020B0503020204020204" pitchFamily="34" charset="-122"/>
-              </a:rPr>
-              <a:t>Load </a:t>
-            </a:r>
-            <a:r>
-              <a:rPr lang="zh-CN" altLang="en-US" b="0" i="0" dirty="0">
-                <a:solidFill>
-                  <a:srgbClr val="000000"/>
-                </a:solidFill>
-                <a:effectLst/>
-                <a:latin typeface="微软雅黑" panose="020B0503020204020204" pitchFamily="34" charset="-122"/>
-                <a:ea typeface="微软雅黑" panose="020B0503020204020204" pitchFamily="34" charset="-122"/>
-              </a:rPr>
-              <a:t>将</a:t>
-            </a:r>
-            <a:r>
-              <a:rPr lang="zh-CN" altLang="en-US" dirty="0"/>
-              <a:t>数据从</a:t>
-            </a:r>
-            <a:r>
-              <a:rPr lang="en-US" altLang="zh-CN" dirty="0" err="1"/>
-              <a:t>rBPF</a:t>
-            </a:r>
-            <a:r>
-              <a:rPr lang="zh-CN" altLang="en-US" dirty="0"/>
-              <a:t>的寄存器加载到</a:t>
-            </a:r>
-            <a:r>
-              <a:rPr lang="en-US" altLang="zh-CN" dirty="0"/>
-              <a:t>ARM</a:t>
-            </a:r>
-            <a:r>
-              <a:rPr lang="zh-CN" altLang="en-US" dirty="0"/>
-              <a:t>的寄存器</a:t>
-            </a:r>
-            <a:r>
-              <a:rPr lang="zh-CN" altLang="en-US" b="0" i="0" dirty="0">
-                <a:solidFill>
-                  <a:srgbClr val="000000"/>
-                </a:solidFill>
-                <a:effectLst/>
-                <a:latin typeface="微软雅黑" panose="020B0503020204020204" pitchFamily="34" charset="-122"/>
-                <a:ea typeface="微软雅黑" panose="020B0503020204020204" pitchFamily="34" charset="-122"/>
-              </a:rPr>
-              <a:t>，</a:t>
-            </a:r>
-            <a:r>
-              <a:rPr lang="en-US" altLang="zh-CN" b="0" i="1" dirty="0">
-                <a:solidFill>
-                  <a:srgbClr val="000000"/>
-                </a:solidFill>
-                <a:effectLst/>
-                <a:latin typeface="微软雅黑" panose="020B0503020204020204" pitchFamily="34" charset="-122"/>
-                <a:ea typeface="微软雅黑" panose="020B0503020204020204" pitchFamily="34" charset="-122"/>
-              </a:rPr>
-              <a:t>Core</a:t>
-            </a:r>
-            <a:r>
-              <a:rPr lang="zh-CN" altLang="en-US" b="0" i="0" dirty="0">
-                <a:solidFill>
-                  <a:srgbClr val="000000"/>
-                </a:solidFill>
-                <a:effectLst/>
-                <a:latin typeface="微软雅黑" panose="020B0503020204020204" pitchFamily="34" charset="-122"/>
-                <a:ea typeface="微软雅黑" panose="020B0503020204020204" pitchFamily="34" charset="-122"/>
-              </a:rPr>
-              <a:t>在</a:t>
-            </a:r>
-            <a:r>
-              <a:rPr lang="en-US" altLang="zh-CN" b="0" i="0" dirty="0">
-                <a:solidFill>
-                  <a:srgbClr val="000000"/>
-                </a:solidFill>
-                <a:effectLst/>
-                <a:latin typeface="微软雅黑" panose="020B0503020204020204" pitchFamily="34" charset="-122"/>
-                <a:ea typeface="微软雅黑" panose="020B0503020204020204" pitchFamily="34" charset="-122"/>
-              </a:rPr>
-              <a:t>ARM</a:t>
-            </a:r>
-            <a:r>
-              <a:rPr lang="zh-CN" altLang="en-US" b="0" i="0" dirty="0">
-                <a:solidFill>
-                  <a:srgbClr val="000000"/>
-                </a:solidFill>
-                <a:effectLst/>
-                <a:latin typeface="微软雅黑" panose="020B0503020204020204" pitchFamily="34" charset="-122"/>
-                <a:ea typeface="微软雅黑" panose="020B0503020204020204" pitchFamily="34" charset="-122"/>
-              </a:rPr>
-              <a:t>寄存器上执行算术计算操作，相当于源</a:t>
-            </a:r>
-            <a:r>
-              <a:rPr lang="en-US" altLang="zh-CN" b="0" i="0" dirty="0" err="1">
-                <a:solidFill>
-                  <a:srgbClr val="000000"/>
-                </a:solidFill>
-                <a:effectLst/>
-                <a:latin typeface="微软雅黑" panose="020B0503020204020204" pitchFamily="34" charset="-122"/>
-                <a:ea typeface="微软雅黑" panose="020B0503020204020204" pitchFamily="34" charset="-122"/>
-              </a:rPr>
-              <a:t>rBPF</a:t>
-            </a:r>
-            <a:r>
-              <a:rPr lang="en-US" altLang="zh-CN" b="0" i="0" dirty="0">
-                <a:solidFill>
-                  <a:srgbClr val="000000"/>
-                </a:solidFill>
-                <a:effectLst/>
-                <a:latin typeface="微软雅黑" panose="020B0503020204020204" pitchFamily="34" charset="-122"/>
-                <a:ea typeface="微软雅黑" panose="020B0503020204020204" pitchFamily="34" charset="-122"/>
-              </a:rPr>
-              <a:t> Alu</a:t>
-            </a:r>
-            <a:r>
-              <a:rPr lang="zh-CN" altLang="en-US" b="0" i="0" dirty="0">
-                <a:solidFill>
-                  <a:srgbClr val="000000"/>
-                </a:solidFill>
-                <a:effectLst/>
-                <a:latin typeface="微软雅黑" panose="020B0503020204020204" pitchFamily="34" charset="-122"/>
-                <a:ea typeface="微软雅黑" panose="020B0503020204020204" pitchFamily="34" charset="-122"/>
-              </a:rPr>
-              <a:t>列表的行为</a:t>
-            </a:r>
-            <a:endParaRPr lang="en-US" altLang="zh-CN" b="0" i="0" dirty="0">
-              <a:solidFill>
-                <a:srgbClr val="000000"/>
-              </a:solidFill>
-              <a:effectLst/>
-              <a:latin typeface="微软雅黑" panose="020B0503020204020204" pitchFamily="34" charset="-122"/>
-              <a:ea typeface="微软雅黑" panose="020B0503020204020204" pitchFamily="34" charset="-122"/>
-            </a:endParaRPr>
-          </a:p>
-          <a:p>
-            <a:r>
-              <a:rPr lang="en-US" altLang="zh-CN" b="0" i="0" dirty="0">
-                <a:solidFill>
-                  <a:srgbClr val="000000"/>
-                </a:solidFill>
-                <a:effectLst/>
-                <a:latin typeface="微软雅黑" panose="020B0503020204020204" pitchFamily="34" charset="-122"/>
-                <a:ea typeface="微软雅黑" panose="020B0503020204020204" pitchFamily="34" charset="-122"/>
-              </a:rPr>
-              <a:t>iii/</a:t>
-            </a:r>
-            <a:r>
-              <a:rPr lang="zh-CN" altLang="en-US" b="0" i="0" dirty="0">
-                <a:solidFill>
-                  <a:srgbClr val="000000"/>
-                </a:solidFill>
-                <a:effectLst/>
-                <a:latin typeface="微软雅黑" panose="020B0503020204020204" pitchFamily="34" charset="-122"/>
-                <a:ea typeface="微软雅黑" panose="020B0503020204020204" pitchFamily="34" charset="-122"/>
-              </a:rPr>
-              <a:t>后续部分</a:t>
-            </a:r>
-            <a:r>
-              <a:rPr lang="en-US" altLang="zh-CN" b="0" i="1" dirty="0">
-                <a:solidFill>
-                  <a:srgbClr val="000000"/>
-                </a:solidFill>
-                <a:effectLst/>
-                <a:latin typeface="微软雅黑" panose="020B0503020204020204" pitchFamily="34" charset="-122"/>
-                <a:ea typeface="微软雅黑" panose="020B0503020204020204" pitchFamily="34" charset="-122"/>
-              </a:rPr>
-              <a:t>Store</a:t>
-            </a:r>
-            <a:r>
-              <a:rPr lang="zh-CN" altLang="en-US" dirty="0"/>
-              <a:t>将结果从</a:t>
-            </a:r>
-            <a:r>
-              <a:rPr lang="en-US" altLang="zh-CN" dirty="0"/>
-              <a:t>ARM</a:t>
-            </a:r>
-            <a:r>
-              <a:rPr lang="zh-CN" altLang="en-US" dirty="0"/>
-              <a:t>的寄存器更新回</a:t>
-            </a:r>
-            <a:r>
-              <a:rPr lang="en-US" altLang="zh-CN" dirty="0" err="1"/>
-              <a:t>rBPF</a:t>
-            </a:r>
-            <a:r>
-              <a:rPr lang="zh-CN" altLang="en-US" dirty="0"/>
-              <a:t>的寄存器</a:t>
-            </a:r>
-            <a:r>
-              <a:rPr lang="zh-CN" altLang="en-US" b="0" i="0" dirty="0">
-                <a:solidFill>
-                  <a:srgbClr val="000000"/>
-                </a:solidFill>
-                <a:effectLst/>
-                <a:latin typeface="微软雅黑" panose="020B0503020204020204" pitchFamily="34" charset="-122"/>
-                <a:ea typeface="微软雅黑" panose="020B0503020204020204" pitchFamily="34" charset="-122"/>
-              </a:rPr>
-              <a:t>，</a:t>
-            </a:r>
-            <a:r>
-              <a:rPr lang="en-US" altLang="zh-CN" b="0" i="1" dirty="0">
-                <a:solidFill>
-                  <a:srgbClr val="000000"/>
-                </a:solidFill>
-                <a:effectLst/>
-                <a:latin typeface="微软雅黑" panose="020B0503020204020204" pitchFamily="34" charset="-122"/>
-                <a:ea typeface="微软雅黑" panose="020B0503020204020204" pitchFamily="34" charset="-122"/>
-              </a:rPr>
-              <a:t>Reloading</a:t>
-            </a:r>
-            <a:r>
-              <a:rPr lang="zh-CN" altLang="en-US" dirty="0"/>
-              <a:t>从堆栈中恢复</a:t>
-            </a:r>
-            <a:r>
-              <a:rPr lang="en-US" altLang="zh-CN" dirty="0"/>
-              <a:t>ARM</a:t>
-            </a:r>
-            <a:r>
-              <a:rPr lang="zh-CN" altLang="en-US" dirty="0"/>
-              <a:t>寄存器的数据</a:t>
-            </a:r>
-            <a:r>
-              <a:rPr lang="en-US" altLang="zh-CN" b="0" i="0" dirty="0">
-                <a:solidFill>
-                  <a:srgbClr val="000000"/>
-                </a:solidFill>
-                <a:effectLst/>
-                <a:latin typeface="微软雅黑" panose="020B0503020204020204" pitchFamily="34" charset="-122"/>
-                <a:ea typeface="微软雅黑" panose="020B0503020204020204" pitchFamily="34" charset="-122"/>
-              </a:rPr>
-              <a:t>	</a:t>
-            </a:r>
-          </a:p>
-          <a:p>
-            <a:r>
-              <a:rPr lang="en-US" altLang="zh-CN" b="0" i="0" dirty="0">
-                <a:solidFill>
-                  <a:srgbClr val="000000"/>
-                </a:solidFill>
-                <a:effectLst/>
-                <a:latin typeface="微软雅黑" panose="020B0503020204020204" pitchFamily="34" charset="-122"/>
-                <a:ea typeface="微软雅黑" panose="020B0503020204020204" pitchFamily="34" charset="-122"/>
-              </a:rPr>
-              <a:t>iv/</a:t>
-            </a:r>
-            <a:r>
-              <a:rPr lang="en-US" altLang="zh-CN" b="0" i="1" dirty="0">
-                <a:solidFill>
-                  <a:srgbClr val="000000"/>
-                </a:solidFill>
-                <a:effectLst/>
-                <a:latin typeface="微软雅黑" panose="020B0503020204020204" pitchFamily="34" charset="-122"/>
-                <a:ea typeface="微软雅黑" panose="020B0503020204020204" pitchFamily="34" charset="-122"/>
-              </a:rPr>
-              <a:t>Tail </a:t>
-            </a:r>
-            <a:r>
-              <a:rPr lang="zh-CN" altLang="en-US" dirty="0"/>
-              <a:t>释放栈帧，返回到代码的调用点。</a:t>
-            </a:r>
-            <a:endParaRPr lang="zh-CN" altLang="en-US" i="1" dirty="0"/>
+            <a:endParaRPr lang="zh-CN" altLang="en-US" dirty="0"/>
           </a:p>
         </p:txBody>
       </p:sp>
@@ -2041,7 +2109,7 @@
           <a:p>
             <a:fld id="{13D28DC2-5057-445C-8872-C1533802A2F5}" type="slidenum">
               <a:rPr lang="zh-CN" altLang="en-US" smtClean="0"/>
-              <a:t>27</a:t>
+              <a:t>24</a:t>
             </a:fld>
             <a:endParaRPr lang="zh-CN" altLang="en-US"/>
           </a:p>
@@ -2050,7 +2118,7 @@
     </p:spTree>
     <p:extLst>
       <p:ext uri="{BB962C8B-B14F-4D97-AF65-F5344CB8AC3E}">
-        <p14:creationId xmlns:p14="http://schemas.microsoft.com/office/powerpoint/2010/main" val="224116019"/>
+        <p14:creationId xmlns:p14="http://schemas.microsoft.com/office/powerpoint/2010/main" val="1279311549"/>
       </p:ext>
     </p:extLst>
   </p:cSld>
@@ -2104,46 +2172,50 @@
           <a:bodyPr/>
           <a:lstStyle/>
           <a:p>
-            <a:pPr marL="228600" marR="0" lvl="0" indent="-228600" algn="l" defTabSz="914400" rtl="0" eaLnBrk="1" fontAlgn="auto" latinLnBrk="0" hangingPunct="1">
-              <a:lnSpc>
-                <a:spcPct val="100000"/>
-              </a:lnSpc>
-              <a:spcBef>
-                <a:spcPts val="0"/>
-              </a:spcBef>
-              <a:spcAft>
-                <a:spcPts val="0"/>
-              </a:spcAft>
-              <a:buClrTx/>
-              <a:buSzTx/>
-              <a:buFontTx/>
-              <a:buAutoNum type="arabicParenBoth"/>
-              <a:tabLst/>
-              <a:defRPr/>
-            </a:pPr>
-            <a:r>
-              <a:rPr lang="en-US" altLang="zh-CN" b="0" dirty="0"/>
-              <a:t>Head </a:t>
-            </a:r>
-            <a:r>
-              <a:rPr lang="zh-CN" altLang="en-US" b="0" dirty="0"/>
-              <a:t>阶段 </a:t>
-            </a:r>
-            <a:r>
-              <a:rPr lang="zh-CN" altLang="en-US" dirty="0"/>
-              <a:t>将 </a:t>
+            <a:r>
+              <a:rPr lang="en-US" altLang="zh-CN" b="0" i="0" dirty="0" err="1">
+                <a:solidFill>
+                  <a:srgbClr val="000000"/>
+                </a:solidFill>
+                <a:effectLst/>
+                <a:latin typeface="微软雅黑" panose="020B0503020204020204" pitchFamily="34" charset="-122"/>
+                <a:ea typeface="微软雅黑" panose="020B0503020204020204" pitchFamily="34" charset="-122"/>
+              </a:rPr>
+              <a:t>i</a:t>
+            </a:r>
+            <a:r>
+              <a:rPr lang="en-US" altLang="zh-CN" b="0" i="0" dirty="0">
+                <a:solidFill>
+                  <a:srgbClr val="000000"/>
+                </a:solidFill>
+                <a:effectLst/>
+                <a:latin typeface="微软雅黑" panose="020B0503020204020204" pitchFamily="34" charset="-122"/>
+                <a:ea typeface="微软雅黑" panose="020B0503020204020204" pitchFamily="34" charset="-122"/>
+              </a:rPr>
+              <a:t>/</a:t>
+            </a:r>
+            <a:r>
+              <a:rPr lang="zh-CN" altLang="en-US" b="0" i="0" dirty="0">
+                <a:solidFill>
+                  <a:srgbClr val="000000"/>
+                </a:solidFill>
+                <a:effectLst/>
+                <a:latin typeface="微软雅黑" panose="020B0503020204020204" pitchFamily="34" charset="-122"/>
+                <a:ea typeface="微软雅黑" panose="020B0503020204020204" pitchFamily="34" charset="-122"/>
+              </a:rPr>
+              <a:t>头部</a:t>
+            </a:r>
+            <a:r>
+              <a:rPr lang="zh-CN" altLang="en-US" dirty="0"/>
+              <a:t>将</a:t>
             </a:r>
             <a:r>
               <a:rPr lang="en-US" altLang="zh-CN" dirty="0" err="1"/>
               <a:t>rBPF</a:t>
             </a:r>
             <a:r>
-              <a:rPr lang="en-US" altLang="zh-CN" dirty="0"/>
-              <a:t> </a:t>
-            </a:r>
-            <a:r>
-              <a:rPr lang="zh-CN" altLang="en-US" dirty="0"/>
-              <a:t>指令中的</a:t>
+              <a:rPr lang="zh-CN" altLang="en-US" dirty="0"/>
+              <a:t>中的寄存器</a:t>
             </a:r>
             <a:r>
               <a:rPr lang="en-US" altLang="zh-CN" dirty="0"/>
@@ -2151,83 +2223,29 @@
             </a:r>
             <a:r>
               <a:rPr lang="zh-CN" altLang="en-US" dirty="0"/>
-              <a:t>也就是</a:t>
-            </a:r>
-            <a:r>
-              <a:rPr lang="en-US" altLang="zh-CN" dirty="0" err="1"/>
-              <a:t>bpf</a:t>
-            </a:r>
-            <a:r>
-              <a:rPr lang="zh-CN" altLang="en-US" dirty="0"/>
-              <a:t>的基址 初始化到 </a:t>
-            </a:r>
-            <a:r>
-              <a:rPr lang="en-US" altLang="zh-CN" dirty="0"/>
-              <a:t>ARM </a:t>
-            </a:r>
-            <a:r>
-              <a:rPr lang="zh-CN" altLang="en-US" dirty="0"/>
-              <a:t>寄存器中，为后续操作做准备。</a:t>
+              <a:t>的值复制到到</a:t>
+            </a:r>
+            <a:r>
+              <a:rPr lang="en-US" altLang="zh-CN" dirty="0"/>
+              <a:t>r12</a:t>
+            </a:r>
+            <a:r>
+              <a:rPr lang="zh-CN" altLang="en-US" dirty="0"/>
+              <a:t>防止后续的覆盖</a:t>
             </a:r>
             <a:endParaRPr lang="en-US" altLang="zh-CN" dirty="0"/>
           </a:p>
           <a:p>
-            <a:pPr marL="228600" marR="0" lvl="0" indent="-228600" algn="l" defTabSz="914400" rtl="0" eaLnBrk="1" fontAlgn="auto" latinLnBrk="0" hangingPunct="1">
-              <a:lnSpc>
-                <a:spcPct val="100000"/>
-              </a:lnSpc>
-              <a:spcBef>
-                <a:spcPts val="0"/>
-              </a:spcBef>
-              <a:spcAft>
-                <a:spcPts val="0"/>
-              </a:spcAft>
-              <a:buClrTx/>
-              <a:buSzTx/>
-              <a:buFontTx/>
-              <a:buAutoNum type="arabicParenBoth"/>
-              <a:tabLst/>
-              <a:defRPr/>
-            </a:pPr>
-            <a:r>
-              <a:rPr lang="zh-CN" altLang="en-US" dirty="0"/>
-              <a:t>根据</a:t>
-            </a:r>
-            <a:r>
-              <a:rPr lang="en-US" altLang="zh-CN" dirty="0"/>
-              <a:t>Spilling + Load + Core</a:t>
-            </a:r>
-            <a:r>
-              <a:rPr lang="zh-CN" altLang="en-US" dirty="0"/>
-              <a:t>的顺序 </a:t>
-            </a:r>
-            <a:r>
-              <a:rPr lang="en-US" altLang="zh-CN" dirty="0"/>
-              <a:t>1</a:t>
-            </a:r>
-            <a:r>
-              <a:rPr lang="zh-CN" altLang="en-US" dirty="0"/>
-              <a:t>将某些可能被覆盖的 </a:t>
-            </a:r>
-            <a:r>
-              <a:rPr lang="en-US" altLang="zh-CN" dirty="0"/>
-              <a:t>ARM </a:t>
-            </a:r>
-            <a:r>
-              <a:rPr lang="zh-CN" altLang="en-US" dirty="0"/>
-              <a:t>寄存器的值保存到栈帧中（</a:t>
-            </a:r>
-            <a:r>
-              <a:rPr lang="en-US" altLang="zh-CN" dirty="0"/>
-              <a:t>Stack Frame</a:t>
-            </a:r>
-            <a:r>
-              <a:rPr lang="zh-CN" altLang="en-US" dirty="0"/>
-              <a:t>）</a:t>
-            </a:r>
-            <a:r>
-              <a:rPr lang="en-US" altLang="zh-CN" dirty="0"/>
-              <a:t>2</a:t>
+            <a:r>
+              <a:rPr lang="en-US" altLang="zh-CN" b="0" i="0" dirty="0">
+                <a:solidFill>
+                  <a:srgbClr val="000000"/>
+                </a:solidFill>
+                <a:effectLst/>
+                <a:latin typeface="微软雅黑" panose="020B0503020204020204" pitchFamily="34" charset="-122"/>
+                <a:ea typeface="微软雅黑" panose="020B0503020204020204" pitchFamily="34" charset="-122"/>
+              </a:rPr>
+              <a:t>ii/</a:t>
             </a:r>
             <a:r>
               <a:rPr lang="zh-CN" altLang="en-US" b="0" i="0" dirty="0">
@@ -2238,7 +2256,74 @@
                 <a:latin typeface="微软雅黑" panose="020B0503020204020204" pitchFamily="34" charset="-122"/>
                 <a:ea typeface="微软雅黑" panose="020B0503020204020204" pitchFamily="34" charset="-122"/>
               </a:rPr>
+              <a:t>虚线部分由以下阶段组成：</a:t>
+            </a:r>
+            <a:r>
+              <a:rPr lang="en-US" altLang="zh-CN" b="0" i="1" dirty="0">
+                <a:solidFill>
+                  <a:srgbClr val="000000"/>
+                </a:solidFill>
+                <a:effectLst/>
+                <a:latin typeface="微软雅黑" panose="020B0503020204020204" pitchFamily="34" charset="-122"/>
+                <a:ea typeface="微软雅黑" panose="020B0503020204020204" pitchFamily="34" charset="-122"/>
+              </a:rPr>
+              <a:t>Spilling </a:t>
+            </a:r>
+            <a:r>
+              <a:rPr lang="zh-CN" altLang="en-US" b="0" i="1" dirty="0">
+                <a:solidFill>
+                  <a:srgbClr val="000000"/>
+                </a:solidFill>
+                <a:effectLst/>
+                <a:latin typeface="微软雅黑" panose="020B0503020204020204" pitchFamily="34" charset="-122"/>
+                <a:ea typeface="微软雅黑" panose="020B0503020204020204" pitchFamily="34" charset="-122"/>
+              </a:rPr>
               <a:t>将</a:t>
+            </a:r>
+            <a:r>
+              <a:rPr lang="en-US" altLang="zh-CN" dirty="0"/>
+              <a:t>ARM</a:t>
+            </a:r>
+            <a:r>
+              <a:rPr lang="zh-CN" altLang="en-US" dirty="0"/>
+              <a:t>的寄存器数据被备份到堆栈中</a:t>
+            </a:r>
+            <a:r>
+              <a:rPr lang="zh-CN" altLang="en-US" b="0" i="0" dirty="0">
+                <a:solidFill>
+                  <a:srgbClr val="000000"/>
+                </a:solidFill>
+                <a:effectLst/>
+                <a:latin typeface="微软雅黑" panose="020B0503020204020204" pitchFamily="34" charset="-122"/>
+                <a:ea typeface="微软雅黑" panose="020B0503020204020204" pitchFamily="34" charset="-122"/>
+              </a:rPr>
+              <a:t>，</a:t>
+            </a:r>
+            <a:r>
+              <a:rPr lang="en-US" altLang="zh-CN" b="0" i="1" dirty="0">
+                <a:solidFill>
+                  <a:srgbClr val="000000"/>
+                </a:solidFill>
+                <a:effectLst/>
+                <a:latin typeface="微软雅黑" panose="020B0503020204020204" pitchFamily="34" charset="-122"/>
+                <a:ea typeface="微软雅黑" panose="020B0503020204020204" pitchFamily="34" charset="-122"/>
+              </a:rPr>
+              <a:t>Load </a:t>
+            </a:r>
+            <a:r>
+              <a:rPr lang="zh-CN" altLang="en-US" b="0" i="0" dirty="0">
+                <a:solidFill>
+                  <a:srgbClr val="000000"/>
+                </a:solidFill>
+                <a:effectLst/>
+                <a:latin typeface="微软雅黑" panose="020B0503020204020204" pitchFamily="34" charset="-122"/>
+                <a:ea typeface="微软雅黑" panose="020B0503020204020204" pitchFamily="34" charset="-122"/>
+              </a:rPr>
+              <a:t>将</a:t>
+            </a:r>
+            <a:r>
+              <a:rPr lang="zh-CN" altLang="en-US" dirty="0"/>
+              <a:t>数据从</a:t>
             </a:r>
             <a:r>
               <a:rPr lang="en-US" altLang="zh-CN" dirty="0" err="1"/>
@@ -2246,7 +2331,7 @@
             </a:r>
             <a:r>
               <a:rPr lang="zh-CN" altLang="en-US" dirty="0"/>
-              <a:t>的数据根据基址和偏移加载到</a:t>
+              <a:t>的寄存器加载到</a:t>
             </a:r>
             <a:r>
               <a:rPr lang="en-US" altLang="zh-CN" dirty="0"/>
@@ -2254,136 +2339,233 @@
             </a:r>
             <a:r>
               <a:rPr lang="zh-CN" altLang="en-US" dirty="0"/>
-              <a:t>的寄存器 </a:t>
-            </a:r>
-            <a:r>
-              <a:rPr lang="en-US" altLang="zh-CN" dirty="0"/>
-              <a:t>3</a:t>
-            </a:r>
-            <a:r>
-              <a:rPr lang="zh-CN" altLang="en-US" dirty="0"/>
-              <a:t>执行</a:t>
-            </a:r>
-            <a:r>
-              <a:rPr lang="en-US" altLang="zh-CN" dirty="0"/>
-              <a:t>arm</a:t>
-            </a:r>
-            <a:r>
-              <a:rPr lang="zh-CN" altLang="en-US" dirty="0"/>
-              <a:t>上的算术运算</a:t>
-            </a:r>
-            <a:endParaRPr lang="en-US" altLang="zh-CN" dirty="0"/>
-          </a:p>
-          <a:p>
-            <a:pPr marL="228600" marR="0" lvl="0" indent="-228600" algn="l" defTabSz="914400" rtl="0" eaLnBrk="1" fontAlgn="auto" latinLnBrk="0" hangingPunct="1">
-              <a:lnSpc>
-                <a:spcPct val="100000"/>
-              </a:lnSpc>
-              <a:spcBef>
-                <a:spcPts val="0"/>
-              </a:spcBef>
-              <a:spcAft>
-                <a:spcPts val="0"/>
-              </a:spcAft>
-              <a:buClrTx/>
-              <a:buSzTx/>
-              <a:buFontTx/>
-              <a:buAutoNum type="arabicParenBoth"/>
-              <a:tabLst/>
-              <a:defRPr/>
-            </a:pPr>
-            <a:r>
-              <a:rPr lang="zh-CN" altLang="en-US" dirty="0"/>
-              <a:t>更新 </a:t>
+              <a:t>的寄存器</a:t>
+            </a:r>
+            <a:r>
+              <a:rPr lang="zh-CN" altLang="en-US" b="0" i="0" dirty="0">
+                <a:solidFill>
+                  <a:srgbClr val="000000"/>
+                </a:solidFill>
+                <a:effectLst/>
+                <a:latin typeface="微软雅黑" panose="020B0503020204020204" pitchFamily="34" charset="-122"/>
+                <a:ea typeface="微软雅黑" panose="020B0503020204020204" pitchFamily="34" charset="-122"/>
+              </a:rPr>
+              <a:t>，</a:t>
+            </a:r>
+            <a:r>
+              <a:rPr lang="en-US" altLang="zh-CN" b="0" i="1" dirty="0">
+                <a:solidFill>
+                  <a:srgbClr val="000000"/>
+                </a:solidFill>
+                <a:effectLst/>
+                <a:latin typeface="微软雅黑" panose="020B0503020204020204" pitchFamily="34" charset="-122"/>
+                <a:ea typeface="微软雅黑" panose="020B0503020204020204" pitchFamily="34" charset="-122"/>
+              </a:rPr>
+              <a:t>Core</a:t>
+            </a:r>
+            <a:r>
+              <a:rPr lang="zh-CN" altLang="en-US" b="0" i="0" dirty="0">
+                <a:solidFill>
+                  <a:srgbClr val="000000"/>
+                </a:solidFill>
+                <a:effectLst/>
+                <a:latin typeface="微软雅黑" panose="020B0503020204020204" pitchFamily="34" charset="-122"/>
+                <a:ea typeface="微软雅黑" panose="020B0503020204020204" pitchFamily="34" charset="-122"/>
+              </a:rPr>
+              <a:t>在</a:t>
+            </a:r>
+            <a:r>
+              <a:rPr lang="en-US" altLang="zh-CN" b="0" i="0" dirty="0">
+                <a:solidFill>
+                  <a:srgbClr val="000000"/>
+                </a:solidFill>
+                <a:effectLst/>
+                <a:latin typeface="微软雅黑" panose="020B0503020204020204" pitchFamily="34" charset="-122"/>
+                <a:ea typeface="微软雅黑" panose="020B0503020204020204" pitchFamily="34" charset="-122"/>
+              </a:rPr>
+              <a:t>ARM</a:t>
+            </a:r>
+            <a:r>
+              <a:rPr lang="zh-CN" altLang="en-US" b="0" i="0" dirty="0">
+                <a:solidFill>
+                  <a:srgbClr val="000000"/>
+                </a:solidFill>
+                <a:effectLst/>
+                <a:latin typeface="微软雅黑" panose="020B0503020204020204" pitchFamily="34" charset="-122"/>
+                <a:ea typeface="微软雅黑" panose="020B0503020204020204" pitchFamily="34" charset="-122"/>
+              </a:rPr>
+              <a:t>寄存器上执行算术计算操作，相当于源</a:t>
+            </a:r>
+            <a:r>
+              <a:rPr lang="en-US" altLang="zh-CN" b="0" i="0" dirty="0" err="1">
+                <a:solidFill>
+                  <a:srgbClr val="000000"/>
+                </a:solidFill>
+                <a:effectLst/>
+                <a:latin typeface="微软雅黑" panose="020B0503020204020204" pitchFamily="34" charset="-122"/>
+                <a:ea typeface="微软雅黑" panose="020B0503020204020204" pitchFamily="34" charset="-122"/>
+              </a:rPr>
+              <a:t>rBPF</a:t>
+            </a:r>
+            <a:r>
+              <a:rPr lang="en-US" altLang="zh-CN" b="0" i="0" dirty="0">
+                <a:solidFill>
+                  <a:srgbClr val="000000"/>
+                </a:solidFill>
+                <a:effectLst/>
+                <a:latin typeface="微软雅黑" panose="020B0503020204020204" pitchFamily="34" charset="-122"/>
+                <a:ea typeface="微软雅黑" panose="020B0503020204020204" pitchFamily="34" charset="-122"/>
+              </a:rPr>
+              <a:t> Alu</a:t>
+            </a:r>
+            <a:r>
+              <a:rPr lang="zh-CN" altLang="en-US" b="0" i="0" dirty="0">
+                <a:solidFill>
+                  <a:srgbClr val="000000"/>
+                </a:solidFill>
+                <a:effectLst/>
+                <a:latin typeface="微软雅黑" panose="020B0503020204020204" pitchFamily="34" charset="-122"/>
+                <a:ea typeface="微软雅黑" panose="020B0503020204020204" pitchFamily="34" charset="-122"/>
+              </a:rPr>
+              <a:t>列表的行为</a:t>
+            </a:r>
+            <a:endParaRPr lang="en-US" altLang="zh-CN" b="0" i="0" dirty="0">
+              <a:solidFill>
+                <a:srgbClr val="000000"/>
+              </a:solidFill>
+              <a:effectLst/>
+              <a:latin typeface="微软雅黑" panose="020B0503020204020204" pitchFamily="34" charset="-122"/>
+              <a:ea typeface="微软雅黑" panose="020B0503020204020204" pitchFamily="34" charset="-122"/>
+            </a:endParaRPr>
+          </a:p>
+          <a:p>
+            <a:r>
+              <a:rPr lang="en-US" altLang="zh-CN" b="0" i="0" dirty="0">
+                <a:solidFill>
+                  <a:srgbClr val="000000"/>
+                </a:solidFill>
+                <a:effectLst/>
+                <a:latin typeface="微软雅黑" panose="020B0503020204020204" pitchFamily="34" charset="-122"/>
+                <a:ea typeface="微软雅黑" panose="020B0503020204020204" pitchFamily="34" charset="-122"/>
+              </a:rPr>
+              <a:t>iii/</a:t>
+            </a:r>
+            <a:r>
+              <a:rPr lang="zh-CN" altLang="en-US" b="0" i="0" dirty="0">
+                <a:solidFill>
+                  <a:srgbClr val="000000"/>
+                </a:solidFill>
+                <a:effectLst/>
+                <a:latin typeface="微软雅黑" panose="020B0503020204020204" pitchFamily="34" charset="-122"/>
+                <a:ea typeface="微软雅黑" panose="020B0503020204020204" pitchFamily="34" charset="-122"/>
+              </a:rPr>
+              <a:t>后续部分</a:t>
+            </a:r>
+            <a:r>
+              <a:rPr lang="en-US" altLang="zh-CN" b="0" i="1" dirty="0">
+                <a:solidFill>
+                  <a:srgbClr val="000000"/>
+                </a:solidFill>
+                <a:effectLst/>
+                <a:latin typeface="微软雅黑" panose="020B0503020204020204" pitchFamily="34" charset="-122"/>
+                <a:ea typeface="微软雅黑" panose="020B0503020204020204" pitchFamily="34" charset="-122"/>
+              </a:rPr>
+              <a:t>Store</a:t>
+            </a:r>
+            <a:r>
+              <a:rPr lang="zh-CN" altLang="en-US" dirty="0"/>
+              <a:t>将结果从</a:t>
+            </a:r>
+            <a:r>
+              <a:rPr lang="en-US" altLang="zh-CN" dirty="0"/>
+              <a:t>ARM</a:t>
+            </a:r>
+            <a:r>
+              <a:rPr lang="zh-CN" altLang="en-US" dirty="0"/>
+              <a:t>的寄存器更新回</a:t>
             </a:r>
             <a:r>
               <a:rPr lang="en-US" altLang="zh-CN" dirty="0" err="1"/>
               <a:t>rBPF</a:t>
             </a:r>
             <a:r>
-              <a:rPr lang="en-US" altLang="zh-CN" dirty="0"/>
-              <a:t> </a:t>
-            </a:r>
-            <a:r>
-              <a:rPr lang="zh-CN" altLang="en-US" dirty="0"/>
-              <a:t>的程序计数器（</a:t>
-            </a:r>
-            <a:r>
-              <a:rPr lang="en-US" altLang="zh-CN" dirty="0"/>
-              <a:t>PC</a:t>
-            </a:r>
-            <a:r>
-              <a:rPr lang="zh-CN" altLang="en-US" dirty="0"/>
-              <a:t>）</a:t>
-            </a:r>
-            <a:endParaRPr lang="en-US" altLang="zh-CN" dirty="0"/>
-          </a:p>
-          <a:p>
-            <a:pPr marL="228600" marR="0" lvl="0" indent="-228600" algn="l" defTabSz="914400" rtl="0" eaLnBrk="1" fontAlgn="auto" latinLnBrk="0" hangingPunct="1">
-              <a:lnSpc>
-                <a:spcPct val="100000"/>
-              </a:lnSpc>
-              <a:spcBef>
-                <a:spcPts val="0"/>
-              </a:spcBef>
-              <a:spcAft>
-                <a:spcPts val="0"/>
-              </a:spcAft>
-              <a:buClrTx/>
-              <a:buSzTx/>
-              <a:buFontTx/>
-              <a:buAutoNum type="arabicParenBoth"/>
-              <a:tabLst/>
-              <a:defRPr/>
-            </a:pPr>
-            <a:r>
-              <a:rPr lang="en-US" altLang="zh-CN" dirty="0"/>
-              <a:t>Store </a:t>
-            </a:r>
-            <a:r>
-              <a:rPr lang="zh-CN" altLang="en-US" dirty="0"/>
-              <a:t>阶段更新所有被修改的 </a:t>
-            </a:r>
-            <a:r>
-              <a:rPr lang="en-US" altLang="zh-CN" dirty="0" err="1"/>
-              <a:t>rBPF</a:t>
-            </a:r>
-            <a:r>
-              <a:rPr lang="en-US" altLang="zh-CN" dirty="0"/>
-              <a:t> </a:t>
-            </a:r>
-            <a:r>
-              <a:rPr lang="zh-CN" altLang="en-US" dirty="0"/>
-              <a:t>寄存器到内存中</a:t>
-            </a:r>
-            <a:endParaRPr lang="en-US" altLang="zh-CN" dirty="0"/>
-          </a:p>
-          <a:p>
-            <a:pPr marL="228600" marR="0" lvl="0" indent="-228600" algn="l" defTabSz="914400" rtl="0" eaLnBrk="1" fontAlgn="auto" latinLnBrk="0" hangingPunct="1">
-              <a:lnSpc>
-                <a:spcPct val="100000"/>
-              </a:lnSpc>
-              <a:spcBef>
-                <a:spcPts val="0"/>
-              </a:spcBef>
-              <a:spcAft>
-                <a:spcPts val="0"/>
-              </a:spcAft>
-              <a:buClrTx/>
-              <a:buSzTx/>
-              <a:buFontTx/>
-              <a:buAutoNum type="arabicParenBoth"/>
-              <a:tabLst/>
-              <a:defRPr/>
-            </a:pPr>
-            <a:r>
-              <a:rPr lang="en-US" altLang="zh-CN" dirty="0"/>
+              <a:rPr lang="zh-CN" altLang="en-US" dirty="0"/>
+              <a:t>的寄存器</a:t>
+            </a:r>
+            <a:r>
+              <a:rPr lang="zh-CN" altLang="en-US" b="0" i="0" dirty="0">
+                <a:solidFill>
+                  <a:srgbClr val="000000"/>
+                </a:solidFill>
+                <a:effectLst/>
+                <a:latin typeface="微软雅黑" panose="020B0503020204020204" pitchFamily="34" charset="-122"/>
+                <a:ea typeface="微软雅黑" panose="020B0503020204020204" pitchFamily="34" charset="-122"/>
+              </a:rPr>
+              <a:t>，</a:t>
+            </a:r>
+            <a:r>
+              <a:rPr lang="en-US" altLang="zh-CN" b="0" i="1" dirty="0">
+                <a:solidFill>
+                  <a:srgbClr val="000000"/>
+                </a:solidFill>
+                <a:effectLst/>
+                <a:latin typeface="微软雅黑" panose="020B0503020204020204" pitchFamily="34" charset="-122"/>
+                <a:ea typeface="微软雅黑" panose="020B0503020204020204" pitchFamily="34" charset="-122"/>
+              </a:rPr>
+              <a:t>Reloading</a:t>
+            </a:r>
+            <a:r>
+              <a:rPr lang="zh-CN" altLang="en-US" dirty="0"/>
+              <a:t>从堆栈中恢复</a:t>
+            </a:r>
+            <a:r>
+              <a:rPr lang="en-US" altLang="zh-CN" dirty="0"/>
+              <a:t>ARM</a:t>
+            </a:r>
+            <a:r>
+              <a:rPr lang="zh-CN" altLang="en-US" dirty="0"/>
+              <a:t>寄存器的数据</a:t>
+            </a:r>
+            <a:r>
+              <a:rPr lang="en-US" altLang="zh-CN" b="0" i="0" dirty="0">
+                <a:solidFill>
+                  <a:srgbClr val="000000"/>
+                </a:solidFill>
+                <a:effectLst/>
+                <a:latin typeface="微软雅黑" panose="020B0503020204020204" pitchFamily="34" charset="-122"/>
+                <a:ea typeface="微软雅黑" panose="020B0503020204020204" pitchFamily="34" charset="-122"/>
+              </a:rPr>
+              <a:t>	</a:t>
+            </a:r>
+          </a:p>
+          <a:p>
+            <a:r>
+              <a:rPr lang="en-US" altLang="zh-CN" b="0" i="0" dirty="0">
+                <a:solidFill>
+                  <a:srgbClr val="000000"/>
+                </a:solidFill>
+                <a:effectLst/>
+                <a:latin typeface="微软雅黑" panose="020B0503020204020204" pitchFamily="34" charset="-122"/>
+                <a:ea typeface="微软雅黑" panose="020B0503020204020204" pitchFamily="34" charset="-122"/>
+              </a:rPr>
+              <a:t>iv/</a:t>
+            </a:r>
+            <a:r>
+              <a:rPr lang="en-US" altLang="zh-CN" b="0" i="1" dirty="0">
+                <a:solidFill>
+                  <a:srgbClr val="000000"/>
+                </a:solidFill>
+                <a:effectLst/>
+                <a:latin typeface="微软雅黑" panose="020B0503020204020204" pitchFamily="34" charset="-122"/>
+                <a:ea typeface="微软雅黑" panose="020B0503020204020204" pitchFamily="34" charset="-122"/>
+              </a:rPr>
               <a:t>Tail </a:t>
             </a:r>
             <a:r>
               <a:rPr lang="zh-CN" altLang="en-US" dirty="0"/>
-              <a:t>阶段返回到调用点</a:t>
-            </a:r>
+              <a:t>释放栈帧，返回到代码的调用点。</a:t>
+            </a:r>
+            <a:endParaRPr lang="zh-CN" altLang="en-US" i="1" dirty="0"/>
           </a:p>
         </p:txBody>
       </p:sp>
@@ -2404,7 +2586,7 @@
           <a:p>
             <a:fld id="{13D28DC2-5057-445C-8872-C1533802A2F5}" type="slidenum">
               <a:rPr lang="zh-CN" altLang="en-US" smtClean="0"/>
-              <a:t>29</a:t>
+              <a:t>27</a:t>
             </a:fld>
             <a:endParaRPr lang="zh-CN" altLang="en-US"/>
           </a:p>
@@ -2413,7 +2595,7 @@
     </p:spTree>
     <p:extLst>
       <p:ext uri="{BB962C8B-B14F-4D97-AF65-F5344CB8AC3E}">
-        <p14:creationId xmlns:p14="http://schemas.microsoft.com/office/powerpoint/2010/main" val="68611780"/>
+        <p14:creationId xmlns:p14="http://schemas.microsoft.com/office/powerpoint/2010/main" val="224116019"/>
       </p:ext>
     </p:extLst>
   </p:cSld>
@@ -2467,17 +2649,285 @@
           <a:bodyPr/>
           <a:lstStyle/>
           <a:p>
-            <a:r>
-              <a:rPr lang="zh-CN" altLang="en-US" dirty="0"/>
-              <a:t>后向模拟的核心思想是：</a:t>
-            </a:r>
-            <a:r>
-              <a:rPr lang="zh-CN" altLang="en-US" b="1" dirty="0"/>
-              <a:t>对于目标程序的每一种行为，源程序都存在一个对应的行为</a:t>
-            </a:r>
-            <a:r>
-              <a:rPr lang="zh-CN" altLang="en-US" dirty="0"/>
-              <a:t>。</a:t>
+            <a:pPr marL="228600" marR="0" lvl="0" indent="-228600" algn="l" defTabSz="914400" rtl="0" eaLnBrk="1" fontAlgn="auto" latinLnBrk="0" hangingPunct="1">
+              <a:lnSpc>
+                <a:spcPct val="100000"/>
+              </a:lnSpc>
+              <a:spcBef>
+                <a:spcPts val="0"/>
+              </a:spcBef>
+              <a:spcAft>
+                <a:spcPts val="0"/>
+              </a:spcAft>
+              <a:buClrTx/>
+              <a:buSzTx/>
+              <a:buFontTx/>
+              <a:buAutoNum type="arabicParenBoth"/>
+              <a:tabLst/>
+              <a:defRPr/>
+            </a:pPr>
+            <a:r>
+              <a:rPr lang="en-US" altLang="zh-CN" b="0" dirty="0"/>
+              <a:t>Head </a:t>
+            </a:r>
+            <a:r>
+              <a:rPr lang="zh-CN" altLang="en-US" b="0" dirty="0"/>
+              <a:t>阶段 </a:t>
+            </a:r>
+            <a:r>
+              <a:rPr lang="zh-CN" altLang="en-US" dirty="0"/>
+              <a:t>将 </a:t>
+            </a:r>
+            <a:r>
+              <a:rPr lang="en-US" altLang="zh-CN" dirty="0" err="1"/>
+              <a:t>rBPF</a:t>
+            </a:r>
+            <a:r>
+              <a:rPr lang="en-US" altLang="zh-CN" dirty="0"/>
+              <a:t> </a:t>
+            </a:r>
+            <a:r>
+              <a:rPr lang="zh-CN" altLang="en-US" dirty="0"/>
+              <a:t>指令中的</a:t>
+            </a:r>
+            <a:r>
+              <a:rPr lang="en-US" altLang="zh-CN" dirty="0"/>
+              <a:t>r1</a:t>
+            </a:r>
+            <a:r>
+              <a:rPr lang="zh-CN" altLang="en-US" dirty="0"/>
+              <a:t>也就是</a:t>
+            </a:r>
+            <a:r>
+              <a:rPr lang="en-US" altLang="zh-CN" dirty="0" err="1"/>
+              <a:t>bpf</a:t>
+            </a:r>
+            <a:r>
+              <a:rPr lang="zh-CN" altLang="en-US" dirty="0"/>
+              <a:t>的基址 初始化到 </a:t>
+            </a:r>
+            <a:r>
+              <a:rPr lang="en-US" altLang="zh-CN" dirty="0"/>
+              <a:t>ARM </a:t>
+            </a:r>
+            <a:r>
+              <a:rPr lang="zh-CN" altLang="en-US" dirty="0"/>
+              <a:t>寄存器中，为后续操作做准备。</a:t>
+            </a:r>
+            <a:endParaRPr lang="en-US" altLang="zh-CN" dirty="0"/>
+          </a:p>
+          <a:p>
+            <a:pPr marL="228600" marR="0" lvl="0" indent="-228600" algn="l" defTabSz="914400" rtl="0" eaLnBrk="1" fontAlgn="auto" latinLnBrk="0" hangingPunct="1">
+              <a:lnSpc>
+                <a:spcPct val="100000"/>
+              </a:lnSpc>
+              <a:spcBef>
+                <a:spcPts val="0"/>
+              </a:spcBef>
+              <a:spcAft>
+                <a:spcPts val="0"/>
+              </a:spcAft>
+              <a:buClrTx/>
+              <a:buSzTx/>
+              <a:buFontTx/>
+              <a:buAutoNum type="arabicParenBoth"/>
+              <a:tabLst/>
+              <a:defRPr/>
+            </a:pPr>
+            <a:r>
+              <a:rPr lang="zh-CN" altLang="en-US" dirty="0"/>
+              <a:t>根据</a:t>
+            </a:r>
+            <a:r>
+              <a:rPr lang="en-US" altLang="zh-CN" dirty="0"/>
+              <a:t>Spilling + Load + Core</a:t>
+            </a:r>
+            <a:r>
+              <a:rPr lang="zh-CN" altLang="en-US" dirty="0"/>
+              <a:t>的顺序 </a:t>
+            </a:r>
+            <a:r>
+              <a:rPr lang="en-US" altLang="zh-CN" dirty="0"/>
+              <a:t>1</a:t>
+            </a:r>
+            <a:r>
+              <a:rPr lang="zh-CN" altLang="en-US" dirty="0"/>
+              <a:t>将某些可能被覆盖的 </a:t>
+            </a:r>
+            <a:r>
+              <a:rPr lang="en-US" altLang="zh-CN" dirty="0"/>
+              <a:t>ARM </a:t>
+            </a:r>
+            <a:r>
+              <a:rPr lang="zh-CN" altLang="en-US" dirty="0"/>
+              <a:t>寄存器的值保存到栈帧中（</a:t>
+            </a:r>
+            <a:r>
+              <a:rPr lang="en-US" altLang="zh-CN" dirty="0"/>
+              <a:t>Stack Frame</a:t>
+            </a:r>
+            <a:r>
+              <a:rPr lang="zh-CN" altLang="en-US" dirty="0"/>
+              <a:t>）</a:t>
+            </a:r>
+            <a:r>
+              <a:rPr lang="en-US" altLang="zh-CN" dirty="0"/>
+              <a:t>2</a:t>
+            </a:r>
+            <a:r>
+              <a:rPr lang="zh-CN" altLang="en-US" b="0" i="0" dirty="0">
+                <a:solidFill>
+                  <a:srgbClr val="000000"/>
+                </a:solidFill>
+                <a:effectLst/>
+                <a:latin typeface="微软雅黑" panose="020B0503020204020204" pitchFamily="34" charset="-122"/>
+                <a:ea typeface="微软雅黑" panose="020B0503020204020204" pitchFamily="34" charset="-122"/>
+              </a:rPr>
+              <a:t>将</a:t>
+            </a:r>
+            <a:r>
+              <a:rPr lang="en-US" altLang="zh-CN" dirty="0" err="1"/>
+              <a:t>rBPF</a:t>
+            </a:r>
+            <a:r>
+              <a:rPr lang="zh-CN" altLang="en-US" dirty="0"/>
+              <a:t>的数据根据基址和偏移加载到</a:t>
+            </a:r>
+            <a:r>
+              <a:rPr lang="en-US" altLang="zh-CN" dirty="0"/>
+              <a:t>ARM</a:t>
+            </a:r>
+            <a:r>
+              <a:rPr lang="zh-CN" altLang="en-US" dirty="0"/>
+              <a:t>的寄存器 </a:t>
+            </a:r>
+            <a:r>
+              <a:rPr lang="en-US" altLang="zh-CN" dirty="0"/>
+              <a:t>3</a:t>
+            </a:r>
+            <a:r>
+              <a:rPr lang="zh-CN" altLang="en-US" dirty="0"/>
+              <a:t>执行</a:t>
+            </a:r>
+            <a:r>
+              <a:rPr lang="en-US" altLang="zh-CN" dirty="0"/>
+              <a:t>arm</a:t>
+            </a:r>
+            <a:r>
+              <a:rPr lang="zh-CN" altLang="en-US" dirty="0"/>
+              <a:t>上的算术运算</a:t>
+            </a:r>
+            <a:endParaRPr lang="en-US" altLang="zh-CN" dirty="0"/>
+          </a:p>
+          <a:p>
+            <a:pPr marL="228600" marR="0" lvl="0" indent="-228600" algn="l" defTabSz="914400" rtl="0" eaLnBrk="1" fontAlgn="auto" latinLnBrk="0" hangingPunct="1">
+              <a:lnSpc>
+                <a:spcPct val="100000"/>
+              </a:lnSpc>
+              <a:spcBef>
+                <a:spcPts val="0"/>
+              </a:spcBef>
+              <a:spcAft>
+                <a:spcPts val="0"/>
+              </a:spcAft>
+              <a:buClrTx/>
+              <a:buSzTx/>
+              <a:buFontTx/>
+              <a:buAutoNum type="arabicParenBoth"/>
+              <a:tabLst/>
+              <a:defRPr/>
+            </a:pPr>
+            <a:r>
+              <a:rPr lang="zh-CN" altLang="en-US" dirty="0"/>
+              <a:t>更新 </a:t>
+            </a:r>
+            <a:r>
+              <a:rPr lang="en-US" altLang="zh-CN" dirty="0" err="1"/>
+              <a:t>rBPF</a:t>
+            </a:r>
+            <a:r>
+              <a:rPr lang="en-US" altLang="zh-CN" dirty="0"/>
+              <a:t> </a:t>
+            </a:r>
+            <a:r>
+              <a:rPr lang="zh-CN" altLang="en-US" dirty="0"/>
+              <a:t>的程序计数器（</a:t>
+            </a:r>
+            <a:r>
+              <a:rPr lang="en-US" altLang="zh-CN" dirty="0"/>
+              <a:t>PC</a:t>
+            </a:r>
+            <a:r>
+              <a:rPr lang="zh-CN" altLang="en-US" dirty="0"/>
+              <a:t>）</a:t>
+            </a:r>
+            <a:endParaRPr lang="en-US" altLang="zh-CN" dirty="0"/>
+          </a:p>
+          <a:p>
+            <a:pPr marL="228600" marR="0" lvl="0" indent="-228600" algn="l" defTabSz="914400" rtl="0" eaLnBrk="1" fontAlgn="auto" latinLnBrk="0" hangingPunct="1">
+              <a:lnSpc>
+                <a:spcPct val="100000"/>
+              </a:lnSpc>
+              <a:spcBef>
+                <a:spcPts val="0"/>
+              </a:spcBef>
+              <a:spcAft>
+                <a:spcPts val="0"/>
+              </a:spcAft>
+              <a:buClrTx/>
+              <a:buSzTx/>
+              <a:buFontTx/>
+              <a:buAutoNum type="arabicParenBoth"/>
+              <a:tabLst/>
+              <a:defRPr/>
+            </a:pPr>
+            <a:r>
+              <a:rPr lang="en-US" altLang="zh-CN" dirty="0"/>
+              <a:t>Store </a:t>
+            </a:r>
+            <a:r>
+              <a:rPr lang="zh-CN" altLang="en-US" dirty="0"/>
+              <a:t>阶段更新所有被修改的 </a:t>
+            </a:r>
+            <a:r>
+              <a:rPr lang="en-US" altLang="zh-CN" dirty="0" err="1"/>
+              <a:t>rBPF</a:t>
+            </a:r>
+            <a:r>
+              <a:rPr lang="en-US" altLang="zh-CN" dirty="0"/>
+              <a:t> </a:t>
+            </a:r>
+            <a:r>
+              <a:rPr lang="zh-CN" altLang="en-US" dirty="0"/>
+              <a:t>寄存器到内存中</a:t>
+            </a:r>
+            <a:endParaRPr lang="en-US" altLang="zh-CN" dirty="0"/>
+          </a:p>
+          <a:p>
+            <a:pPr marL="228600" marR="0" lvl="0" indent="-228600" algn="l" defTabSz="914400" rtl="0" eaLnBrk="1" fontAlgn="auto" latinLnBrk="0" hangingPunct="1">
+              <a:lnSpc>
+                <a:spcPct val="100000"/>
+              </a:lnSpc>
+              <a:spcBef>
+                <a:spcPts val="0"/>
+              </a:spcBef>
+              <a:spcAft>
+                <a:spcPts val="0"/>
+              </a:spcAft>
+              <a:buClrTx/>
+              <a:buSzTx/>
+              <a:buFontTx/>
+              <a:buAutoNum type="arabicParenBoth"/>
+              <a:tabLst/>
+              <a:defRPr/>
+            </a:pPr>
+            <a:r>
+              <a:rPr lang="en-US" altLang="zh-CN" dirty="0"/>
+              <a:t>Tail </a:t>
+            </a:r>
+            <a:r>
+              <a:rPr lang="zh-CN" altLang="en-US" dirty="0"/>
+              <a:t>阶段返回到调用点</a:t>
             </a:r>
           </a:p>
         </p:txBody>
@@ -2499,7 +2949,7 @@
           <a:p>
             <a:fld id="{13D28DC2-5057-445C-8872-C1533802A2F5}" type="slidenum">
               <a:rPr lang="zh-CN" altLang="en-US" smtClean="0"/>
-              <a:t>31</a:t>
+              <a:t>29</a:t>
             </a:fld>
             <a:endParaRPr lang="zh-CN" altLang="en-US"/>
           </a:p>
@@ -2508,7 +2958,7 @@
     </p:spTree>
     <p:extLst>
       <p:ext uri="{BB962C8B-B14F-4D97-AF65-F5344CB8AC3E}">
-        <p14:creationId xmlns:p14="http://schemas.microsoft.com/office/powerpoint/2010/main" val="912356176"/>
+        <p14:creationId xmlns:p14="http://schemas.microsoft.com/office/powerpoint/2010/main" val="68611780"/>
       </p:ext>
     </p:extLst>
   </p:cSld>
@@ -2563,56 +3013,17 @@
           <a:lstStyle/>
           <a:p>
             <a:r>
-              <a:rPr lang="en-US" altLang="zh-CN" dirty="0" err="1"/>
-              <a:t>CompCert</a:t>
-            </a:r>
-            <a:r>
-              <a:rPr lang="en-US" altLang="zh-CN" dirty="0"/>
-              <a:t> returns an option-typed object: 【</a:t>
-            </a:r>
-            <a:r>
-              <a:rPr lang="en-US" altLang="zh-CN" dirty="0" err="1"/>
-              <a:t>tp</a:t>
-            </a:r>
-            <a:r>
-              <a:rPr lang="en-US" altLang="zh-CN" dirty="0"/>
-              <a:t>】 denotes success with result </a:t>
-            </a:r>
-            <a:r>
-              <a:rPr lang="en-US" altLang="zh-CN" dirty="0" err="1"/>
-              <a:t>tp,and</a:t>
-            </a:r>
-            <a:r>
-              <a:rPr lang="en-US" altLang="zh-CN" dirty="0"/>
-              <a:t>∅ denotes failure.</a:t>
-            </a:r>
-          </a:p>
-          <a:p>
-            <a:r>
-              <a:rPr lang="en-US" altLang="zh-CN" dirty="0" err="1"/>
-              <a:t>CompCertTSO</a:t>
-            </a:r>
-            <a:r>
-              <a:rPr lang="en-US" altLang="zh-CN" dirty="0"/>
-              <a:t>: A Verified Compiler for Relaxed-Memory Concurrency</a:t>
-            </a:r>
-            <a:r>
-              <a:rPr lang="zh-CN" altLang="en-US" dirty="0"/>
-              <a:t>：后推前需要</a:t>
-            </a:r>
-            <a:r>
-              <a:rPr lang="en-US" altLang="zh-CN" dirty="0"/>
-              <a:t>Determinism</a:t>
-            </a:r>
-            <a:r>
-              <a:rPr lang="zh-CN" altLang="en-US" dirty="0"/>
-              <a:t>和</a:t>
-            </a:r>
-            <a:r>
-              <a:rPr lang="en-US" altLang="zh-CN" dirty="0"/>
-              <a:t>Receptiveness</a:t>
-            </a:r>
-            <a:endParaRPr lang="zh-CN" altLang="en-US" dirty="0"/>
+              <a:rPr lang="zh-CN" altLang="en-US" dirty="0"/>
+              <a:t>后向模拟的核心思想是：</a:t>
+            </a:r>
+            <a:r>
+              <a:rPr lang="zh-CN" altLang="en-US" b="1" dirty="0"/>
+              <a:t>对于目标程序的每一种行为，源程序都存在一个对应的行为</a:t>
+            </a:r>
+            <a:r>
+              <a:rPr lang="zh-CN" altLang="en-US" dirty="0"/>
+              <a:t>。</a:t>
+            </a:r>
           </a:p>
         </p:txBody>
       </p:sp>
@@ -2633,7 +3044,7 @@
           <a:p>
             <a:fld id="{13D28DC2-5057-445C-8872-C1533802A2F5}" type="slidenum">
               <a:rPr lang="zh-CN" altLang="en-US" smtClean="0"/>
-              <a:t>32</a:t>
+              <a:t>31</a:t>
             </a:fld>
             <a:endParaRPr lang="zh-CN" altLang="en-US"/>
           </a:p>
@@ -2642,7 +3053,7 @@
     </p:spTree>
     <p:extLst>
       <p:ext uri="{BB962C8B-B14F-4D97-AF65-F5344CB8AC3E}">
-        <p14:creationId xmlns:p14="http://schemas.microsoft.com/office/powerpoint/2010/main" val="2538112686"/>
+        <p14:creationId xmlns:p14="http://schemas.microsoft.com/office/powerpoint/2010/main" val="912356176"/>
       </p:ext>
     </p:extLst>
   </p:cSld>
@@ -2697,362 +3108,55 @@
           <a:lstStyle/>
           <a:p>
             <a:r>
-              <a:rPr lang="zh-CN" altLang="en-US" b="0" i="0" dirty="0">
-                <a:solidFill>
-                  <a:srgbClr val="000000"/>
-                </a:solidFill>
-                <a:effectLst/>
-                <a:latin typeface="微软雅黑" panose="020B0503020204020204" pitchFamily="34" charset="-122"/>
-                <a:ea typeface="微软雅黑" panose="020B0503020204020204" pitchFamily="34" charset="-122"/>
-              </a:rPr>
-              <a:t>我们正在为</a:t>
-            </a:r>
-            <a:r>
-              <a:rPr lang="en-US" altLang="zh-CN" b="0" i="0" dirty="0">
-                <a:solidFill>
-                  <a:srgbClr val="000000"/>
-                </a:solidFill>
-                <a:effectLst/>
-                <a:latin typeface="微软雅黑" panose="020B0503020204020204" pitchFamily="34" charset="-122"/>
-                <a:ea typeface="微软雅黑" panose="020B0503020204020204" pitchFamily="34" charset="-122"/>
-              </a:rPr>
-              <a:t>RIOT</a:t>
-            </a:r>
-            <a:r>
-              <a:rPr lang="zh-CN" altLang="en-US" b="0" i="0" dirty="0">
-                <a:solidFill>
-                  <a:srgbClr val="000000"/>
-                </a:solidFill>
-                <a:effectLst/>
-                <a:latin typeface="微软雅黑" panose="020B0503020204020204" pitchFamily="34" charset="-122"/>
-                <a:ea typeface="微软雅黑" panose="020B0503020204020204" pitchFamily="34" charset="-122"/>
-              </a:rPr>
-              <a:t>设计一个经过充分验证的</a:t>
-            </a:r>
-            <a:r>
-              <a:rPr lang="en-US" altLang="zh-CN" b="0" i="0" dirty="0">
-                <a:solidFill>
-                  <a:srgbClr val="000000"/>
-                </a:solidFill>
-                <a:effectLst/>
-                <a:latin typeface="微软雅黑" panose="020B0503020204020204" pitchFamily="34" charset="-122"/>
-                <a:ea typeface="微软雅黑" panose="020B0503020204020204" pitchFamily="34" charset="-122"/>
-              </a:rPr>
-              <a:t>JIT</a:t>
-            </a:r>
-            <a:r>
-              <a:rPr lang="zh-CN" altLang="en-US" b="0" i="0" dirty="0">
-                <a:solidFill>
-                  <a:srgbClr val="000000"/>
-                </a:solidFill>
-                <a:effectLst/>
-                <a:latin typeface="微软雅黑" panose="020B0503020204020204" pitchFamily="34" charset="-122"/>
-                <a:ea typeface="微软雅黑" panose="020B0503020204020204" pitchFamily="34" charset="-122"/>
-              </a:rPr>
-              <a:t>全编译器，将所有</a:t>
-            </a:r>
-            <a:r>
-              <a:rPr lang="en-US" altLang="zh-CN" b="0" i="0" dirty="0" err="1">
-                <a:solidFill>
-                  <a:srgbClr val="000000"/>
-                </a:solidFill>
-                <a:effectLst/>
-                <a:latin typeface="微软雅黑" panose="020B0503020204020204" pitchFamily="34" charset="-122"/>
-                <a:ea typeface="微软雅黑" panose="020B0503020204020204" pitchFamily="34" charset="-122"/>
-              </a:rPr>
-              <a:t>rBPF</a:t>
-            </a:r>
-            <a:r>
-              <a:rPr lang="zh-CN" altLang="en-US" b="0" i="0" dirty="0">
-                <a:solidFill>
-                  <a:srgbClr val="000000"/>
-                </a:solidFill>
-                <a:effectLst/>
-                <a:latin typeface="微软雅黑" panose="020B0503020204020204" pitchFamily="34" charset="-122"/>
-                <a:ea typeface="微软雅黑" panose="020B0503020204020204" pitchFamily="34" charset="-122"/>
-              </a:rPr>
-              <a:t>指令转换为二进制。该项目最具挑战性的方面之一是将定制优化的检查内存算法链接并嵌入到</a:t>
-            </a:r>
-            <a:r>
-              <a:rPr lang="en-US" altLang="zh-CN" b="0" i="0" dirty="0" err="1">
-                <a:solidFill>
-                  <a:srgbClr val="000000"/>
-                </a:solidFill>
-                <a:effectLst/>
-                <a:latin typeface="微软雅黑" panose="020B0503020204020204" pitchFamily="34" charset="-122"/>
-                <a:ea typeface="微软雅黑" panose="020B0503020204020204" pitchFamily="34" charset="-122"/>
-              </a:rPr>
-              <a:t>jited</a:t>
-            </a:r>
-            <a:r>
-              <a:rPr lang="zh-CN" altLang="en-US" b="0" i="0" dirty="0">
-                <a:solidFill>
-                  <a:srgbClr val="000000"/>
-                </a:solidFill>
-                <a:effectLst/>
-                <a:latin typeface="微软雅黑" panose="020B0503020204020204" pitchFamily="34" charset="-122"/>
-                <a:ea typeface="微软雅黑" panose="020B0503020204020204" pitchFamily="34" charset="-122"/>
-              </a:rPr>
-              <a:t>代码中（使用循环展开、部分求值）。</a:t>
-            </a:r>
-            <a:endParaRPr lang="en-US" altLang="zh-CN" b="1" dirty="0"/>
-          </a:p>
-          <a:p>
-            <a:r>
-              <a:rPr lang="zh-CN" altLang="en-US" b="1" dirty="0"/>
-              <a:t>基准测试任务</a:t>
-            </a:r>
-          </a:p>
-          <a:p>
-            <a:pPr>
-              <a:buFont typeface="+mj-lt"/>
-              <a:buAutoNum type="arabicPeriod"/>
-            </a:pPr>
-            <a:r>
-              <a:rPr lang="zh-CN" altLang="en-US" b="1" dirty="0"/>
-              <a:t>前四个基准测试（</a:t>
-            </a:r>
-            <a:r>
-              <a:rPr lang="en-US" altLang="zh-CN" b="1" dirty="0" err="1"/>
-              <a:t>incr</a:t>
-            </a:r>
-            <a:r>
-              <a:rPr lang="zh-CN" altLang="en-US" b="1" dirty="0"/>
-              <a:t>、</a:t>
-            </a:r>
-            <a:r>
-              <a:rPr lang="en-US" altLang="zh-CN" b="1" dirty="0"/>
-              <a:t>square</a:t>
-            </a:r>
-            <a:r>
-              <a:rPr lang="zh-CN" altLang="en-US" b="1" dirty="0"/>
-              <a:t>、</a:t>
-            </a:r>
-            <a:r>
-              <a:rPr lang="en-US" altLang="zh-CN" b="1" dirty="0" err="1"/>
-              <a:t>bitswap</a:t>
-            </a:r>
-            <a:r>
-              <a:rPr lang="zh-CN" altLang="en-US" b="1" dirty="0"/>
-              <a:t>、</a:t>
-            </a:r>
-            <a:r>
-              <a:rPr lang="en-US" altLang="zh-CN" b="1" dirty="0"/>
-              <a:t>fib</a:t>
-            </a:r>
-            <a:r>
-              <a:rPr lang="zh-CN" altLang="en-US" b="1" dirty="0"/>
-              <a:t>）：</a:t>
-            </a:r>
-            <a:endParaRPr lang="zh-CN" altLang="en-US" dirty="0"/>
-          </a:p>
-          <a:p>
-            <a:pPr marL="742950" lvl="1" indent="-285750">
-              <a:buFont typeface="+mj-lt"/>
-              <a:buAutoNum type="arabicPeriod"/>
-            </a:pPr>
-            <a:r>
-              <a:rPr lang="zh-CN" altLang="en-US" dirty="0"/>
-              <a:t>测试纯计算任务，主要由 </a:t>
-            </a:r>
-            <a:r>
               <a:rPr lang="en-US" altLang="zh-CN" dirty="0" err="1"/>
-              <a:t>rBPF</a:t>
-            </a:r>
-            <a:r>
-              <a:rPr lang="en-US" altLang="zh-CN" dirty="0"/>
-              <a:t> </a:t>
-            </a:r>
-            <a:r>
-              <a:rPr lang="zh-CN" altLang="en-US" dirty="0"/>
-              <a:t>的 </a:t>
-            </a:r>
-            <a:r>
-              <a:rPr lang="en-US" altLang="zh-CN" dirty="0"/>
-              <a:t>ALU </a:t>
-            </a:r>
-            <a:r>
-              <a:rPr lang="zh-CN" altLang="en-US" dirty="0"/>
-              <a:t>操作组成。</a:t>
-            </a:r>
-          </a:p>
-          <a:p>
-            <a:pPr marL="742950" lvl="1" indent="-285750">
-              <a:buFont typeface="+mj-lt"/>
-              <a:buAutoNum type="arabicPeriod"/>
-            </a:pPr>
-            <a:r>
-              <a:rPr lang="en-US" altLang="zh-CN" dirty="0"/>
-              <a:t>HAVM </a:t>
-            </a:r>
-            <a:r>
-              <a:rPr lang="zh-CN" altLang="en-US" dirty="0"/>
-              <a:t>的 </a:t>
-            </a:r>
-            <a:r>
-              <a:rPr lang="en-US" altLang="zh-CN" b="1" dirty="0"/>
-              <a:t>JIT </a:t>
-            </a:r>
-            <a:r>
-              <a:rPr lang="zh-CN" altLang="en-US" b="1" dirty="0"/>
-              <a:t>加速特性</a:t>
-            </a:r>
-            <a:r>
-              <a:rPr lang="zh-CN" altLang="en-US" dirty="0"/>
-              <a:t> 在这些任务中表现出显著优势。</a:t>
-            </a:r>
-          </a:p>
-          <a:p>
-            <a:pPr>
-              <a:buFont typeface="+mj-lt"/>
-              <a:buAutoNum type="arabicPeriod"/>
-            </a:pPr>
-            <a:r>
-              <a:rPr lang="zh-CN" altLang="en-US" b="1" dirty="0"/>
-              <a:t>两个特殊基准测试（</a:t>
-            </a:r>
-            <a:r>
-              <a:rPr lang="en-US" altLang="zh-CN" b="1" dirty="0" err="1"/>
-              <a:t>sock_buf</a:t>
-            </a:r>
-            <a:r>
-              <a:rPr lang="en-US" altLang="zh-CN" b="1" dirty="0"/>
-              <a:t> </a:t>
-            </a:r>
-            <a:r>
-              <a:rPr lang="zh-CN" altLang="en-US" b="1" dirty="0"/>
-              <a:t>和 </a:t>
-            </a:r>
-            <a:r>
-              <a:rPr lang="en-US" altLang="zh-CN" b="1" dirty="0" err="1"/>
-              <a:t>memcpy</a:t>
-            </a:r>
-            <a:r>
-              <a:rPr lang="zh-CN" altLang="en-US" b="1" dirty="0"/>
-              <a:t>）：</a:t>
-            </a:r>
-            <a:endParaRPr lang="zh-CN" altLang="en-US" dirty="0"/>
-          </a:p>
-          <a:p>
-            <a:pPr marL="742950" lvl="1" indent="-285750">
-              <a:buFont typeface="+mj-lt"/>
-              <a:buAutoNum type="arabicPeriod"/>
-            </a:pPr>
-            <a:r>
-              <a:rPr lang="zh-CN" altLang="en-US" dirty="0"/>
-              <a:t>涉及较多的内存操作（而非 </a:t>
-            </a:r>
-            <a:r>
-              <a:rPr lang="en-US" altLang="zh-CN" dirty="0"/>
-              <a:t>ALU </a:t>
-            </a:r>
-            <a:r>
-              <a:rPr lang="zh-CN" altLang="en-US" dirty="0"/>
-              <a:t>操作），这对 </a:t>
-            </a:r>
-            <a:r>
-              <a:rPr lang="en-US" altLang="zh-CN" dirty="0"/>
-              <a:t>HAVM </a:t>
-            </a:r>
-            <a:r>
-              <a:rPr lang="zh-CN" altLang="en-US" dirty="0"/>
-              <a:t>是最糟糕的场景。</a:t>
-            </a:r>
-          </a:p>
-          <a:p>
-            <a:pPr marL="742950" lvl="1" indent="-285750">
-              <a:buFont typeface="+mj-lt"/>
-              <a:buAutoNum type="arabicPeriod"/>
-            </a:pPr>
-            <a:r>
-              <a:rPr lang="zh-CN" altLang="en-US" dirty="0"/>
-              <a:t>包括经典的 </a:t>
-            </a:r>
-            <a:r>
-              <a:rPr lang="en-US" altLang="zh-CN" dirty="0"/>
-              <a:t>BPF socket buffer </a:t>
-            </a:r>
-            <a:r>
-              <a:rPr lang="zh-CN" altLang="en-US" dirty="0"/>
-              <a:t>读</a:t>
-            </a:r>
-            <a:r>
-              <a:rPr lang="en-US" altLang="zh-CN" dirty="0"/>
-              <a:t>/</a:t>
-            </a:r>
-            <a:r>
-              <a:rPr lang="zh-CN" altLang="en-US" dirty="0"/>
-              <a:t>写操作和内存复制操作。</a:t>
-            </a:r>
-          </a:p>
-          <a:p>
-            <a:pPr>
-              <a:buFont typeface="+mj-lt"/>
-              <a:buAutoNum type="arabicPeriod"/>
-            </a:pPr>
-            <a:r>
-              <a:rPr lang="zh-CN" altLang="en-US" b="1" dirty="0"/>
-              <a:t>实际 </a:t>
-            </a:r>
-            <a:r>
-              <a:rPr lang="en-US" altLang="zh-CN" b="1" dirty="0"/>
-              <a:t>IoT </a:t>
-            </a:r>
-            <a:r>
-              <a:rPr lang="zh-CN" altLang="en-US" b="1" dirty="0"/>
-              <a:t>数据处理算法（</a:t>
-            </a:r>
-            <a:r>
-              <a:rPr lang="en-US" altLang="zh-CN" b="1" dirty="0"/>
-              <a:t>fletcher32 </a:t>
-            </a:r>
-            <a:r>
-              <a:rPr lang="zh-CN" altLang="en-US" b="1" dirty="0"/>
-              <a:t>和 </a:t>
-            </a:r>
-            <a:r>
-              <a:rPr lang="en-US" altLang="zh-CN" b="1" dirty="0" err="1"/>
-              <a:t>bsort</a:t>
-            </a:r>
-            <a:r>
-              <a:rPr lang="zh-CN" altLang="en-US" b="1" dirty="0"/>
-              <a:t>）：</a:t>
-            </a:r>
-            <a:endParaRPr lang="zh-CN" altLang="en-US" dirty="0"/>
-          </a:p>
-          <a:p>
-            <a:pPr marL="742950" lvl="1" indent="-285750">
-              <a:buFont typeface="+mj-lt"/>
-              <a:buAutoNum type="arabicPeriod"/>
-            </a:pPr>
-            <a:r>
-              <a:rPr lang="en-US" altLang="zh-CN" dirty="0"/>
-              <a:t>Fletcher32 </a:t>
-            </a:r>
-            <a:r>
-              <a:rPr lang="zh-CN" altLang="en-US" dirty="0"/>
-              <a:t>哈希函数：一种高效的数据完整性校验算法。</a:t>
-            </a:r>
-          </a:p>
-          <a:p>
-            <a:pPr marL="742950" lvl="1" indent="-285750">
-              <a:buFont typeface="+mj-lt"/>
-              <a:buAutoNum type="arabicPeriod"/>
-            </a:pPr>
-            <a:r>
-              <a:rPr lang="zh-CN" altLang="en-US" dirty="0"/>
-              <a:t>冒泡排序（</a:t>
-            </a:r>
-            <a:r>
-              <a:rPr lang="en-US" altLang="zh-CN" dirty="0"/>
-              <a:t>bubble sort</a:t>
-            </a:r>
-            <a:r>
-              <a:rPr lang="zh-CN" altLang="en-US" dirty="0"/>
-              <a:t>）：一个简单的排序算法。</a:t>
-            </a:r>
-          </a:p>
-          <a:p>
+              <a:t>CompCert</a:t>
+            </a:r>
+            <a:r>
+              <a:rPr lang="en-US" altLang="zh-CN" dirty="0"/>
+              <a:t> returns an option-typed object: 【</a:t>
+            </a:r>
+            <a:r>
+              <a:rPr lang="en-US" altLang="zh-CN" dirty="0" err="1"/>
+              <a:t>tp</a:t>
+            </a:r>
+            <a:r>
+              <a:rPr lang="en-US" altLang="zh-CN" dirty="0"/>
+              <a:t>】 denotes success with result </a:t>
+            </a:r>
+            <a:r>
+              <a:rPr lang="en-US" altLang="zh-CN" dirty="0" err="1"/>
+              <a:t>tp,and</a:t>
+            </a:r>
+            <a:r>
+              <a:rPr lang="en-US" altLang="zh-CN" dirty="0"/>
+              <a:t>∅ denotes failure.</a:t>
+            </a:r>
+          </a:p>
+          <a:p>
+            <a:r>
+              <a:rPr lang="en-US" altLang="zh-CN" dirty="0" err="1"/>
+              <a:t>CompCertTSO</a:t>
+            </a:r>
+            <a:r>
+              <a:rPr lang="en-US" altLang="zh-CN" dirty="0"/>
+              <a:t>: A Verified Compiler for Relaxed-Memory Concurrency</a:t>
+            </a:r>
+            <a:r>
+              <a:rPr lang="zh-CN" altLang="en-US" dirty="0"/>
+              <a:t>：后推前需要</a:t>
+            </a:r>
+            <a:r>
+              <a:rPr lang="en-US" altLang="zh-CN" dirty="0"/>
+              <a:t>Determinism</a:t>
+            </a:r>
+            <a:r>
+              <a:rPr lang="zh-CN" altLang="en-US" dirty="0"/>
+              <a:t>和</a:t>
+            </a:r>
+            <a:r>
+              <a:rPr lang="en-US" altLang="zh-CN" dirty="0"/>
+              <a:t>Receptiveness</a:t>
+            </a:r>
             <a:endParaRPr lang="zh-CN" altLang="en-US" dirty="0"/>
           </a:p>
         </p:txBody>
@@ -3074,7 +3178,7 @@
           <a:p>
             <a:fld id="{13D28DC2-5057-445C-8872-C1533802A2F5}" type="slidenum">
               <a:rPr lang="zh-CN" altLang="en-US" smtClean="0"/>
-              <a:t>33</a:t>
+              <a:t>32</a:t>
             </a:fld>
             <a:endParaRPr lang="zh-CN" altLang="en-US"/>
           </a:p>
@@ -3083,7 +3187,7 @@
     </p:spTree>
     <p:extLst>
       <p:ext uri="{BB962C8B-B14F-4D97-AF65-F5344CB8AC3E}">
-        <p14:creationId xmlns:p14="http://schemas.microsoft.com/office/powerpoint/2010/main" val="3883060992"/>
+        <p14:creationId xmlns:p14="http://schemas.microsoft.com/office/powerpoint/2010/main" val="2538112686"/>
       </p:ext>
     </p:extLst>
   </p:cSld>
@@ -3138,6 +3242,17 @@
           <a:lstStyle/>
           <a:p>
             <a:r>
+              <a:rPr lang="zh-CN" altLang="en-US" b="0" i="0" dirty="0">
+                <a:solidFill>
+                  <a:srgbClr val="000000"/>
+                </a:solidFill>
+                <a:effectLst/>
+                <a:latin typeface="微软雅黑" panose="020B0503020204020204" pitchFamily="34" charset="-122"/>
+                <a:ea typeface="微软雅黑" panose="020B0503020204020204" pitchFamily="34" charset="-122"/>
+              </a:rPr>
+              <a:t>我们正在为</a:t>
+            </a:r>
+            <a:r>
               <a:rPr lang="en-US" altLang="zh-CN" b="0" i="0" dirty="0">
                 <a:solidFill>
                   <a:srgbClr val="000000"/>
@@ -3146,7 +3261,7 @@
                 <a:latin typeface="微软雅黑" panose="020B0503020204020204" pitchFamily="34" charset="-122"/>
                 <a:ea typeface="微软雅黑" panose="020B0503020204020204" pitchFamily="34" charset="-122"/>
               </a:rPr>
-              <a:t>Klein</a:t>
+              <a:t>RIOT</a:t>
             </a:r>
             <a:r>
               <a:rPr lang="zh-CN" altLang="en-US" b="0" i="0" dirty="0">
@@ -3157,7 +3272,7 @@
                 <a:latin typeface="微软雅黑" panose="020B0503020204020204" pitchFamily="34" charset="-122"/>
                 <a:ea typeface="微软雅黑" panose="020B0503020204020204" pitchFamily="34" charset="-122"/>
               </a:rPr>
-              <a:t>：</a:t>
+              <a:t>设计一个经过充分验证的</a:t>
             </a:r>
             <a:r>
               <a:rPr lang="en-US" altLang="zh-CN" b="0" i="0" dirty="0">
@@ -3168,7 +3283,7 @@
                 <a:latin typeface="微软雅黑" panose="020B0503020204020204" pitchFamily="34" charset="-122"/>
                 <a:ea typeface="微软雅黑" panose="020B0503020204020204" pitchFamily="34" charset="-122"/>
               </a:rPr>
-              <a:t>04-09</a:t>
+              <a:t>JIT</a:t>
             </a:r>
             <a:r>
               <a:rPr lang="zh-CN" altLang="en-US" b="0" i="0" dirty="0">
@@ -3179,18 +3294,18 @@
                 <a:latin typeface="微软雅黑" panose="020B0503020204020204" pitchFamily="34" charset="-122"/>
                 <a:ea typeface="微软雅黑" panose="020B0503020204020204" pitchFamily="34" charset="-122"/>
               </a:rPr>
-              <a:t>年在</a:t>
-            </a:r>
-            <a:r>
-              <a:rPr lang="en-US" altLang="zh-CN" b="0" i="0" dirty="0">
-                <a:solidFill>
-                  <a:srgbClr val="000000"/>
-                </a:solidFill>
-                <a:effectLst/>
-                <a:latin typeface="微软雅黑" panose="020B0503020204020204" pitchFamily="34" charset="-122"/>
-                <a:ea typeface="微软雅黑" panose="020B0503020204020204" pitchFamily="34" charset="-122"/>
-              </a:rPr>
-              <a:t>l4</a:t>
+              <a:t>全编译器，将所有</a:t>
+            </a:r>
+            <a:r>
+              <a:rPr lang="en-US" altLang="zh-CN" b="0" i="0" dirty="0" err="1">
+                <a:solidFill>
+                  <a:srgbClr val="000000"/>
+                </a:solidFill>
+                <a:effectLst/>
+                <a:latin typeface="微软雅黑" panose="020B0503020204020204" pitchFamily="34" charset="-122"/>
+                <a:ea typeface="微软雅黑" panose="020B0503020204020204" pitchFamily="34" charset="-122"/>
+              </a:rPr>
+              <a:t>rBPF</a:t>
             </a:r>
             <a:r>
               <a:rPr lang="zh-CN" altLang="en-US" b="0" i="0" dirty="0">
@@ -3201,8 +3316,288 @@
                 <a:latin typeface="微软雅黑" panose="020B0503020204020204" pitchFamily="34" charset="-122"/>
                 <a:ea typeface="微软雅黑" panose="020B0503020204020204" pitchFamily="34" charset="-122"/>
               </a:rPr>
-              <a:t>内存上的工作</a:t>
-            </a:r>
+              <a:t>指令转换为二进制。该项目最具挑战性的方面之一是将定制优化的检查内存算法链接并嵌入到</a:t>
+            </a:r>
+            <a:r>
+              <a:rPr lang="en-US" altLang="zh-CN" b="0" i="0" dirty="0" err="1">
+                <a:solidFill>
+                  <a:srgbClr val="000000"/>
+                </a:solidFill>
+                <a:effectLst/>
+                <a:latin typeface="微软雅黑" panose="020B0503020204020204" pitchFamily="34" charset="-122"/>
+                <a:ea typeface="微软雅黑" panose="020B0503020204020204" pitchFamily="34" charset="-122"/>
+              </a:rPr>
+              <a:t>jited</a:t>
+            </a:r>
+            <a:r>
+              <a:rPr lang="zh-CN" altLang="en-US" b="0" i="0" dirty="0">
+                <a:solidFill>
+                  <a:srgbClr val="000000"/>
+                </a:solidFill>
+                <a:effectLst/>
+                <a:latin typeface="微软雅黑" panose="020B0503020204020204" pitchFamily="34" charset="-122"/>
+                <a:ea typeface="微软雅黑" panose="020B0503020204020204" pitchFamily="34" charset="-122"/>
+              </a:rPr>
+              <a:t>代码中（使用循环展开、部分求值）。</a:t>
+            </a:r>
+            <a:endParaRPr lang="en-US" altLang="zh-CN" b="1" dirty="0"/>
+          </a:p>
+          <a:p>
+            <a:r>
+              <a:rPr lang="zh-CN" altLang="en-US" b="1" dirty="0"/>
+              <a:t>基准测试任务</a:t>
+            </a:r>
+          </a:p>
+          <a:p>
+            <a:pPr>
+              <a:buFont typeface="+mj-lt"/>
+              <a:buAutoNum type="arabicPeriod"/>
+            </a:pPr>
+            <a:r>
+              <a:rPr lang="zh-CN" altLang="en-US" b="1" dirty="0"/>
+              <a:t>前四个基准测试（</a:t>
+            </a:r>
+            <a:r>
+              <a:rPr lang="en-US" altLang="zh-CN" b="1" dirty="0" err="1"/>
+              <a:t>incr</a:t>
+            </a:r>
+            <a:r>
+              <a:rPr lang="zh-CN" altLang="en-US" b="1" dirty="0"/>
+              <a:t>、</a:t>
+            </a:r>
+            <a:r>
+              <a:rPr lang="en-US" altLang="zh-CN" b="1" dirty="0"/>
+              <a:t>square</a:t>
+            </a:r>
+            <a:r>
+              <a:rPr lang="zh-CN" altLang="en-US" b="1" dirty="0"/>
+              <a:t>、</a:t>
+            </a:r>
+            <a:r>
+              <a:rPr lang="en-US" altLang="zh-CN" b="1" dirty="0" err="1"/>
+              <a:t>bitswap</a:t>
+            </a:r>
+            <a:r>
+              <a:rPr lang="zh-CN" altLang="en-US" b="1" dirty="0"/>
+              <a:t>、</a:t>
+            </a:r>
+            <a:r>
+              <a:rPr lang="en-US" altLang="zh-CN" b="1" dirty="0"/>
+              <a:t>fib</a:t>
+            </a:r>
+            <a:r>
+              <a:rPr lang="zh-CN" altLang="en-US" b="1" dirty="0"/>
+              <a:t>）：</a:t>
+            </a:r>
+            <a:endParaRPr lang="zh-CN" altLang="en-US" dirty="0"/>
+          </a:p>
+          <a:p>
+            <a:pPr marL="742950" lvl="1" indent="-285750">
+              <a:buFont typeface="+mj-lt"/>
+              <a:buAutoNum type="arabicPeriod"/>
+            </a:pPr>
+            <a:r>
+              <a:rPr lang="zh-CN" altLang="en-US" dirty="0"/>
+              <a:t>测试纯计算任务，主要由 </a:t>
+            </a:r>
+            <a:r>
+              <a:rPr lang="en-US" altLang="zh-CN" dirty="0" err="1"/>
+              <a:t>rBPF</a:t>
+            </a:r>
+            <a:r>
+              <a:rPr lang="en-US" altLang="zh-CN" dirty="0"/>
+              <a:t> </a:t>
+            </a:r>
+            <a:r>
+              <a:rPr lang="zh-CN" altLang="en-US" dirty="0"/>
+              <a:t>的 </a:t>
+            </a:r>
+            <a:r>
+              <a:rPr lang="en-US" altLang="zh-CN" dirty="0"/>
+              <a:t>ALU </a:t>
+            </a:r>
+            <a:r>
+              <a:rPr lang="zh-CN" altLang="en-US" dirty="0"/>
+              <a:t>操作组成。</a:t>
+            </a:r>
+          </a:p>
+          <a:p>
+            <a:pPr marL="742950" lvl="1" indent="-285750">
+              <a:buFont typeface="+mj-lt"/>
+              <a:buAutoNum type="arabicPeriod"/>
+            </a:pPr>
+            <a:r>
+              <a:rPr lang="en-US" altLang="zh-CN" dirty="0"/>
+              <a:t>HAVM </a:t>
+            </a:r>
+            <a:r>
+              <a:rPr lang="zh-CN" altLang="en-US" dirty="0"/>
+              <a:t>的 </a:t>
+            </a:r>
+            <a:r>
+              <a:rPr lang="en-US" altLang="zh-CN" b="1" dirty="0"/>
+              <a:t>JIT </a:t>
+            </a:r>
+            <a:r>
+              <a:rPr lang="zh-CN" altLang="en-US" b="1" dirty="0"/>
+              <a:t>加速特性</a:t>
+            </a:r>
+            <a:r>
+              <a:rPr lang="zh-CN" altLang="en-US" dirty="0"/>
+              <a:t> 在这些任务中表现出显著优势。</a:t>
+            </a:r>
+          </a:p>
+          <a:p>
+            <a:pPr>
+              <a:buFont typeface="+mj-lt"/>
+              <a:buAutoNum type="arabicPeriod"/>
+            </a:pPr>
+            <a:r>
+              <a:rPr lang="zh-CN" altLang="en-US" b="1" dirty="0"/>
+              <a:t>两个特殊基准测试（</a:t>
+            </a:r>
+            <a:r>
+              <a:rPr lang="en-US" altLang="zh-CN" b="1" dirty="0" err="1"/>
+              <a:t>sock_buf</a:t>
+            </a:r>
+            <a:r>
+              <a:rPr lang="en-US" altLang="zh-CN" b="1" dirty="0"/>
+              <a:t> </a:t>
+            </a:r>
+            <a:r>
+              <a:rPr lang="zh-CN" altLang="en-US" b="1" dirty="0"/>
+              <a:t>和 </a:t>
+            </a:r>
+            <a:r>
+              <a:rPr lang="en-US" altLang="zh-CN" b="1" dirty="0" err="1"/>
+              <a:t>memcpy</a:t>
+            </a:r>
+            <a:r>
+              <a:rPr lang="zh-CN" altLang="en-US" b="1" dirty="0"/>
+              <a:t>）：</a:t>
+            </a:r>
+            <a:endParaRPr lang="zh-CN" altLang="en-US" dirty="0"/>
+          </a:p>
+          <a:p>
+            <a:pPr marL="742950" lvl="1" indent="-285750">
+              <a:buFont typeface="+mj-lt"/>
+              <a:buAutoNum type="arabicPeriod"/>
+            </a:pPr>
+            <a:r>
+              <a:rPr lang="zh-CN" altLang="en-US" dirty="0"/>
+              <a:t>涉及较多的内存操作（而非 </a:t>
+            </a:r>
+            <a:r>
+              <a:rPr lang="en-US" altLang="zh-CN" dirty="0"/>
+              <a:t>ALU </a:t>
+            </a:r>
+            <a:r>
+              <a:rPr lang="zh-CN" altLang="en-US" dirty="0"/>
+              <a:t>操作），这对 </a:t>
+            </a:r>
+            <a:r>
+              <a:rPr lang="en-US" altLang="zh-CN" dirty="0"/>
+              <a:t>HAVM </a:t>
+            </a:r>
+            <a:r>
+              <a:rPr lang="zh-CN" altLang="en-US" dirty="0"/>
+              <a:t>是最糟糕的场景。</a:t>
+            </a:r>
+          </a:p>
+          <a:p>
+            <a:pPr marL="742950" lvl="1" indent="-285750">
+              <a:buFont typeface="+mj-lt"/>
+              <a:buAutoNum type="arabicPeriod"/>
+            </a:pPr>
+            <a:r>
+              <a:rPr lang="zh-CN" altLang="en-US" dirty="0"/>
+              <a:t>包括经典的 </a:t>
+            </a:r>
+            <a:r>
+              <a:rPr lang="en-US" altLang="zh-CN" dirty="0"/>
+              <a:t>BPF socket buffer </a:t>
+            </a:r>
+            <a:r>
+              <a:rPr lang="zh-CN" altLang="en-US" dirty="0"/>
+              <a:t>读</a:t>
+            </a:r>
+            <a:r>
+              <a:rPr lang="en-US" altLang="zh-CN" dirty="0"/>
+              <a:t>/</a:t>
+            </a:r>
+            <a:r>
+              <a:rPr lang="zh-CN" altLang="en-US" dirty="0"/>
+              <a:t>写操作和内存复制操作。</a:t>
+            </a:r>
+          </a:p>
+          <a:p>
+            <a:pPr>
+              <a:buFont typeface="+mj-lt"/>
+              <a:buAutoNum type="arabicPeriod"/>
+            </a:pPr>
+            <a:r>
+              <a:rPr lang="zh-CN" altLang="en-US" b="1" dirty="0"/>
+              <a:t>实际 </a:t>
+            </a:r>
+            <a:r>
+              <a:rPr lang="en-US" altLang="zh-CN" b="1" dirty="0"/>
+              <a:t>IoT </a:t>
+            </a:r>
+            <a:r>
+              <a:rPr lang="zh-CN" altLang="en-US" b="1" dirty="0"/>
+              <a:t>数据处理算法（</a:t>
+            </a:r>
+            <a:r>
+              <a:rPr lang="en-US" altLang="zh-CN" b="1" dirty="0"/>
+              <a:t>fletcher32 </a:t>
+            </a:r>
+            <a:r>
+              <a:rPr lang="zh-CN" altLang="en-US" b="1" dirty="0"/>
+              <a:t>和 </a:t>
+            </a:r>
+            <a:r>
+              <a:rPr lang="en-US" altLang="zh-CN" b="1" dirty="0" err="1"/>
+              <a:t>bsort</a:t>
+            </a:r>
+            <a:r>
+              <a:rPr lang="zh-CN" altLang="en-US" b="1" dirty="0"/>
+              <a:t>）：</a:t>
+            </a:r>
+            <a:endParaRPr lang="zh-CN" altLang="en-US" dirty="0"/>
+          </a:p>
+          <a:p>
+            <a:pPr marL="742950" lvl="1" indent="-285750">
+              <a:buFont typeface="+mj-lt"/>
+              <a:buAutoNum type="arabicPeriod"/>
+            </a:pPr>
+            <a:r>
+              <a:rPr lang="en-US" altLang="zh-CN" dirty="0"/>
+              <a:t>Fletcher32 </a:t>
+            </a:r>
+            <a:r>
+              <a:rPr lang="zh-CN" altLang="en-US" dirty="0"/>
+              <a:t>哈希函数：一种高效的数据完整性校验算法。</a:t>
+            </a:r>
+          </a:p>
+          <a:p>
+            <a:pPr marL="742950" lvl="1" indent="-285750">
+              <a:buFont typeface="+mj-lt"/>
+              <a:buAutoNum type="arabicPeriod"/>
+            </a:pPr>
+            <a:r>
+              <a:rPr lang="zh-CN" altLang="en-US" dirty="0"/>
+              <a:t>冒泡排序（</a:t>
+            </a:r>
+            <a:r>
+              <a:rPr lang="en-US" altLang="zh-CN" dirty="0"/>
+              <a:t>bubble sort</a:t>
+            </a:r>
+            <a:r>
+              <a:rPr lang="zh-CN" altLang="en-US" dirty="0"/>
+              <a:t>）：一个简单的排序算法。</a:t>
+            </a:r>
+          </a:p>
+          <a:p>
             <a:endParaRPr lang="zh-CN" altLang="en-US" dirty="0"/>
           </a:p>
         </p:txBody>
@@ -3224,7 +3619,7 @@
           <a:p>
             <a:fld id="{13D28DC2-5057-445C-8872-C1533802A2F5}" type="slidenum">
               <a:rPr lang="zh-CN" altLang="en-US" smtClean="0"/>
-              <a:t>35</a:t>
+              <a:t>33</a:t>
             </a:fld>
             <a:endParaRPr lang="zh-CN" altLang="en-US"/>
           </a:p>
@@ -3233,7 +3628,7 @@
     </p:spTree>
     <p:extLst>
       <p:ext uri="{BB962C8B-B14F-4D97-AF65-F5344CB8AC3E}">
-        <p14:creationId xmlns:p14="http://schemas.microsoft.com/office/powerpoint/2010/main" val="1122802157"/>
+        <p14:creationId xmlns:p14="http://schemas.microsoft.com/office/powerpoint/2010/main" val="3883060992"/>
       </p:ext>
     </p:extLst>
   </p:cSld>
@@ -3409,25 +3804,71 @@
           <a:lstStyle/>
           <a:p>
             <a:r>
-              <a:rPr lang="zh-CN" altLang="en-US" dirty="0"/>
-              <a:t>把系统调用分解为可重用的子函数</a:t>
-            </a:r>
-            <a:br>
-              <a:rPr lang="zh-CN" altLang="en-US" dirty="0"/>
-            </a:br>
-            <a:endParaRPr lang="zh-CN" altLang="en-US" b="0" i="0" dirty="0">
-              <a:solidFill>
-                <a:srgbClr val="000000"/>
-              </a:solidFill>
-              <a:effectLst/>
-              <a:latin typeface="微软雅黑" panose="020B0503020204020204" pitchFamily="34" charset="-122"/>
-              <a:ea typeface="微软雅黑" panose="020B0503020204020204" pitchFamily="34" charset="-122"/>
-            </a:endParaRPr>
-          </a:p>
-          <a:p>
-            <a:br>
-              <a:rPr lang="zh-CN" altLang="en-US" dirty="0"/>
-            </a:br>
+              <a:rPr lang="en-US" altLang="zh-CN" b="0" i="0" dirty="0">
+                <a:solidFill>
+                  <a:srgbClr val="000000"/>
+                </a:solidFill>
+                <a:effectLst/>
+                <a:latin typeface="微软雅黑" panose="020B0503020204020204" pitchFamily="34" charset="-122"/>
+                <a:ea typeface="微软雅黑" panose="020B0503020204020204" pitchFamily="34" charset="-122"/>
+              </a:rPr>
+              <a:t>Klein</a:t>
+            </a:r>
+            <a:r>
+              <a:rPr lang="zh-CN" altLang="en-US" b="0" i="0" dirty="0">
+                <a:solidFill>
+                  <a:srgbClr val="000000"/>
+                </a:solidFill>
+                <a:effectLst/>
+                <a:latin typeface="微软雅黑" panose="020B0503020204020204" pitchFamily="34" charset="-122"/>
+                <a:ea typeface="微软雅黑" panose="020B0503020204020204" pitchFamily="34" charset="-122"/>
+              </a:rPr>
+              <a:t>：</a:t>
+            </a:r>
+            <a:r>
+              <a:rPr lang="en-US" altLang="zh-CN" b="0" i="0" dirty="0">
+                <a:solidFill>
+                  <a:srgbClr val="000000"/>
+                </a:solidFill>
+                <a:effectLst/>
+                <a:latin typeface="微软雅黑" panose="020B0503020204020204" pitchFamily="34" charset="-122"/>
+                <a:ea typeface="微软雅黑" panose="020B0503020204020204" pitchFamily="34" charset="-122"/>
+              </a:rPr>
+              <a:t>04-09</a:t>
+            </a:r>
+            <a:r>
+              <a:rPr lang="zh-CN" altLang="en-US" b="0" i="0" dirty="0">
+                <a:solidFill>
+                  <a:srgbClr val="000000"/>
+                </a:solidFill>
+                <a:effectLst/>
+                <a:latin typeface="微软雅黑" panose="020B0503020204020204" pitchFamily="34" charset="-122"/>
+                <a:ea typeface="微软雅黑" panose="020B0503020204020204" pitchFamily="34" charset="-122"/>
+              </a:rPr>
+              <a:t>年在</a:t>
+            </a:r>
+            <a:r>
+              <a:rPr lang="en-US" altLang="zh-CN" b="0" i="0" dirty="0">
+                <a:solidFill>
+                  <a:srgbClr val="000000"/>
+                </a:solidFill>
+                <a:effectLst/>
+                <a:latin typeface="微软雅黑" panose="020B0503020204020204" pitchFamily="34" charset="-122"/>
+                <a:ea typeface="微软雅黑" panose="020B0503020204020204" pitchFamily="34" charset="-122"/>
+              </a:rPr>
+              <a:t>l4</a:t>
+            </a:r>
+            <a:r>
+              <a:rPr lang="zh-CN" altLang="en-US" b="0" i="0" dirty="0">
+                <a:solidFill>
+                  <a:srgbClr val="000000"/>
+                </a:solidFill>
+                <a:effectLst/>
+                <a:latin typeface="微软雅黑" panose="020B0503020204020204" pitchFamily="34" charset="-122"/>
+                <a:ea typeface="微软雅黑" panose="020B0503020204020204" pitchFamily="34" charset="-122"/>
+              </a:rPr>
+              <a:t>内存上的工作</a:t>
+            </a:r>
             <a:endParaRPr lang="zh-CN" altLang="en-US" dirty="0"/>
           </a:p>
         </p:txBody>
@@ -3449,7 +3890,7 @@
           <a:p>
             <a:fld id="{13D28DC2-5057-445C-8872-C1533802A2F5}" type="slidenum">
               <a:rPr lang="zh-CN" altLang="en-US" smtClean="0"/>
-              <a:t>36</a:t>
+              <a:t>35</a:t>
             </a:fld>
             <a:endParaRPr lang="zh-CN" altLang="en-US"/>
           </a:p>
@@ -3458,7 +3899,7 @@
     </p:spTree>
     <p:extLst>
       <p:ext uri="{BB962C8B-B14F-4D97-AF65-F5344CB8AC3E}">
-        <p14:creationId xmlns:p14="http://schemas.microsoft.com/office/powerpoint/2010/main" val="519659075"/>
+        <p14:creationId xmlns:p14="http://schemas.microsoft.com/office/powerpoint/2010/main" val="1122802157"/>
       </p:ext>
     </p:extLst>
   </p:cSld>
@@ -3512,64 +3953,26 @@
           <a:bodyPr/>
           <a:lstStyle/>
           <a:p>
-            <a:pPr algn="just"/>
-            <a:r>
-              <a:rPr lang="zh-CN" altLang="en-US" b="0" i="0" dirty="0">
-                <a:solidFill>
-                  <a:srgbClr val="000000"/>
-                </a:solidFill>
-                <a:effectLst/>
-                <a:latin typeface="微软雅黑" panose="020B0503020204020204" pitchFamily="34" charset="-122"/>
-                <a:ea typeface="微软雅黑" panose="020B0503020204020204" pitchFamily="34" charset="-122"/>
-              </a:rPr>
-              <a:t>一般来说，功能正确性意味着程序对给定的输入有正确的输出，安全意味着在整个状态空间中没有不安全的状态，这可以表示为一系列不变量。文章总共形式化了</a:t>
-            </a:r>
-            <a:r>
-              <a:rPr lang="en-US" altLang="zh-CN" b="0" i="0" dirty="0">
-                <a:solidFill>
-                  <a:srgbClr val="000000"/>
-                </a:solidFill>
-                <a:effectLst/>
-                <a:latin typeface="微软雅黑" panose="020B0503020204020204" pitchFamily="34" charset="-122"/>
-                <a:ea typeface="微软雅黑" panose="020B0503020204020204" pitchFamily="34" charset="-122"/>
-              </a:rPr>
-              <a:t>350</a:t>
-            </a:r>
-            <a:r>
-              <a:rPr lang="zh-CN" altLang="en-US" b="0" i="0" dirty="0">
-                <a:solidFill>
-                  <a:srgbClr val="000000"/>
-                </a:solidFill>
-                <a:effectLst/>
-                <a:latin typeface="微软雅黑" panose="020B0503020204020204" pitchFamily="34" charset="-122"/>
-                <a:ea typeface="微软雅黑" panose="020B0503020204020204" pitchFamily="34" charset="-122"/>
-              </a:rPr>
-              <a:t>个功能正确性和</a:t>
-            </a:r>
-            <a:r>
-              <a:rPr lang="en-US" altLang="zh-CN" b="0" i="0" dirty="0">
-                <a:solidFill>
-                  <a:srgbClr val="000000"/>
-                </a:solidFill>
-                <a:effectLst/>
-                <a:latin typeface="微软雅黑" panose="020B0503020204020204" pitchFamily="34" charset="-122"/>
-                <a:ea typeface="微软雅黑" panose="020B0503020204020204" pitchFamily="34" charset="-122"/>
-              </a:rPr>
-              <a:t>39</a:t>
-            </a:r>
-            <a:r>
-              <a:rPr lang="zh-CN" altLang="en-US" b="0" i="0" dirty="0">
-                <a:solidFill>
-                  <a:srgbClr val="000000"/>
-                </a:solidFill>
-                <a:effectLst/>
-                <a:latin typeface="微软雅黑" panose="020B0503020204020204" pitchFamily="34" charset="-122"/>
-                <a:ea typeface="微软雅黑" panose="020B0503020204020204" pitchFamily="34" charset="-122"/>
-              </a:rPr>
-              <a:t>个安全属性。</a:t>
-            </a:r>
-          </a:p>
-          <a:p>
+            <a:r>
+              <a:rPr lang="zh-CN" altLang="en-US" dirty="0"/>
+              <a:t>把系统调用分解为可重用的子函数</a:t>
+            </a:r>
+            <a:br>
+              <a:rPr lang="zh-CN" altLang="en-US" dirty="0"/>
+            </a:br>
+            <a:endParaRPr lang="zh-CN" altLang="en-US" b="0" i="0" dirty="0">
+              <a:solidFill>
+                <a:srgbClr val="000000"/>
+              </a:solidFill>
+              <a:effectLst/>
+              <a:latin typeface="微软雅黑" panose="020B0503020204020204" pitchFamily="34" charset="-122"/>
+              <a:ea typeface="微软雅黑" panose="020B0503020204020204" pitchFamily="34" charset="-122"/>
+            </a:endParaRPr>
+          </a:p>
+          <a:p>
+            <a:br>
+              <a:rPr lang="zh-CN" altLang="en-US" dirty="0"/>
+            </a:br>
             <a:endParaRPr lang="zh-CN" altLang="en-US" dirty="0"/>
           </a:p>
         </p:txBody>
@@ -3591,7 +3994,7 @@
           <a:p>
             <a:fld id="{13D28DC2-5057-445C-8872-C1533802A2F5}" type="slidenum">
               <a:rPr lang="zh-CN" altLang="en-US" smtClean="0"/>
-              <a:t>37</a:t>
+              <a:t>36</a:t>
             </a:fld>
             <a:endParaRPr lang="zh-CN" altLang="en-US"/>
           </a:p>
@@ -3600,7 +4003,7 @@
     </p:spTree>
     <p:extLst>
       <p:ext uri="{BB962C8B-B14F-4D97-AF65-F5344CB8AC3E}">
-        <p14:creationId xmlns:p14="http://schemas.microsoft.com/office/powerpoint/2010/main" val="2336708297"/>
+        <p14:creationId xmlns:p14="http://schemas.microsoft.com/office/powerpoint/2010/main" val="519659075"/>
       </p:ext>
     </p:extLst>
   </p:cSld>
@@ -3654,6 +4057,341 @@
           <a:bodyPr/>
           <a:lstStyle/>
           <a:p>
+            <a:pPr algn="just"/>
+            <a:r>
+              <a:rPr lang="zh-CN" altLang="en-US" b="0" i="0" dirty="0">
+                <a:solidFill>
+                  <a:srgbClr val="000000"/>
+                </a:solidFill>
+                <a:effectLst/>
+                <a:latin typeface="微软雅黑" panose="020B0503020204020204" pitchFamily="34" charset="-122"/>
+                <a:ea typeface="微软雅黑" panose="020B0503020204020204" pitchFamily="34" charset="-122"/>
+              </a:rPr>
+              <a:t>一般来说，功能正确性意味着程序对给定的输入有正确的输出，安全意味着在整个状态空间中没有不安全的状态，这可以表示为一系列不变量。文章总共形式化了</a:t>
+            </a:r>
+            <a:r>
+              <a:rPr lang="en-US" altLang="zh-CN" b="0" i="0" dirty="0">
+                <a:solidFill>
+                  <a:srgbClr val="000000"/>
+                </a:solidFill>
+                <a:effectLst/>
+                <a:latin typeface="微软雅黑" panose="020B0503020204020204" pitchFamily="34" charset="-122"/>
+                <a:ea typeface="微软雅黑" panose="020B0503020204020204" pitchFamily="34" charset="-122"/>
+              </a:rPr>
+              <a:t>350</a:t>
+            </a:r>
+            <a:r>
+              <a:rPr lang="zh-CN" altLang="en-US" b="0" i="0" dirty="0">
+                <a:solidFill>
+                  <a:srgbClr val="000000"/>
+                </a:solidFill>
+                <a:effectLst/>
+                <a:latin typeface="微软雅黑" panose="020B0503020204020204" pitchFamily="34" charset="-122"/>
+                <a:ea typeface="微软雅黑" panose="020B0503020204020204" pitchFamily="34" charset="-122"/>
+              </a:rPr>
+              <a:t>个功能正确性和</a:t>
+            </a:r>
+            <a:r>
+              <a:rPr lang="en-US" altLang="zh-CN" b="0" i="0" dirty="0">
+                <a:solidFill>
+                  <a:srgbClr val="000000"/>
+                </a:solidFill>
+                <a:effectLst/>
+                <a:latin typeface="微软雅黑" panose="020B0503020204020204" pitchFamily="34" charset="-122"/>
+                <a:ea typeface="微软雅黑" panose="020B0503020204020204" pitchFamily="34" charset="-122"/>
+              </a:rPr>
+              <a:t>39</a:t>
+            </a:r>
+            <a:r>
+              <a:rPr lang="zh-CN" altLang="en-US" b="0" i="0" dirty="0">
+                <a:solidFill>
+                  <a:srgbClr val="000000"/>
+                </a:solidFill>
+                <a:effectLst/>
+                <a:latin typeface="微软雅黑" panose="020B0503020204020204" pitchFamily="34" charset="-122"/>
+                <a:ea typeface="微软雅黑" panose="020B0503020204020204" pitchFamily="34" charset="-122"/>
+              </a:rPr>
+              <a:t>个安全属性。</a:t>
+            </a:r>
+          </a:p>
+          <a:p>
+            <a:pPr algn="just"/>
+            <a:r>
+              <a:rPr lang="zh-CN" altLang="en-US" b="0" i="0" dirty="0">
+                <a:solidFill>
+                  <a:srgbClr val="000000"/>
+                </a:solidFill>
+                <a:effectLst/>
+                <a:latin typeface="微软雅黑" panose="020B0503020204020204" pitchFamily="34" charset="-122"/>
+                <a:ea typeface="微软雅黑" panose="020B0503020204020204" pitchFamily="34" charset="-122"/>
+              </a:rPr>
+              <a:t>该引理意味着，如果虚拟页面</a:t>
+            </a:r>
+            <a:r>
+              <a:rPr lang="en-US" altLang="zh-CN" b="0" i="0" dirty="0">
+                <a:solidFill>
+                  <a:srgbClr val="000000"/>
+                </a:solidFill>
+                <a:effectLst/>
+                <a:latin typeface="微软雅黑" panose="020B0503020204020204" pitchFamily="34" charset="-122"/>
+                <a:ea typeface="微软雅黑" panose="020B0503020204020204" pitchFamily="34" charset="-122"/>
+              </a:rPr>
+              <a:t>V</a:t>
+            </a:r>
+            <a:r>
+              <a:rPr lang="zh-CN" altLang="en-US" b="0" i="0" dirty="0">
+                <a:solidFill>
+                  <a:srgbClr val="000000"/>
+                </a:solidFill>
+                <a:effectLst/>
+                <a:latin typeface="微软雅黑" panose="020B0503020204020204" pitchFamily="34" charset="-122"/>
+                <a:ea typeface="微软雅黑" panose="020B0503020204020204" pitchFamily="34" charset="-122"/>
+              </a:rPr>
+              <a:t>虚拟</a:t>
+            </a:r>
+            <a:r>
+              <a:rPr lang="en-US" altLang="zh-CN" b="0" i="0" dirty="0" err="1">
+                <a:solidFill>
+                  <a:srgbClr val="000000"/>
+                </a:solidFill>
+                <a:effectLst/>
+                <a:latin typeface="微软雅黑" panose="020B0503020204020204" pitchFamily="34" charset="-122"/>
+                <a:ea typeface="微软雅黑" panose="020B0503020204020204" pitchFamily="34" charset="-122"/>
+              </a:rPr>
+              <a:t>sp</a:t>
+            </a:r>
+            <a:r>
+              <a:rPr lang="en-US" altLang="zh-CN" b="0" i="0" dirty="0">
+                <a:solidFill>
+                  <a:srgbClr val="000000"/>
+                </a:solidFill>
+                <a:effectLst/>
+                <a:latin typeface="微软雅黑" panose="020B0503020204020204" pitchFamily="34" charset="-122"/>
+                <a:ea typeface="微软雅黑" panose="020B0503020204020204" pitchFamily="34" charset="-122"/>
+              </a:rPr>
+              <a:t> V</a:t>
+            </a:r>
+            <a:r>
+              <a:rPr lang="zh-CN" altLang="en-US" b="0" i="0" dirty="0">
+                <a:solidFill>
+                  <a:srgbClr val="000000"/>
+                </a:solidFill>
+                <a:effectLst/>
+                <a:latin typeface="微软雅黑" panose="020B0503020204020204" pitchFamily="34" charset="-122"/>
+                <a:ea typeface="微软雅黑" panose="020B0503020204020204" pitchFamily="34" charset="-122"/>
+              </a:rPr>
+              <a:t>不在</a:t>
+            </a:r>
+            <a:r>
+              <a:rPr lang="en-US" altLang="zh-CN" b="0" i="0" dirty="0">
+                <a:solidFill>
+                  <a:srgbClr val="000000"/>
+                </a:solidFill>
+                <a:effectLst/>
+                <a:latin typeface="微软雅黑" panose="020B0503020204020204" pitchFamily="34" charset="-122"/>
+                <a:ea typeface="微软雅黑" panose="020B0503020204020204" pitchFamily="34" charset="-122"/>
+              </a:rPr>
+              <a:t>V</a:t>
+            </a:r>
+            <a:r>
+              <a:rPr lang="zh-CN" altLang="en-US" b="0" i="0" dirty="0">
+                <a:solidFill>
+                  <a:srgbClr val="000000"/>
+                </a:solidFill>
+                <a:effectLst/>
+                <a:latin typeface="微软雅黑" panose="020B0503020204020204" pitchFamily="34" charset="-122"/>
+                <a:ea typeface="微软雅黑" panose="020B0503020204020204" pitchFamily="34" charset="-122"/>
+              </a:rPr>
+              <a:t>虚拟</a:t>
+            </a:r>
+            <a:r>
+              <a:rPr lang="en-US" altLang="zh-CN" b="0" i="0" dirty="0" err="1">
+                <a:solidFill>
+                  <a:srgbClr val="000000"/>
+                </a:solidFill>
+                <a:effectLst/>
+                <a:latin typeface="微软雅黑" panose="020B0503020204020204" pitchFamily="34" charset="-122"/>
+                <a:ea typeface="微软雅黑" panose="020B0503020204020204" pitchFamily="34" charset="-122"/>
+              </a:rPr>
+              <a:t>sp</a:t>
+            </a:r>
+            <a:r>
+              <a:rPr lang="zh-CN" altLang="en-US" b="0" i="0" dirty="0">
+                <a:solidFill>
+                  <a:srgbClr val="000000"/>
+                </a:solidFill>
+                <a:effectLst/>
+                <a:latin typeface="微软雅黑" panose="020B0503020204020204" pitchFamily="34" charset="-122"/>
+                <a:ea typeface="微软雅黑" panose="020B0503020204020204" pitchFamily="34" charset="-122"/>
+              </a:rPr>
+              <a:t>到</a:t>
+            </a:r>
+            <a:r>
+              <a:rPr lang="en-US" altLang="zh-CN" b="0" i="0" dirty="0">
+                <a:solidFill>
+                  <a:srgbClr val="000000"/>
+                </a:solidFill>
+                <a:effectLst/>
+                <a:latin typeface="微软雅黑" panose="020B0503020204020204" pitchFamily="34" charset="-122"/>
+                <a:ea typeface="微软雅黑" panose="020B0503020204020204" pitchFamily="34" charset="-122"/>
+              </a:rPr>
+              <a:t>V to</a:t>
+            </a:r>
+            <a:r>
+              <a:rPr lang="zh-CN" altLang="en-US" b="0" i="0" dirty="0">
+                <a:solidFill>
+                  <a:srgbClr val="000000"/>
+                </a:solidFill>
+                <a:effectLst/>
+                <a:latin typeface="微软雅黑" panose="020B0503020204020204" pitchFamily="34" charset="-122"/>
+                <a:ea typeface="微软雅黑" panose="020B0503020204020204" pitchFamily="34" charset="-122"/>
+              </a:rPr>
+              <a:t>的路径上，则该操作对</a:t>
+            </a:r>
+            <a:r>
+              <a:rPr lang="en-US" altLang="zh-CN" b="0" i="0" dirty="0">
+                <a:solidFill>
+                  <a:srgbClr val="000000"/>
+                </a:solidFill>
+                <a:effectLst/>
+                <a:latin typeface="微软雅黑" panose="020B0503020204020204" pitchFamily="34" charset="-122"/>
+                <a:ea typeface="微软雅黑" panose="020B0503020204020204" pitchFamily="34" charset="-122"/>
+              </a:rPr>
+              <a:t>V</a:t>
+            </a:r>
+            <a:r>
+              <a:rPr lang="zh-CN" altLang="en-US" b="0" i="0" dirty="0">
+                <a:solidFill>
+                  <a:srgbClr val="000000"/>
+                </a:solidFill>
+                <a:effectLst/>
+                <a:latin typeface="微软雅黑" panose="020B0503020204020204" pitchFamily="34" charset="-122"/>
+                <a:ea typeface="微软雅黑" panose="020B0503020204020204" pitchFamily="34" charset="-122"/>
+              </a:rPr>
+              <a:t>虚拟</a:t>
+            </a:r>
+            <a:r>
+              <a:rPr lang="en-US" altLang="zh-CN" b="0" i="0" dirty="0" err="1">
+                <a:solidFill>
+                  <a:srgbClr val="000000"/>
+                </a:solidFill>
+                <a:effectLst/>
+                <a:latin typeface="微软雅黑" panose="020B0503020204020204" pitchFamily="34" charset="-122"/>
+                <a:ea typeface="微软雅黑" panose="020B0503020204020204" pitchFamily="34" charset="-122"/>
+              </a:rPr>
+              <a:t>sp</a:t>
+            </a:r>
+            <a:r>
+              <a:rPr lang="en-US" altLang="zh-CN" b="0" i="0" dirty="0">
+                <a:solidFill>
+                  <a:srgbClr val="000000"/>
+                </a:solidFill>
+                <a:effectLst/>
+                <a:latin typeface="微软雅黑" panose="020B0503020204020204" pitchFamily="34" charset="-122"/>
+                <a:ea typeface="微软雅黑" panose="020B0503020204020204" pitchFamily="34" charset="-122"/>
+              </a:rPr>
+              <a:t> V</a:t>
+            </a:r>
+            <a:r>
+              <a:rPr lang="zh-CN" altLang="en-US" b="0" i="0" dirty="0">
+                <a:solidFill>
+                  <a:srgbClr val="000000"/>
+                </a:solidFill>
+                <a:effectLst/>
+                <a:latin typeface="微软雅黑" panose="020B0503020204020204" pitchFamily="34" charset="-122"/>
+                <a:ea typeface="微软雅黑" panose="020B0503020204020204" pitchFamily="34" charset="-122"/>
+              </a:rPr>
+              <a:t>没有影响，并且其对其他页面的可访问性保持不变。</a:t>
+            </a:r>
+          </a:p>
+          <a:p>
+            <a:br>
+              <a:rPr lang="zh-CN" altLang="en-US" dirty="0"/>
+            </a:br>
+            <a:endParaRPr lang="zh-CN" altLang="en-US" dirty="0"/>
+          </a:p>
+        </p:txBody>
+      </p:sp>
+      <p:sp>
+        <p:nvSpPr>
+          <p:cNvPr id="4" name="灯片编号占位符 3"/>
+          <p:cNvSpPr>
+            <a:spLocks noGrp="1"/>
+          </p:cNvSpPr>
+          <p:nvPr>
+            <p:ph type="sldNum" sz="quarter" idx="5"/>
+          </p:nvPr>
+        </p:nvSpPr>
+        <p:spPr/>
+        <p:txBody>
+          <a:bodyPr/>
+          <a:lstStyle/>
+          <a:p>
+            <a:fld id="{13D28DC2-5057-445C-8872-C1533802A2F5}" type="slidenum">
+              <a:rPr lang="zh-CN" altLang="en-US" smtClean="0"/>
+              <a:t>37</a:t>
+            </a:fld>
+            <a:endParaRPr lang="zh-CN" altLang="en-US"/>
+          </a:p>
+        </p:txBody>
+      </p:sp>
+    </p:spTree>
+    <p:extLst>
+      <p:ext uri="{BB962C8B-B14F-4D97-AF65-F5344CB8AC3E}">
+        <p14:creationId xmlns:p14="http://schemas.microsoft.com/office/powerpoint/2010/main" val="2336708297"/>
+      </p:ext>
+    </p:extLst>
+  </p:cSld>
+  <p:clrMapOvr>
+    <a:masterClrMapping/>
+  </p:clrMapOvr>
+</p:notes>
+</file>
+
+<file path=ppt/notesSlides/notesSlide23.xml><?xml version="1.0" encoding="utf-8"?>
+<p:notes xmlns:a="http://schemas.openxmlformats.org/drawingml/2006/main" xmlns:r="http://schemas.openxmlformats.org/officeDocument/2006/relationships" xmlns:p="http://schemas.openxmlformats.org/presentationml/2006/main">
+  <p:cSld>
+    <p:spTree>
+      <p:nvGrpSpPr>
+        <p:cNvPr id="1" name=""/>
+        <p:cNvGrpSpPr/>
+        <p:nvPr/>
+      </p:nvGrpSpPr>
+      <p:grpSpPr>
+        <a:xfrm>
+          <a:off x="0" y="0"/>
+          <a:ext cx="0" cy="0"/>
+          <a:chOff x="0" y="0"/>
+          <a:chExt cx="0" cy="0"/>
+        </a:xfrm>
+      </p:grpSpPr>
+      <p:sp>
+        <p:nvSpPr>
+          <p:cNvPr id="2" name="幻灯片图像占位符 1"/>
+          <p:cNvSpPr>
+            <a:spLocks noGrp="1" noRot="1" noChangeAspect="1"/>
+          </p:cNvSpPr>
+          <p:nvPr>
+            <p:ph type="sldImg"/>
+          </p:nvPr>
+        </p:nvSpPr>
+        <p:spPr/>
+      </p:sp>
+      <p:sp>
+        <p:nvSpPr>
+          <p:cNvPr id="3" name="备注占位符 2"/>
+          <p:cNvSpPr>
+            <a:spLocks noGrp="1"/>
+          </p:cNvSpPr>
+          <p:nvPr>
+            <p:ph type="body" idx="1"/>
+          </p:nvPr>
+        </p:nvSpPr>
+        <p:spPr/>
+        <p:txBody>
+          <a:bodyPr/>
+          <a:lstStyle/>
+          <a:p>
             <a:r>
               <a:rPr lang="zh-CN" altLang="en-US" dirty="0"/>
               <a:t>文章中没有什么特别具体的信息</a:t>
@@ -3697,7 +4435,7 @@
 </p:notes>
 </file>
 
-<file path=ppt/notesSlides/notesSlide23.xml><?xml version="1.0" encoding="utf-8"?>
+<file path=ppt/notesSlides/notesSlide24.xml><?xml version="1.0" encoding="utf-8"?>
 <p:notes xmlns:a="http://schemas.openxmlformats.org/drawingml/2006/main" xmlns:r="http://schemas.openxmlformats.org/officeDocument/2006/relationships" xmlns:p="http://schemas.openxmlformats.org/presentationml/2006/main">
   <p:cSld>
     <p:spTree>
@@ -5456,179 +6194,10 @@
           <a:lstStyle/>
           <a:p>
             <a:r>
-              <a:rPr lang="zh-CN" altLang="en-US" dirty="0"/>
-              <a:t>该方法通过使用</a:t>
-            </a:r>
-            <a:r>
-              <a:rPr lang="en-US" altLang="zh-CN" dirty="0"/>
-              <a:t>mover</a:t>
-            </a:r>
-            <a:r>
-              <a:rPr lang="zh-CN" altLang="en-US" dirty="0"/>
-              <a:t>规范 </a:t>
-            </a:r>
-            <a:r>
-              <a:rPr lang="en-US" altLang="zh-CN" dirty="0"/>
-              <a:t>M </a:t>
-            </a:r>
-            <a:r>
-              <a:rPr lang="zh-CN" altLang="en-US" dirty="0"/>
-              <a:t>来验证序列 </a:t>
-            </a:r>
-            <a:r>
-              <a:rPr lang="en-US" altLang="zh-CN" dirty="0"/>
-              <a:t>s </a:t>
-            </a:r>
-            <a:r>
-              <a:rPr lang="zh-CN" altLang="en-US" dirty="0"/>
-              <a:t>是否由多个由</a:t>
-            </a:r>
-            <a:r>
-              <a:rPr lang="en-US" altLang="zh-CN" dirty="0"/>
-              <a:t>yield </a:t>
-            </a:r>
-            <a:r>
-              <a:rPr lang="zh-CN" altLang="en-US" dirty="0"/>
-              <a:t>分隔可约序列组成。在每个 </a:t>
-            </a:r>
-            <a:r>
-              <a:rPr lang="en-US" altLang="zh-CN" dirty="0"/>
-              <a:t>yield </a:t>
-            </a:r>
-            <a:r>
-              <a:rPr lang="zh-CN" altLang="en-US" dirty="0"/>
-              <a:t>点，使用依赖假设 </a:t>
-            </a:r>
-            <a:r>
-              <a:rPr lang="en-US" altLang="zh-CN" dirty="0"/>
-              <a:t>R </a:t>
-            </a:r>
-            <a:r>
-              <a:rPr lang="zh-CN" altLang="en-US" dirty="0"/>
-              <a:t>来模拟其他线程可能的干扰，而线程保证 </a:t>
-            </a:r>
-            <a:r>
-              <a:rPr lang="en-US" altLang="zh-CN" dirty="0"/>
-              <a:t>G </a:t>
-            </a:r>
-            <a:r>
-              <a:rPr lang="zh-CN" altLang="en-US" dirty="0"/>
-              <a:t>则描述了两个 </a:t>
-            </a:r>
-            <a:r>
-              <a:rPr lang="en-US" altLang="zh-CN" dirty="0"/>
-              <a:t>yield </a:t>
-            </a:r>
-            <a:r>
-              <a:rPr lang="zh-CN" altLang="en-US" dirty="0"/>
-              <a:t>点之间的代码序列如何行为。效果 </a:t>
-            </a:r>
-            <a:r>
-              <a:rPr lang="en-US" altLang="zh-CN" dirty="0"/>
-              <a:t>e </a:t>
-            </a:r>
-            <a:r>
-              <a:rPr lang="zh-CN" altLang="en-US" dirty="0"/>
-              <a:t>描述了 </a:t>
-            </a:r>
-            <a:r>
-              <a:rPr lang="en-US" altLang="zh-CN" dirty="0"/>
-              <a:t>s </a:t>
-            </a:r>
-            <a:r>
-              <a:rPr lang="zh-CN" altLang="en-US" dirty="0"/>
-              <a:t>与其他线程步骤的相互作用。</a:t>
-            </a:r>
-            <a:endParaRPr lang="en-US" altLang="zh-CN" dirty="0"/>
-          </a:p>
-          <a:p>
-            <a:endParaRPr lang="en-US" altLang="zh-CN" dirty="0"/>
-          </a:p>
-          <a:p>
-            <a:r>
-              <a:rPr lang="zh-CN" altLang="en-US" dirty="0"/>
-              <a:t>在规则中，前置条件 </a:t>
-            </a:r>
-            <a:r>
-              <a:rPr lang="en-US" altLang="zh-CN" dirty="0"/>
-              <a:t>P </a:t>
-            </a:r>
-            <a:r>
-              <a:rPr lang="zh-CN" altLang="en-US" dirty="0"/>
-              <a:t>可以通过符号 </a:t>
-            </a:r>
-            <a:r>
-              <a:rPr lang="en-US" altLang="zh-CN" dirty="0"/>
-              <a:t>\old(x) </a:t>
-            </a:r>
-            <a:r>
-              <a:rPr lang="zh-CN" altLang="en-US" dirty="0"/>
-              <a:t>引用当前可约代码序列的初始存储 </a:t>
-            </a:r>
-            <a:r>
-              <a:rPr lang="en-US" altLang="zh-CN" dirty="0"/>
-              <a:t>σ0 </a:t>
-            </a:r>
-            <a:r>
-              <a:rPr lang="zh-CN" altLang="en-US" dirty="0"/>
-              <a:t>中变量 </a:t>
-            </a:r>
-            <a:r>
-              <a:rPr lang="en-US" altLang="zh-CN" dirty="0"/>
-              <a:t>x </a:t>
-            </a:r>
-            <a:r>
-              <a:rPr lang="zh-CN" altLang="en-US" dirty="0"/>
-              <a:t>的值。因此，</a:t>
-            </a:r>
-            <a:r>
-              <a:rPr lang="en-US" altLang="zh-CN" dirty="0"/>
-              <a:t>P </a:t>
-            </a:r>
-            <a:r>
-              <a:rPr lang="zh-CN" altLang="en-US" dirty="0"/>
-              <a:t>是一个涉及初始存储 </a:t>
-            </a:r>
-            <a:r>
-              <a:rPr lang="en-US" altLang="zh-CN" dirty="0"/>
-              <a:t>σ0 </a:t>
-            </a:r>
-            <a:r>
-              <a:rPr lang="zh-CN" altLang="en-US" dirty="0"/>
-              <a:t>与执行 </a:t>
-            </a:r>
-            <a:r>
-              <a:rPr lang="en-US" altLang="zh-CN" dirty="0"/>
-              <a:t>s </a:t>
-            </a:r>
-            <a:r>
-              <a:rPr lang="zh-CN" altLang="en-US" dirty="0"/>
-              <a:t>的前存储 </a:t>
-            </a:r>
-            <a:r>
-              <a:rPr lang="en-US" altLang="zh-CN" dirty="0"/>
-              <a:t>σ </a:t>
-            </a:r>
-            <a:r>
-              <a:rPr lang="zh-CN" altLang="en-US" dirty="0"/>
-              <a:t>的两个存储关系 </a:t>
-            </a:r>
-            <a:r>
-              <a:rPr lang="en-US" altLang="zh-CN" dirty="0"/>
-              <a:t>P ⊆ </a:t>
-            </a:r>
-            <a:r>
-              <a:rPr lang="en-US" altLang="zh-CN" dirty="0" err="1"/>
-              <a:t>Tid</a:t>
-            </a:r>
-            <a:r>
-              <a:rPr lang="en-US" altLang="zh-CN" dirty="0"/>
-              <a:t> × Store × Store</a:t>
-            </a:r>
-            <a:r>
-              <a:rPr lang="zh-CN" altLang="en-US" dirty="0"/>
-              <a:t>。</a:t>
-            </a:r>
+              <a:rPr lang="en-US" altLang="zh-CN" dirty="0"/>
+              <a:t>Anchor verifier</a:t>
+            </a:r>
+            <a:endParaRPr lang="zh-CN" altLang="en-US" dirty="0"/>
           </a:p>
         </p:txBody>
       </p:sp>
@@ -5647,9 +6216,9 @@
           <a:bodyPr/>
           <a:lstStyle/>
           <a:p>
-            <a:fld id="{13D28DC2-5057-445C-8872-C1533802A2F5}" type="slidenum">
+            <a:fld id="{8D63100B-88FD-4287-A3AA-81FD8A0A6296}" type="slidenum">
               <a:rPr lang="zh-CN" altLang="en-US" smtClean="0"/>
-              <a:t>16</a:t>
+              <a:t>14</a:t>
             </a:fld>
             <a:endParaRPr lang="zh-CN" altLang="en-US"/>
           </a:p>
@@ -5658,7 +6227,7 @@
     </p:spTree>
     <p:extLst>
       <p:ext uri="{BB962C8B-B14F-4D97-AF65-F5344CB8AC3E}">
-        <p14:creationId xmlns:p14="http://schemas.microsoft.com/office/powerpoint/2010/main" val="1146813633"/>
+        <p14:creationId xmlns:p14="http://schemas.microsoft.com/office/powerpoint/2010/main" val="3322356132"/>
       </p:ext>
     </p:extLst>
   </p:cSld>
@@ -5713,32 +6282,32 @@
           <a:lstStyle/>
           <a:p>
             <a:r>
-              <a:rPr lang="en-US" altLang="zh-CN" dirty="0"/>
-              <a:t>[M-YIELD] </a:t>
-            </a:r>
-            <a:r>
-              <a:rPr lang="zh-CN" altLang="en-US" b="1" dirty="0"/>
-              <a:t>：保证前置条件包含在线程保证中</a:t>
-            </a:r>
-            <a:r>
-              <a:rPr lang="zh-CN" altLang="en-US" dirty="0"/>
-              <a:t>：前提条件 </a:t>
-            </a:r>
-            <a:r>
-              <a:rPr lang="en-US" altLang="zh-CN" dirty="0"/>
-              <a:t>P ⇒ G </a:t>
-            </a:r>
-            <a:r>
-              <a:rPr lang="zh-CN" altLang="en-US" dirty="0"/>
-              <a:t>表示：</a:t>
-            </a:r>
-            <a:r>
-              <a:rPr lang="en-US" altLang="zh-CN" dirty="0"/>
-              <a:t>P</a:t>
-            </a:r>
-            <a:r>
-              <a:rPr lang="zh-CN" altLang="en-US" dirty="0"/>
-              <a:t>（</a:t>
+              <a:rPr lang="zh-CN" altLang="en-US" dirty="0"/>
+              <a:t>该方法通过使用</a:t>
+            </a:r>
+            <a:r>
+              <a:rPr lang="en-US" altLang="zh-CN" dirty="0"/>
+              <a:t>mover</a:t>
+            </a:r>
+            <a:r>
+              <a:rPr lang="zh-CN" altLang="en-US" dirty="0"/>
+              <a:t>规范 </a:t>
+            </a:r>
+            <a:r>
+              <a:rPr lang="en-US" altLang="zh-CN" dirty="0"/>
+              <a:t>M </a:t>
+            </a:r>
+            <a:r>
+              <a:rPr lang="zh-CN" altLang="en-US" dirty="0"/>
+              <a:t>来验证序列 </a:t>
+            </a:r>
+            <a:r>
+              <a:rPr lang="en-US" altLang="zh-CN" dirty="0"/>
+              <a:t>s </a:t>
+            </a:r>
+            <a:r>
+              <a:rPr lang="zh-CN" altLang="en-US" dirty="0"/>
+              <a:t>是否由多个由</a:t>
             </a:r>
             <a:r>
               <a:rPr lang="en-US" altLang="zh-CN" dirty="0"/>
@@ -5746,7 +6315,23 @@
             </a:r>
             <a:r>
               <a:rPr lang="zh-CN" altLang="en-US" dirty="0"/>
-              <a:t>之前的可约序列的所有可能行为）必须包含在线程保证 </a:t>
+              <a:t>分隔可约序列组成。在每个 </a:t>
+            </a:r>
+            <a:r>
+              <a:rPr lang="en-US" altLang="zh-CN" dirty="0"/>
+              <a:t>yield </a:t>
+            </a:r>
+            <a:r>
+              <a:rPr lang="zh-CN" altLang="en-US" dirty="0"/>
+              <a:t>点，使用依赖假设 </a:t>
+            </a:r>
+            <a:r>
+              <a:rPr lang="en-US" altLang="zh-CN" dirty="0"/>
+              <a:t>R </a:t>
+            </a:r>
+            <a:r>
+              <a:rPr lang="zh-CN" altLang="en-US" dirty="0"/>
+              <a:t>来模拟其他线程可能的干扰，而线程保证 </a:t>
             </a:r>
             <a:r>
               <a:rPr lang="en-US" altLang="zh-CN" dirty="0"/>
@@ -5754,7 +6339,7 @@
             </a:r>
             <a:r>
               <a:rPr lang="zh-CN" altLang="en-US" dirty="0"/>
-              <a:t>中。也就是说，</a:t>
+              <a:t>则描述了两个 </a:t>
             </a:r>
             <a:r>
               <a:rPr lang="en-US" altLang="zh-CN" dirty="0"/>
@@ -5762,87 +6347,41 @@
             </a:r>
             <a:r>
               <a:rPr lang="zh-CN" altLang="en-US" dirty="0"/>
-              <a:t>操作前的行为必须符合线程整体的保证。</a:t>
-            </a:r>
-            <a:r>
-              <a:rPr lang="zh-CN" altLang="en-US" b="1" dirty="0"/>
-              <a:t>后置条件的确定</a:t>
-            </a:r>
-            <a:r>
-              <a:rPr lang="zh-CN" altLang="en-US" dirty="0"/>
-              <a:t>：后置条件 </a:t>
-            </a:r>
-            <a:r>
-              <a:rPr lang="en-US" altLang="zh-CN" dirty="0"/>
-              <a:t>Q </a:t>
-            </a:r>
-            <a:r>
-              <a:rPr lang="zh-CN" altLang="en-US" dirty="0"/>
-              <a:t>通过公式 </a:t>
-            </a:r>
-            <a:r>
-              <a:rPr lang="en-US" altLang="zh-CN" dirty="0"/>
-              <a:t>Q = Yield(P, R) </a:t>
-            </a:r>
-            <a:r>
-              <a:rPr lang="zh-CN" altLang="en-US" dirty="0"/>
-              <a:t>计算，结合了以下因素：</a:t>
-            </a:r>
-            <a:r>
-              <a:rPr lang="en-US" altLang="zh-CN" dirty="0"/>
-              <a:t>P</a:t>
-            </a:r>
-            <a:r>
-              <a:rPr lang="zh-CN" altLang="en-US" dirty="0"/>
-              <a:t>：当前的前置条件。</a:t>
-            </a:r>
-            <a:r>
-              <a:rPr lang="en-US" altLang="zh-CN" dirty="0"/>
-              <a:t>R</a:t>
-            </a:r>
-            <a:r>
-              <a:rPr lang="zh-CN" altLang="en-US" dirty="0"/>
-              <a:t>：依赖假设（</a:t>
-            </a:r>
-            <a:r>
-              <a:rPr lang="en-US" altLang="zh-CN" dirty="0"/>
-              <a:t>rely assumption</a:t>
-            </a:r>
-            <a:r>
-              <a:rPr lang="zh-CN" altLang="en-US" dirty="0"/>
-              <a:t>），描述了其他线程可能引入的干扰。计算 </a:t>
-            </a:r>
-            <a:r>
-              <a:rPr lang="en-US" altLang="zh-CN" dirty="0"/>
-              <a:t>Yield(P, R) </a:t>
-            </a:r>
-            <a:r>
-              <a:rPr lang="zh-CN" altLang="en-US" dirty="0"/>
-              <a:t>的过程：</a:t>
-            </a:r>
-            <a:r>
-              <a:rPr lang="en-US" altLang="zh-CN" dirty="0"/>
-              <a:t>Yield(P, R) </a:t>
-            </a:r>
-            <a:r>
-              <a:rPr lang="zh-CN" altLang="en-US" dirty="0"/>
-              <a:t>模拟了依赖假设 </a:t>
-            </a:r>
-            <a:r>
-              <a:rPr lang="en-US" altLang="zh-CN" dirty="0"/>
-              <a:t>R </a:t>
-            </a:r>
-            <a:r>
-              <a:rPr lang="zh-CN" altLang="en-US" dirty="0"/>
-              <a:t>所描述的其他线程的多次干扰（通过迭代 </a:t>
-            </a:r>
-            <a:r>
-              <a:rPr lang="en-US" altLang="zh-CN" dirty="0"/>
-              <a:t>R*</a:t>
-            </a:r>
-            <a:r>
-              <a:rPr lang="zh-CN" altLang="en-US" dirty="0"/>
-              <a:t>）。之后，它将每个变量的 </a:t>
+              <a:t>点之间的代码序列如何行为。效果 </a:t>
+            </a:r>
+            <a:r>
+              <a:rPr lang="en-US" altLang="zh-CN" dirty="0"/>
+              <a:t>e </a:t>
+            </a:r>
+            <a:r>
+              <a:rPr lang="zh-CN" altLang="en-US" dirty="0"/>
+              <a:t>描述了 </a:t>
+            </a:r>
+            <a:r>
+              <a:rPr lang="en-US" altLang="zh-CN" dirty="0"/>
+              <a:t>s </a:t>
+            </a:r>
+            <a:r>
+              <a:rPr lang="zh-CN" altLang="en-US" dirty="0"/>
+              <a:t>与其他线程步骤的相互作用。</a:t>
+            </a:r>
+            <a:endParaRPr lang="en-US" altLang="zh-CN" dirty="0"/>
+          </a:p>
+          <a:p>
+            <a:endParaRPr lang="en-US" altLang="zh-CN" dirty="0"/>
+          </a:p>
+          <a:p>
+            <a:r>
+              <a:rPr lang="zh-CN" altLang="en-US" dirty="0"/>
+              <a:t>在规则中，前置条件 </a:t>
+            </a:r>
+            <a:r>
+              <a:rPr lang="en-US" altLang="zh-CN" dirty="0"/>
+              <a:t>P </a:t>
+            </a:r>
+            <a:r>
+              <a:rPr lang="zh-CN" altLang="en-US" dirty="0"/>
+              <a:t>可以通过符号 </a:t>
             </a:r>
             <a:r>
               <a:rPr lang="en-US" altLang="zh-CN" dirty="0"/>
@@ -5850,7 +6389,15 @@
             </a:r>
             <a:r>
               <a:rPr lang="zh-CN" altLang="en-US" dirty="0"/>
-              <a:t>值重置为新可约序列开始时 </a:t>
+              <a:t>引用当前可约代码序列的初始存储 </a:t>
+            </a:r>
+            <a:r>
+              <a:rPr lang="en-US" altLang="zh-CN" dirty="0"/>
+              <a:t>σ0 </a:t>
+            </a:r>
+            <a:r>
+              <a:rPr lang="zh-CN" altLang="en-US" dirty="0"/>
+              <a:t>中变量 </a:t>
             </a:r>
             <a:r>
               <a:rPr lang="en-US" altLang="zh-CN" dirty="0"/>
@@ -5858,322 +6405,56 @@
             </a:r>
             <a:r>
               <a:rPr lang="zh-CN" altLang="en-US" dirty="0"/>
-              <a:t>的当前值。这意味着，</a:t>
-            </a:r>
-            <a:r>
-              <a:rPr lang="en-US" altLang="zh-CN" dirty="0"/>
-              <a:t>yield </a:t>
-            </a:r>
-            <a:r>
-              <a:rPr lang="zh-CN" altLang="en-US" dirty="0"/>
-              <a:t>后，新的可约序列将以当前存储状态作为初始状态。给定依赖假设 </a:t>
-            </a:r>
-            <a:r>
-              <a:rPr lang="en-US" altLang="zh-CN" dirty="0"/>
-              <a:t>R </a:t>
-            </a:r>
-            <a:r>
-              <a:rPr lang="zh-CN" altLang="en-US" dirty="0"/>
-              <a:t>和线程保证 </a:t>
-            </a:r>
-            <a:r>
-              <a:rPr lang="en-US" altLang="zh-CN" dirty="0"/>
-              <a:t>G</a:t>
-            </a:r>
-            <a:r>
-              <a:rPr lang="zh-CN" altLang="en-US" dirty="0"/>
-              <a:t>：</a:t>
-            </a:r>
-            <a:r>
-              <a:rPr lang="en-US" altLang="zh-CN" dirty="0"/>
-              <a:t>yield </a:t>
-            </a:r>
-            <a:r>
-              <a:rPr lang="zh-CN" altLang="en-US" dirty="0"/>
-              <a:t>操作的前置条件是 </a:t>
-            </a:r>
-            <a:r>
-              <a:rPr lang="en-US" altLang="zh-CN" dirty="0"/>
-              <a:t>P</a:t>
-            </a:r>
-            <a:r>
-              <a:rPr lang="zh-CN" altLang="en-US" dirty="0"/>
-              <a:t>；执行后，其后置条件为 </a:t>
-            </a:r>
-            <a:r>
-              <a:rPr lang="en-US" altLang="zh-CN" dirty="0"/>
-              <a:t>Q</a:t>
-            </a:r>
-            <a:r>
-              <a:rPr lang="zh-CN" altLang="en-US" dirty="0"/>
-              <a:t>；整个 </a:t>
-            </a:r>
-            <a:r>
-              <a:rPr lang="en-US" altLang="zh-CN" dirty="0"/>
-              <a:t>yield </a:t>
-            </a:r>
-            <a:r>
-              <a:rPr lang="zh-CN" altLang="en-US" dirty="0"/>
-              <a:t>操作的效果为 </a:t>
-            </a:r>
-            <a:r>
-              <a:rPr lang="en-US" altLang="zh-CN" dirty="0"/>
-              <a:t>Y</a:t>
-            </a:r>
-            <a:r>
-              <a:rPr lang="zh-CN" altLang="en-US" dirty="0"/>
-              <a:t>（表示线程的 </a:t>
-            </a:r>
-            <a:r>
-              <a:rPr lang="en-US" altLang="zh-CN" dirty="0"/>
-              <a:t>yield </a:t>
-            </a:r>
-            <a:r>
-              <a:rPr lang="zh-CN" altLang="en-US" dirty="0"/>
-              <a:t>操作）。</a:t>
-            </a:r>
-          </a:p>
-          <a:p>
-            <a:endParaRPr lang="en-US" altLang="zh-CN" dirty="0"/>
-          </a:p>
-          <a:p>
-            <a:r>
-              <a:rPr lang="en-US" altLang="zh-CN" dirty="0"/>
-              <a:t>[M-ACTION]</a:t>
-            </a:r>
-            <a:r>
-              <a:rPr lang="zh-CN" altLang="en-US" dirty="0"/>
-              <a:t>所谓 </a:t>
-            </a:r>
-            <a:r>
-              <a:rPr lang="en-US" altLang="zh-CN" dirty="0"/>
-              <a:t>"total" </a:t>
-            </a:r>
-            <a:r>
-              <a:rPr lang="zh-CN" altLang="en-US" dirty="0"/>
-              <a:t>主要意味着 </a:t>
-            </a:r>
-            <a:r>
-              <a:rPr lang="en-US" altLang="zh-CN" dirty="0"/>
-              <a:t>A</a:t>
-            </a:r>
-            <a:r>
-              <a:rPr lang="zh-CN" altLang="en-US" dirty="0"/>
-              <a:t>在所有可能的输入上都必须有定义并且确保能够完成执行，不会陷入无限循环或者停滞不前。</a:t>
-            </a:r>
-          </a:p>
-          <a:p>
-            <a:r>
-              <a:rPr lang="zh-CN" altLang="en-US" dirty="0"/>
-              <a:t>在这种情况下，</a:t>
-            </a:r>
-            <a:r>
-              <a:rPr lang="zh-CN" altLang="en-US" b="1" dirty="0"/>
-              <a:t>如果 </a:t>
-            </a:r>
-            <a:r>
-              <a:rPr lang="en-US" altLang="zh-CN" b="1" dirty="0"/>
-              <a:t>A </a:t>
-            </a:r>
-            <a:r>
-              <a:rPr lang="zh-CN" altLang="en-US" b="1" dirty="0"/>
-              <a:t>是一个左移子（</a:t>
-            </a:r>
-            <a:r>
-              <a:rPr lang="en-US" altLang="zh-CN" b="1" dirty="0"/>
-              <a:t>left-mover</a:t>
-            </a:r>
-            <a:r>
-              <a:rPr lang="zh-CN" altLang="en-US" b="1" dirty="0"/>
-              <a:t>）此时已经在</a:t>
-            </a:r>
-            <a:r>
-              <a:rPr lang="en-US" altLang="zh-CN" b="1" dirty="0" err="1"/>
-              <a:t>postcommit</a:t>
-            </a:r>
-            <a:r>
-              <a:rPr lang="zh-CN" altLang="en-US" b="1" dirty="0"/>
-              <a:t>状态，就需要它在所有情况下都能顺利终止</a:t>
-            </a:r>
-            <a:r>
-              <a:rPr lang="zh-CN" altLang="en-US" dirty="0"/>
-              <a:t>，即 </a:t>
-            </a:r>
-            <a:r>
-              <a:rPr lang="en-US" altLang="zh-CN" dirty="0"/>
-              <a:t>A </a:t>
-            </a:r>
-            <a:r>
-              <a:rPr lang="zh-CN" altLang="en-US" dirty="0"/>
-              <a:t>必须是全定义的（</a:t>
-            </a:r>
-            <a:r>
-              <a:rPr lang="en-US" altLang="zh-CN" dirty="0"/>
-              <a:t>total</a:t>
-            </a:r>
-            <a:r>
-              <a:rPr lang="zh-CN" altLang="en-US" dirty="0"/>
-              <a:t>）。这样的要求是为了避免出现程序错误，比如并行执行的两个线程中，一个线程在执行无限循环后，导致程序状态不一致或无法预料的行为。例如，程序中提到的 </a:t>
-            </a:r>
-            <a:r>
-              <a:rPr lang="en-US" altLang="zh-CN" dirty="0"/>
-              <a:t>(x = 1; while (true) skip; yield) || (assert x != 1)</a:t>
-            </a:r>
-            <a:r>
-              <a:rPr lang="zh-CN" altLang="en-US" dirty="0"/>
-              <a:t>，如果不保证左移动部分的终止，就可能导致断言失败，因为第一个线程中的写入操作（</a:t>
-            </a:r>
-            <a:r>
-              <a:rPr lang="en-US" altLang="zh-CN" dirty="0"/>
-              <a:t>x=1</a:t>
-            </a:r>
-            <a:r>
-              <a:rPr lang="zh-CN" altLang="en-US" dirty="0"/>
-              <a:t>）永远不会终止，违反了线程保证 </a:t>
-            </a:r>
-            <a:r>
-              <a:rPr lang="en-US" altLang="zh-CN" dirty="0"/>
-              <a:t>G</a:t>
+              <a:t>的值。因此，</a:t>
+            </a:r>
+            <a:r>
+              <a:rPr lang="en-US" altLang="zh-CN" dirty="0"/>
+              <a:t>P </a:t>
+            </a:r>
+            <a:r>
+              <a:rPr lang="zh-CN" altLang="en-US" dirty="0"/>
+              <a:t>是一个涉及初始存储 </a:t>
+            </a:r>
+            <a:r>
+              <a:rPr lang="en-US" altLang="zh-CN" dirty="0"/>
+              <a:t>σ0 </a:t>
+            </a:r>
+            <a:r>
+              <a:rPr lang="zh-CN" altLang="en-US" dirty="0"/>
+              <a:t>与执行 </a:t>
+            </a:r>
+            <a:r>
+              <a:rPr lang="en-US" altLang="zh-CN" dirty="0"/>
+              <a:t>s </a:t>
+            </a:r>
+            <a:r>
+              <a:rPr lang="zh-CN" altLang="en-US" dirty="0"/>
+              <a:t>的前存储 </a:t>
+            </a:r>
+            <a:r>
+              <a:rPr lang="en-US" altLang="zh-CN" dirty="0"/>
+              <a:t>σ </a:t>
+            </a:r>
+            <a:r>
+              <a:rPr lang="zh-CN" altLang="en-US" dirty="0"/>
+              <a:t>的两个存储关系 </a:t>
+            </a:r>
+            <a:r>
+              <a:rPr lang="en-US" altLang="zh-CN" dirty="0"/>
+              <a:t>P ⊆ </a:t>
+            </a:r>
+            <a:r>
+              <a:rPr lang="en-US" altLang="zh-CN" dirty="0" err="1"/>
+              <a:t>Tid</a:t>
+            </a:r>
+            <a:r>
+              <a:rPr lang="en-US" altLang="zh-CN" dirty="0"/>
+              <a:t> × Store × Store</a:t>
             </a:r>
             <a:r>
               <a:rPr lang="zh-CN" altLang="en-US" dirty="0"/>
               <a:t>。</a:t>
             </a:r>
-          </a:p>
-          <a:p>
-            <a:endParaRPr lang="en-US" altLang="zh-CN" dirty="0"/>
-          </a:p>
-          <a:p>
-            <a:r>
-              <a:rPr lang="en-US" altLang="zh-CN" dirty="0"/>
-              <a:t>[M-WHILE]</a:t>
-            </a:r>
-            <a:r>
-              <a:rPr lang="zh-CN" altLang="en-US" dirty="0"/>
-              <a:t>循环的后置条件是在给定前置条件 </a:t>
-            </a:r>
-            <a:r>
-              <a:rPr lang="en-US" altLang="zh-CN" dirty="0"/>
-              <a:t>P </a:t>
-            </a:r>
-            <a:r>
-              <a:rPr lang="zh-CN" altLang="en-US" dirty="0"/>
-              <a:t>的情况下，</a:t>
-            </a:r>
-            <a:r>
-              <a:rPr lang="en-US" altLang="zh-CN" dirty="0"/>
-              <a:t>A2 </a:t>
-            </a:r>
-            <a:r>
-              <a:rPr lang="zh-CN" altLang="en-US" dirty="0"/>
-              <a:t>的后置条件。循环的效果（</a:t>
-            </a:r>
-            <a:r>
-              <a:rPr lang="en-US" altLang="zh-CN" dirty="0"/>
-              <a:t>effect</a:t>
-            </a:r>
-            <a:r>
-              <a:rPr lang="zh-CN" altLang="en-US" dirty="0"/>
-              <a:t>）是一次迭代的效果（由 </a:t>
-            </a:r>
-            <a:r>
-              <a:rPr lang="en-US" altLang="zh-CN" dirty="0"/>
-              <a:t>M(A1, P); e1 </a:t>
-            </a:r>
-            <a:r>
-              <a:rPr lang="zh-CN" altLang="en-US" dirty="0"/>
-              <a:t>定义）的迭代闭包，与循环终止测试 </a:t>
-            </a:r>
-            <a:r>
-              <a:rPr lang="en-US" altLang="zh-CN" dirty="0"/>
-              <a:t>A2 </a:t>
-            </a:r>
-            <a:r>
-              <a:rPr lang="zh-CN" altLang="en-US" dirty="0"/>
-              <a:t>的效果序列组合。</a:t>
-            </a:r>
-          </a:p>
-          <a:p>
-            <a:r>
-              <a:rPr lang="zh-CN" altLang="en-US" dirty="0"/>
-              <a:t>这里 </a:t>
-            </a:r>
-            <a:r>
-              <a:rPr lang="en-US" altLang="zh-CN" dirty="0"/>
-              <a:t>e = (M(A1, P); e1)*; M(A2, P) </a:t>
-            </a:r>
-            <a:r>
-              <a:rPr lang="zh-CN" altLang="en-US" dirty="0"/>
-              <a:t>表示循环的总效果，由多次迭代的效果和最终循环终止时的效果组成。</a:t>
-            </a:r>
-            <a:r>
-              <a:rPr lang="zh-CN" altLang="en-US" b="0" i="0" dirty="0">
-                <a:solidFill>
-                  <a:srgbClr val="000000"/>
-                </a:solidFill>
-                <a:effectLst/>
-                <a:latin typeface="微软雅黑" panose="020B0503020204020204" pitchFamily="34" charset="-122"/>
-                <a:ea typeface="微软雅黑" panose="020B0503020204020204" pitchFamily="34" charset="-122"/>
-              </a:rPr>
-              <a:t>为了确保左移终止要求，要求</a:t>
-            </a:r>
-            <a:r>
-              <a:rPr lang="en-US" altLang="zh-CN" b="0" i="0" dirty="0">
-                <a:solidFill>
-                  <a:srgbClr val="000000"/>
-                </a:solidFill>
-                <a:effectLst/>
-                <a:latin typeface="微软雅黑" panose="020B0503020204020204" pitchFamily="34" charset="-122"/>
-                <a:ea typeface="微软雅黑" panose="020B0503020204020204" pitchFamily="34" charset="-122"/>
-              </a:rPr>
-              <a:t>e̸⊑L</a:t>
-            </a:r>
-            <a:r>
-              <a:rPr lang="zh-CN" altLang="en-US" b="0" i="0" dirty="0">
-                <a:solidFill>
-                  <a:srgbClr val="000000"/>
-                </a:solidFill>
-                <a:effectLst/>
-                <a:latin typeface="微软雅黑" panose="020B0503020204020204" pitchFamily="34" charset="-122"/>
-                <a:ea typeface="微软雅黑" panose="020B0503020204020204" pitchFamily="34" charset="-122"/>
-              </a:rPr>
-              <a:t>。</a:t>
-            </a:r>
-            <a:r>
-              <a:rPr lang="zh-CN" altLang="en-US" b="1" i="0" dirty="0">
-                <a:solidFill>
-                  <a:srgbClr val="000000"/>
-                </a:solidFill>
-                <a:effectLst/>
-                <a:latin typeface="微软雅黑" panose="020B0503020204020204" pitchFamily="34" charset="-122"/>
-                <a:ea typeface="微软雅黑" panose="020B0503020204020204" pitchFamily="34" charset="-122"/>
-              </a:rPr>
-              <a:t>也就是说，可约序列</a:t>
-            </a:r>
-            <a:r>
-              <a:rPr lang="zh-CN" altLang="en-US" b="1" dirty="0"/>
-              <a:t>在</a:t>
-            </a:r>
-            <a:r>
-              <a:rPr lang="en-US" altLang="zh-CN" b="1" dirty="0" err="1"/>
-              <a:t>postcommit</a:t>
-            </a:r>
-            <a:r>
-              <a:rPr lang="zh-CN" altLang="en-US" b="1" dirty="0"/>
-              <a:t>状态</a:t>
-            </a:r>
-            <a:r>
-              <a:rPr lang="zh-CN" altLang="en-US" b="1" i="0" dirty="0">
-                <a:solidFill>
-                  <a:srgbClr val="000000"/>
-                </a:solidFill>
-                <a:effectLst/>
-                <a:latin typeface="微软雅黑" panose="020B0503020204020204" pitchFamily="34" charset="-122"/>
-                <a:ea typeface="微软雅黑" panose="020B0503020204020204" pitchFamily="34" charset="-122"/>
-              </a:rPr>
-              <a:t>不能包含循环。</a:t>
-            </a:r>
-            <a:endParaRPr lang="zh-CN" altLang="en-US" b="1" dirty="0"/>
           </a:p>
         </p:txBody>
       </p:sp>
@@ -6194,7 +6475,7 @@
           <a:p>
             <a:fld id="{13D28DC2-5057-445C-8872-C1533802A2F5}" type="slidenum">
               <a:rPr lang="zh-CN" altLang="en-US" smtClean="0"/>
-              <a:t>17</a:t>
+              <a:t>16</a:t>
             </a:fld>
             <a:endParaRPr lang="zh-CN" altLang="en-US"/>
           </a:p>
@@ -6203,7 +6484,7 @@
     </p:spTree>
     <p:extLst>
       <p:ext uri="{BB962C8B-B14F-4D97-AF65-F5344CB8AC3E}">
-        <p14:creationId xmlns:p14="http://schemas.microsoft.com/office/powerpoint/2010/main" val="2242676645"/>
+        <p14:creationId xmlns:p14="http://schemas.microsoft.com/office/powerpoint/2010/main" val="1146813633"/>
       </p:ext>
     </p:extLst>
   </p:cSld>
@@ -6360,7 +6641,7 @@
           <a:p>
             <a:fld id="{75490C5C-D93F-48FB-BC0B-65225BE85D68}" type="datetimeFigureOut">
               <a:rPr lang="zh-CN" altLang="en-US" smtClean="0"/>
-              <a:t>2025/1/13</a:t>
+              <a:t>2025/1/14</a:t>
             </a:fld>
             <a:endParaRPr lang="zh-CN" altLang="en-US"/>
           </a:p>
@@ -6558,7 +6839,7 @@
           <a:p>
             <a:fld id="{75490C5C-D93F-48FB-BC0B-65225BE85D68}" type="datetimeFigureOut">
               <a:rPr lang="zh-CN" altLang="en-US" smtClean="0"/>
-              <a:t>2025/1/13</a:t>
+              <a:t>2025/1/14</a:t>
             </a:fld>
             <a:endParaRPr lang="zh-CN" altLang="en-US"/>
           </a:p>
@@ -6766,7 +7047,7 @@
           <a:p>
             <a:fld id="{75490C5C-D93F-48FB-BC0B-65225BE85D68}" type="datetimeFigureOut">
               <a:rPr lang="zh-CN" altLang="en-US" smtClean="0"/>
-              <a:t>2025/1/13</a:t>
+              <a:t>2025/1/14</a:t>
             </a:fld>
             <a:endParaRPr lang="zh-CN" altLang="en-US"/>
           </a:p>
@@ -6964,7 +7245,7 @@
           <a:p>
             <a:fld id="{75490C5C-D93F-48FB-BC0B-65225BE85D68}" type="datetimeFigureOut">
               <a:rPr lang="zh-CN" altLang="en-US" smtClean="0"/>
-              <a:t>2025/1/13</a:t>
+              <a:t>2025/1/14</a:t>
             </a:fld>
             <a:endParaRPr lang="zh-CN" altLang="en-US"/>
           </a:p>
@@ -7239,7 +7520,7 @@
           <a:p>
             <a:fld id="{75490C5C-D93F-48FB-BC0B-65225BE85D68}" type="datetimeFigureOut">
               <a:rPr lang="zh-CN" altLang="en-US" smtClean="0"/>
-              <a:t>2025/1/13</a:t>
+              <a:t>2025/1/14</a:t>
             </a:fld>
             <a:endParaRPr lang="zh-CN" altLang="en-US"/>
           </a:p>
@@ -7504,7 +7785,7 @@
           <a:p>
             <a:fld id="{75490C5C-D93F-48FB-BC0B-65225BE85D68}" type="datetimeFigureOut">
               <a:rPr lang="zh-CN" altLang="en-US" smtClean="0"/>
-              <a:t>2025/1/13</a:t>
+              <a:t>2025/1/14</a:t>
             </a:fld>
             <a:endParaRPr lang="zh-CN" altLang="en-US"/>
           </a:p>
@@ -7916,7 +8197,7 @@
           <a:p>
             <a:fld id="{75490C5C-D93F-48FB-BC0B-65225BE85D68}" type="datetimeFigureOut">
               <a:rPr lang="zh-CN" altLang="en-US" smtClean="0"/>
-              <a:t>2025/1/13</a:t>
+              <a:t>2025/1/14</a:t>
             </a:fld>
             <a:endParaRPr lang="zh-CN" altLang="en-US"/>
           </a:p>
@@ -8057,7 +8338,7 @@
           <a:p>
             <a:fld id="{75490C5C-D93F-48FB-BC0B-65225BE85D68}" type="datetimeFigureOut">
               <a:rPr lang="zh-CN" altLang="en-US" smtClean="0"/>
-              <a:t>2025/1/13</a:t>
+              <a:t>2025/1/14</a:t>
             </a:fld>
             <a:endParaRPr lang="zh-CN" altLang="en-US"/>
           </a:p>
@@ -8170,7 +8451,7 @@
           <a:p>
             <a:fld id="{75490C5C-D93F-48FB-BC0B-65225BE85D68}" type="datetimeFigureOut">
               <a:rPr lang="zh-CN" altLang="en-US" smtClean="0"/>
-              <a:t>2025/1/13</a:t>
+              <a:t>2025/1/14</a:t>
             </a:fld>
             <a:endParaRPr lang="zh-CN" altLang="en-US"/>
           </a:p>
@@ -8481,7 +8762,7 @@
           <a:p>
             <a:fld id="{75490C5C-D93F-48FB-BC0B-65225BE85D68}" type="datetimeFigureOut">
               <a:rPr lang="zh-CN" altLang="en-US" smtClean="0"/>
-              <a:t>2025/1/13</a:t>
+              <a:t>2025/1/14</a:t>
             </a:fld>
             <a:endParaRPr lang="zh-CN" altLang="en-US"/>
           </a:p>
@@ -8769,7 +9050,7 @@
           <a:p>
             <a:fld id="{75490C5C-D93F-48FB-BC0B-65225BE85D68}" type="datetimeFigureOut">
               <a:rPr lang="zh-CN" altLang="en-US" smtClean="0"/>
-              <a:t>2025/1/13</a:t>
+              <a:t>2025/1/14</a:t>
             </a:fld>
             <a:endParaRPr lang="zh-CN" altLang="en-US"/>
           </a:p>
@@ -9010,7 +9291,7 @@
           <a:p>
             <a:fld id="{75490C5C-D93F-48FB-BC0B-65225BE85D68}" type="datetimeFigureOut">
               <a:rPr lang="zh-CN" altLang="en-US" smtClean="0"/>
-              <a:t>2025/1/13</a:t>
+              <a:t>2025/1/14</a:t>
             </a:fld>
             <a:endParaRPr lang="zh-CN" altLang="en-US"/>
           </a:p>
@@ -10532,7 +10813,7 @@
           <p:nvPr/>
         </p:nvPicPr>
         <p:blipFill>
-          <a:blip r:embed="rId2">
+          <a:blip r:embed="rId3">
             <a:extLst>
               <a:ext uri="{28A0092B-C50C-407E-A947-70E740481C1C}">
                 <a14:useLocalDpi xmlns:a14="http://schemas.microsoft.com/office/drawing/2010/main" val="0"/>
@@ -10568,7 +10849,7 @@
           <p:nvPr/>
         </p:nvPicPr>
         <p:blipFill>
-          <a:blip r:embed="rId3"/>
+          <a:blip r:embed="rId4"/>
           <a:stretch>
             <a:fillRect/>
           </a:stretch>
